--- a/presentation/Final Video Presentation.pptx
+++ b/presentation/Final Video Presentation.pptx
@@ -6667,15 +6667,202 @@
             <p:ph sz="quarter" idx="4"/>
           </p:nvPr>
         </p:nvSpPr>
-        <p:spPr/>
-        <p:txBody>
-          <a:bodyPr/>
-          <a:lstStyle/>
-          <a:p>
-            <a:r>
-              <a:rPr lang="en-US" dirty="0"/>
-              <a:t>JSON Output</a:t>
-            </a:r>
+        <p:spPr>
+          <a:xfrm>
+            <a:off x="6996022" y="2505075"/>
+            <a:ext cx="4359365" cy="3684588"/>
+          </a:xfrm>
+        </p:spPr>
+        <p:txBody>
+          <a:bodyPr>
+            <a:noAutofit/>
+          </a:bodyPr>
+          <a:lstStyle/>
+          <a:p>
+            <a:pPr marL="0" indent="0">
+              <a:spcBef>
+                <a:spcPts val="500"/>
+              </a:spcBef>
+              <a:buNone/>
+            </a:pPr>
+            <a:r>
+              <a:rPr lang="it-IT" sz="1400" dirty="0"/>
+              <a:t>{</a:t>
+            </a:r>
+          </a:p>
+          <a:p>
+            <a:pPr marL="0" indent="0">
+              <a:spcBef>
+                <a:spcPts val="500"/>
+              </a:spcBef>
+              <a:buNone/>
+            </a:pPr>
+            <a:r>
+              <a:rPr lang="it-IT" sz="1400" dirty="0"/>
+              <a:t>    "payload": [</a:t>
+            </a:r>
+          </a:p>
+          <a:p>
+            <a:pPr marL="0" indent="0">
+              <a:spcBef>
+                <a:spcPts val="500"/>
+              </a:spcBef>
+              <a:buNone/>
+            </a:pPr>
+            <a:r>
+              <a:rPr lang="it-IT" sz="1400" dirty="0"/>
+              <a:t>        0.0004917857004329562,</a:t>
+            </a:r>
+          </a:p>
+          <a:p>
+            <a:pPr marL="0" indent="0">
+              <a:spcBef>
+                <a:spcPts val="500"/>
+              </a:spcBef>
+              <a:buNone/>
+            </a:pPr>
+            <a:r>
+              <a:rPr lang="it-IT" sz="1400" dirty="0"/>
+              <a:t>        0.0009714150219224393,</a:t>
+            </a:r>
+          </a:p>
+          <a:p>
+            <a:pPr marL="0" indent="0">
+              <a:spcBef>
+                <a:spcPts val="500"/>
+              </a:spcBef>
+              <a:buNone/>
+            </a:pPr>
+            <a:r>
+              <a:rPr lang="it-IT" sz="1400" dirty="0"/>
+              <a:t>        0.00037492465344257653,</a:t>
+            </a:r>
+          </a:p>
+          <a:p>
+            <a:pPr marL="0" indent="0">
+              <a:spcBef>
+                <a:spcPts val="500"/>
+              </a:spcBef>
+              <a:buNone/>
+            </a:pPr>
+            <a:r>
+              <a:rPr lang="it-IT" sz="1400" dirty="0"/>
+              <a:t>        0.0005540588754229248,</a:t>
+            </a:r>
+          </a:p>
+          <a:p>
+            <a:pPr marL="0" indent="0">
+              <a:spcBef>
+                <a:spcPts val="500"/>
+              </a:spcBef>
+              <a:buNone/>
+            </a:pPr>
+            <a:r>
+              <a:rPr lang="it-IT" sz="1400" dirty="0"/>
+              <a:t>        0.000527076655998826,</a:t>
+            </a:r>
+          </a:p>
+          <a:p>
+            <a:pPr marL="0" indent="0">
+              <a:spcBef>
+                <a:spcPts val="500"/>
+              </a:spcBef>
+              <a:buNone/>
+            </a:pPr>
+            <a:r>
+              <a:rPr lang="it-IT" sz="1400" dirty="0"/>
+              <a:t>        4.445736340130679e-05,</a:t>
+            </a:r>
+          </a:p>
+          <a:p>
+            <a:pPr marL="0" indent="0">
+              <a:spcBef>
+                <a:spcPts val="500"/>
+              </a:spcBef>
+              <a:buNone/>
+            </a:pPr>
+            <a:r>
+              <a:rPr lang="it-IT" sz="1400" dirty="0"/>
+              <a:t>        0.03505537286400795,</a:t>
+            </a:r>
+          </a:p>
+          <a:p>
+            <a:pPr marL="0" indent="0">
+              <a:spcBef>
+                <a:spcPts val="500"/>
+              </a:spcBef>
+              <a:buNone/>
+            </a:pPr>
+            <a:r>
+              <a:rPr lang="it-IT" sz="1400" dirty="0"/>
+              <a:t>        0.0012092252727597952,</a:t>
+            </a:r>
+          </a:p>
+          <a:p>
+            <a:pPr marL="0" indent="0">
+              <a:spcBef>
+                <a:spcPts val="500"/>
+              </a:spcBef>
+              <a:buNone/>
+            </a:pPr>
+            <a:r>
+              <a:rPr lang="it-IT" sz="1400" dirty="0"/>
+              <a:t>       </a:t>
+            </a:r>
+            <a:r>
+              <a:rPr lang="it-IT" sz="1400" b="1" dirty="0"/>
+              <a:t> </a:t>
+            </a:r>
+            <a:r>
+              <a:rPr lang="it-IT" sz="1400" b="1" dirty="0">
+                <a:effectLst>
+                  <a:glow rad="228600">
+                    <a:schemeClr val="accent4">
+                      <a:satMod val="175000"/>
+                      <a:alpha val="40000"/>
+                    </a:schemeClr>
+                  </a:glow>
+                </a:effectLst>
+              </a:rPr>
+              <a:t>0.960708737373352,</a:t>
+            </a:r>
+          </a:p>
+          <a:p>
+            <a:pPr marL="0" indent="0">
+              <a:spcBef>
+                <a:spcPts val="500"/>
+              </a:spcBef>
+              <a:buNone/>
+            </a:pPr>
+            <a:r>
+              <a:rPr lang="it-IT" sz="1400" dirty="0"/>
+              <a:t>        6.294571358012035e-05</a:t>
+            </a:r>
+          </a:p>
+          <a:p>
+            <a:pPr marL="0" indent="0">
+              <a:spcBef>
+                <a:spcPts val="500"/>
+              </a:spcBef>
+              <a:buNone/>
+            </a:pPr>
+            <a:r>
+              <a:rPr lang="it-IT" sz="1400" dirty="0"/>
+              <a:t>    ]</a:t>
+            </a:r>
+          </a:p>
+          <a:p>
+            <a:pPr marL="0" indent="0">
+              <a:spcBef>
+                <a:spcPts val="500"/>
+              </a:spcBef>
+              <a:buNone/>
+            </a:pPr>
+            <a:r>
+              <a:rPr lang="it-IT" sz="1400" dirty="0"/>
+              <a:t>}</a:t>
+            </a:r>
+            <a:endParaRPr lang="en-US" sz="1400" dirty="0"/>
           </a:p>
         </p:txBody>
       </p:sp>

--- a/presentation/Final Video Presentation.pptx
+++ b/presentation/Final Video Presentation.pptx
@@ -6,25 +6,28 @@
   </p:sldMasterIdLst>
   <p:sldIdLst>
     <p:sldId id="275" r:id="rId2"/>
-    <p:sldId id="256" r:id="rId3"/>
-    <p:sldId id="257" r:id="rId4"/>
-    <p:sldId id="261" r:id="rId5"/>
-    <p:sldId id="276" r:id="rId6"/>
-    <p:sldId id="262" r:id="rId7"/>
-    <p:sldId id="263" r:id="rId8"/>
-    <p:sldId id="271" r:id="rId9"/>
-    <p:sldId id="272" r:id="rId10"/>
-    <p:sldId id="266" r:id="rId11"/>
-    <p:sldId id="268" r:id="rId12"/>
-    <p:sldId id="270" r:id="rId13"/>
-    <p:sldId id="269" r:id="rId14"/>
-    <p:sldId id="277" r:id="rId15"/>
-    <p:sldId id="278" r:id="rId16"/>
-    <p:sldId id="280" r:id="rId17"/>
-    <p:sldId id="281" r:id="rId18"/>
-    <p:sldId id="274" r:id="rId19"/>
-    <p:sldId id="279" r:id="rId20"/>
-    <p:sldId id="259" r:id="rId21"/>
+    <p:sldId id="284" r:id="rId3"/>
+    <p:sldId id="256" r:id="rId4"/>
+    <p:sldId id="257" r:id="rId5"/>
+    <p:sldId id="283" r:id="rId6"/>
+    <p:sldId id="261" r:id="rId7"/>
+    <p:sldId id="276" r:id="rId8"/>
+    <p:sldId id="262" r:id="rId9"/>
+    <p:sldId id="263" r:id="rId10"/>
+    <p:sldId id="271" r:id="rId11"/>
+    <p:sldId id="272" r:id="rId12"/>
+    <p:sldId id="266" r:id="rId13"/>
+    <p:sldId id="268" r:id="rId14"/>
+    <p:sldId id="270" r:id="rId15"/>
+    <p:sldId id="269" r:id="rId16"/>
+    <p:sldId id="277" r:id="rId17"/>
+    <p:sldId id="278" r:id="rId18"/>
+    <p:sldId id="280" r:id="rId19"/>
+    <p:sldId id="281" r:id="rId20"/>
+    <p:sldId id="282" r:id="rId21"/>
+    <p:sldId id="274" r:id="rId22"/>
+    <p:sldId id="285" r:id="rId23"/>
+    <p:sldId id="287" r:id="rId24"/>
   </p:sldIdLst>
   <p:sldSz cx="12192000" cy="6858000"/>
   <p:notesSz cx="6858000" cy="9144000"/>
@@ -289,7 +292,7 @@
           <a:p>
             <a:fld id="{8E79C276-A82F-4AAD-A745-1C3E18902340}" type="datetimeFigureOut">
               <a:rPr lang="en-US" smtClean="0"/>
-              <a:t>5/1/2020</a:t>
+              <a:t>5/3/2020</a:t>
             </a:fld>
             <a:endParaRPr lang="en-US"/>
           </a:p>
@@ -487,7 +490,7 @@
           <a:p>
             <a:fld id="{8E79C276-A82F-4AAD-A745-1C3E18902340}" type="datetimeFigureOut">
               <a:rPr lang="en-US" smtClean="0"/>
-              <a:t>5/1/2020</a:t>
+              <a:t>5/3/2020</a:t>
             </a:fld>
             <a:endParaRPr lang="en-US"/>
           </a:p>
@@ -695,7 +698,7 @@
           <a:p>
             <a:fld id="{8E79C276-A82F-4AAD-A745-1C3E18902340}" type="datetimeFigureOut">
               <a:rPr lang="en-US" smtClean="0"/>
-              <a:t>5/1/2020</a:t>
+              <a:t>5/3/2020</a:t>
             </a:fld>
             <a:endParaRPr lang="en-US"/>
           </a:p>
@@ -893,7 +896,7 @@
           <a:p>
             <a:fld id="{8E79C276-A82F-4AAD-A745-1C3E18902340}" type="datetimeFigureOut">
               <a:rPr lang="en-US" smtClean="0"/>
-              <a:t>5/1/2020</a:t>
+              <a:t>5/3/2020</a:t>
             </a:fld>
             <a:endParaRPr lang="en-US"/>
           </a:p>
@@ -1168,7 +1171,7 @@
           <a:p>
             <a:fld id="{8E79C276-A82F-4AAD-A745-1C3E18902340}" type="datetimeFigureOut">
               <a:rPr lang="en-US" smtClean="0"/>
-              <a:t>5/1/2020</a:t>
+              <a:t>5/3/2020</a:t>
             </a:fld>
             <a:endParaRPr lang="en-US"/>
           </a:p>
@@ -1433,7 +1436,7 @@
           <a:p>
             <a:fld id="{8E79C276-A82F-4AAD-A745-1C3E18902340}" type="datetimeFigureOut">
               <a:rPr lang="en-US" smtClean="0"/>
-              <a:t>5/1/2020</a:t>
+              <a:t>5/3/2020</a:t>
             </a:fld>
             <a:endParaRPr lang="en-US"/>
           </a:p>
@@ -1850,7 +1853,7 @@
           <a:p>
             <a:fld id="{8E79C276-A82F-4AAD-A745-1C3E18902340}" type="datetimeFigureOut">
               <a:rPr lang="en-US" smtClean="0"/>
-              <a:t>5/1/2020</a:t>
+              <a:t>5/3/2020</a:t>
             </a:fld>
             <a:endParaRPr lang="en-US"/>
           </a:p>
@@ -1996,7 +1999,7 @@
           <a:p>
             <a:fld id="{8E79C276-A82F-4AAD-A745-1C3E18902340}" type="datetimeFigureOut">
               <a:rPr lang="en-US" smtClean="0"/>
-              <a:t>5/1/2020</a:t>
+              <a:t>5/3/2020</a:t>
             </a:fld>
             <a:endParaRPr lang="en-US"/>
           </a:p>
@@ -2109,7 +2112,7 @@
           <a:p>
             <a:fld id="{8E79C276-A82F-4AAD-A745-1C3E18902340}" type="datetimeFigureOut">
               <a:rPr lang="en-US" smtClean="0"/>
-              <a:t>5/1/2020</a:t>
+              <a:t>5/3/2020</a:t>
             </a:fld>
             <a:endParaRPr lang="en-US"/>
           </a:p>
@@ -2420,7 +2423,7 @@
           <a:p>
             <a:fld id="{8E79C276-A82F-4AAD-A745-1C3E18902340}" type="datetimeFigureOut">
               <a:rPr lang="en-US" smtClean="0"/>
-              <a:t>5/1/2020</a:t>
+              <a:t>5/3/2020</a:t>
             </a:fld>
             <a:endParaRPr lang="en-US"/>
           </a:p>
@@ -2713,7 +2716,7 @@
           <a:p>
             <a:fld id="{8E79C276-A82F-4AAD-A745-1C3E18902340}" type="datetimeFigureOut">
               <a:rPr lang="en-US" smtClean="0"/>
-              <a:t>5/1/2020</a:t>
+              <a:t>5/3/2020</a:t>
             </a:fld>
             <a:endParaRPr lang="en-US"/>
           </a:p>
@@ -2954,7 +2957,7 @@
           <a:p>
             <a:fld id="{8E79C276-A82F-4AAD-A745-1C3E18902340}" type="datetimeFigureOut">
               <a:rPr lang="en-US" smtClean="0"/>
-              <a:t>5/1/2020</a:t>
+              <a:t>5/3/2020</a:t>
             </a:fld>
             <a:endParaRPr lang="en-US"/>
           </a:p>
@@ -3394,13 +3397,13 @@
         </p:nvSpPr>
         <p:spPr>
           <a:xfrm>
-            <a:off x="1435100" y="1608139"/>
-            <a:ext cx="9144000" cy="2387600"/>
+            <a:off x="1435100" y="857250"/>
+            <a:ext cx="9144000" cy="3138489"/>
           </a:xfrm>
         </p:spPr>
         <p:txBody>
           <a:bodyPr>
-            <a:normAutofit fontScale="90000"/>
+            <a:normAutofit/>
           </a:bodyPr>
           <a:lstStyle/>
           <a:p>
@@ -3572,11 +3575,24 @@
           <a:lstStyle/>
           <a:p>
             <a:r>
-              <a:rPr lang="en-US" sz="4000" b="1" dirty="0">
+              <a:rPr lang="en-US" sz="4000" b="1" cap="small" dirty="0">
                 <a:latin typeface="Arial" panose="020B0604020202020204" pitchFamily="34" charset="0"/>
                 <a:cs typeface="Arial" panose="020B0604020202020204" pitchFamily="34" charset="0"/>
               </a:rPr>
-              <a:t>Step 3: REST API</a:t>
+              <a:t>Step 2: Model Training and </a:t>
+            </a:r>
+            <a:br>
+              <a:rPr lang="en-US" sz="4000" b="1" cap="small" dirty="0">
+                <a:latin typeface="Arial" panose="020B0604020202020204" pitchFamily="34" charset="0"/>
+                <a:cs typeface="Arial" panose="020B0604020202020204" pitchFamily="34" charset="0"/>
+              </a:rPr>
+            </a:br>
+            <a:r>
+              <a:rPr lang="en-US" sz="4000" b="1" cap="small" dirty="0">
+                <a:latin typeface="Arial" panose="020B0604020202020204" pitchFamily="34" charset="0"/>
+                <a:cs typeface="Arial" panose="020B0604020202020204" pitchFamily="34" charset="0"/>
+              </a:rPr>
+              <a:t>Endpoint Deployment</a:t>
             </a:r>
             <a:endParaRPr lang="en-US" sz="4000" dirty="0"/>
           </a:p>
@@ -3584,10 +3600,10 @@
       </p:sp>
       <p:pic>
         <p:nvPicPr>
-          <p:cNvPr id="5" name="Picture 4">
-            <a:extLst>
-              <a:ext uri="{FF2B5EF4-FFF2-40B4-BE49-F238E27FC236}">
-                <a16:creationId xmlns:a16="http://schemas.microsoft.com/office/drawing/2014/main" id="{E6233ACC-C301-4FD4-A5EC-259E1E60B09D}"/>
+          <p:cNvPr id="6" name="Picture 5">
+            <a:extLst>
+              <a:ext uri="{FF2B5EF4-FFF2-40B4-BE49-F238E27FC236}">
+                <a16:creationId xmlns:a16="http://schemas.microsoft.com/office/drawing/2014/main" id="{D594EBF5-767C-428A-A36A-5EA181C49701}"/>
               </a:ext>
             </a:extLst>
           </p:cNvPr>
@@ -3604,13 +3620,13 @@
               </a:ext>
             </a:extLst>
           </a:blip>
-          <a:srcRect t="11002"/>
+          <a:srcRect t="14344"/>
           <a:stretch/>
         </p:blipFill>
         <p:spPr>
           <a:xfrm>
-            <a:off x="838202" y="2482531"/>
-            <a:ext cx="8011643" cy="4086546"/>
+            <a:off x="838200" y="1690688"/>
+            <a:ext cx="10330651" cy="5025548"/>
           </a:xfrm>
           <a:prstGeom prst="rect">
             <a:avLst/>
@@ -3619,10 +3635,10 @@
       </p:pic>
       <p:sp>
         <p:nvSpPr>
-          <p:cNvPr id="9" name="Google Shape;101;p13">
-            <a:extLst>
-              <a:ext uri="{FF2B5EF4-FFF2-40B4-BE49-F238E27FC236}">
-                <a16:creationId xmlns:a16="http://schemas.microsoft.com/office/drawing/2014/main" id="{A85663D4-86E9-49F8-93C8-0F68742AC42A}"/>
+          <p:cNvPr id="11" name="Rectangle: Rounded Corners 10">
+            <a:extLst>
+              <a:ext uri="{FF2B5EF4-FFF2-40B4-BE49-F238E27FC236}">
+                <a16:creationId xmlns:a16="http://schemas.microsoft.com/office/drawing/2014/main" id="{67066773-5DAF-4666-87C0-3C7639A8D172}"/>
               </a:ext>
             </a:extLst>
           </p:cNvPr>
@@ -3631,223 +3647,8 @@
         </p:nvSpPr>
         <p:spPr>
           <a:xfrm>
-            <a:off x="9411820" y="982533"/>
-            <a:ext cx="1371372" cy="1142811"/>
-          </a:xfrm>
-          <a:prstGeom prst="roundRect">
-            <a:avLst>
-              <a:gd name="adj" fmla="val 16667"/>
-            </a:avLst>
-          </a:prstGeom>
-          <a:solidFill>
-            <a:srgbClr val="13705E">
-              <a:alpha val="25098"/>
-            </a:srgbClr>
-          </a:solidFill>
-          <a:ln w="38100" cap="flat" cmpd="sng">
-            <a:solidFill>
-              <a:srgbClr val="13705E"/>
-            </a:solidFill>
-            <a:prstDash val="solid"/>
-            <a:miter lim="800000"/>
-            <a:headEnd type="none" w="sm" len="sm"/>
-            <a:tailEnd type="none" w="sm" len="sm"/>
-          </a:ln>
-          <a:effectLst>
-            <a:softEdge rad="0"/>
-          </a:effectLst>
-        </p:spPr>
-        <p:txBody>
-          <a:bodyPr spcFirstLastPara="1" wrap="square" lIns="42809" tIns="21396" rIns="42809" bIns="21396" anchor="t" anchorCtr="0">
-            <a:noAutofit/>
-          </a:bodyPr>
-          <a:lstStyle/>
-          <a:p>
-            <a:pPr algn="ctr"/>
-            <a:r>
-              <a:rPr lang="en-US" sz="1500" b="1" dirty="0">
-                <a:solidFill>
-                  <a:srgbClr val="13705E"/>
-                </a:solidFill>
-                <a:latin typeface="Calibri"/>
-                <a:ea typeface="Calibri"/>
-                <a:cs typeface="Calibri"/>
-                <a:sym typeface="Calibri"/>
-              </a:rPr>
-              <a:t>Endpoint</a:t>
-            </a:r>
-            <a:br>
-              <a:rPr lang="en-US" sz="2000" b="1" dirty="0">
-                <a:solidFill>
-                  <a:srgbClr val="13705E"/>
-                </a:solidFill>
-                <a:latin typeface="Calibri"/>
-                <a:ea typeface="Calibri"/>
-                <a:cs typeface="Calibri"/>
-                <a:sym typeface="Calibri"/>
-              </a:rPr>
-            </a:br>
-            <a:endParaRPr lang="en-US" sz="500" b="1" dirty="0">
-              <a:solidFill>
-                <a:srgbClr val="13705E"/>
-              </a:solidFill>
-              <a:latin typeface="Calibri"/>
-              <a:ea typeface="Calibri"/>
-              <a:cs typeface="Calibri"/>
-              <a:sym typeface="Calibri"/>
-            </a:endParaRPr>
-          </a:p>
-          <a:p>
-            <a:pPr algn="ctr"/>
-            <a:r>
-              <a:rPr lang="en-US" sz="1250" b="1" dirty="0">
-                <a:solidFill>
-                  <a:srgbClr val="13705E"/>
-                </a:solidFill>
-                <a:latin typeface="Calibri"/>
-                <a:ea typeface="Calibri"/>
-                <a:cs typeface="Calibri"/>
-                <a:sym typeface="Calibri"/>
-              </a:rPr>
-              <a:t>Endpoint</a:t>
-            </a:r>
-            <a:r>
-              <a:rPr lang="en-US" sz="1250" dirty="0">
-                <a:solidFill>
-                  <a:srgbClr val="13705E"/>
-                </a:solidFill>
-                <a:latin typeface="Calibri"/>
-                <a:ea typeface="Calibri"/>
-                <a:cs typeface="Calibri"/>
-                <a:sym typeface="Calibri"/>
-              </a:rPr>
-              <a:t> is</a:t>
-            </a:r>
-            <a:br>
-              <a:rPr lang="en-US" sz="1250" dirty="0">
-                <a:solidFill>
-                  <a:srgbClr val="13705E"/>
-                </a:solidFill>
-                <a:latin typeface="Calibri"/>
-                <a:ea typeface="Calibri"/>
-                <a:cs typeface="Calibri"/>
-                <a:sym typeface="Calibri"/>
-              </a:rPr>
-            </a:br>
-            <a:r>
-              <a:rPr lang="en-US" sz="1250" dirty="0">
-                <a:solidFill>
-                  <a:srgbClr val="13705E"/>
-                </a:solidFill>
-                <a:latin typeface="Calibri"/>
-                <a:ea typeface="Calibri"/>
-                <a:cs typeface="Calibri"/>
-                <a:sym typeface="Calibri"/>
-              </a:rPr>
-              <a:t>Created / Updated</a:t>
-            </a:r>
-          </a:p>
-        </p:txBody>
-      </p:sp>
-      <p:cxnSp>
-        <p:nvCxnSpPr>
-          <p:cNvPr id="10" name="Connector: Elbow 9">
-            <a:extLst>
-              <a:ext uri="{FF2B5EF4-FFF2-40B4-BE49-F238E27FC236}">
-                <a16:creationId xmlns:a16="http://schemas.microsoft.com/office/drawing/2014/main" id="{42A1BF2A-169A-4E16-9578-836AF886F4AE}"/>
-              </a:ext>
-            </a:extLst>
-          </p:cNvPr>
-          <p:cNvCxnSpPr>
-            <a:cxnSpLocks/>
-            <a:endCxn id="9" idx="2"/>
-          </p:cNvCxnSpPr>
-          <p:nvPr/>
-        </p:nvCxnSpPr>
-        <p:spPr>
-          <a:xfrm flipV="1">
-            <a:off x="8534401" y="2125343"/>
-            <a:ext cx="1563106" cy="395289"/>
-          </a:xfrm>
-          <a:prstGeom prst="bentConnector2">
-            <a:avLst/>
-          </a:prstGeom>
-          <a:ln w="63500">
-            <a:solidFill>
-              <a:schemeClr val="tx1"/>
-            </a:solidFill>
-            <a:prstDash val="dash"/>
-            <a:headEnd type="none"/>
-            <a:tailEnd type="triangle"/>
-          </a:ln>
-        </p:spPr>
-        <p:style>
-          <a:lnRef idx="1">
-            <a:schemeClr val="accent1"/>
-          </a:lnRef>
-          <a:fillRef idx="0">
-            <a:schemeClr val="accent1"/>
-          </a:fillRef>
-          <a:effectRef idx="0">
-            <a:schemeClr val="accent1"/>
-          </a:effectRef>
-          <a:fontRef idx="minor">
-            <a:schemeClr val="tx1"/>
-          </a:fontRef>
-        </p:style>
-      </p:cxnSp>
-      <p:pic>
-        <p:nvPicPr>
-          <p:cNvPr id="16" name="Graphic 37">
-            <a:extLst>
-              <a:ext uri="{FF2B5EF4-FFF2-40B4-BE49-F238E27FC236}">
-                <a16:creationId xmlns:a16="http://schemas.microsoft.com/office/drawing/2014/main" id="{10C58FAA-0120-4364-9B4C-F0DB08598390}"/>
-              </a:ext>
-            </a:extLst>
-          </p:cNvPr>
-          <p:cNvPicPr>
-            <a:picLocks noChangeAspect="1"/>
-          </p:cNvPicPr>
-          <p:nvPr/>
-        </p:nvPicPr>
-        <p:blipFill>
-          <a:blip r:embed="rId3">
-            <a:extLst>
-              <a:ext uri="{96DAC541-7B7A-43D3-8B79-37D633B846F1}">
-                <asvg:svgBlip xmlns:asvg="http://schemas.microsoft.com/office/drawing/2016/SVG/main" r:embed="rId4"/>
-              </a:ext>
-            </a:extLst>
-          </a:blip>
-          <a:stretch>
-            <a:fillRect/>
-          </a:stretch>
-        </p:blipFill>
-        <p:spPr>
-          <a:xfrm>
-            <a:off x="8448977" y="1211095"/>
-            <a:ext cx="685687" cy="685687"/>
-          </a:xfrm>
-          <a:prstGeom prst="rect">
-            <a:avLst/>
-          </a:prstGeom>
-        </p:spPr>
-      </p:pic>
-      <p:sp>
-        <p:nvSpPr>
-          <p:cNvPr id="17" name="Rectangle: Rounded Corners 16">
-            <a:extLst>
-              <a:ext uri="{FF2B5EF4-FFF2-40B4-BE49-F238E27FC236}">
-                <a16:creationId xmlns:a16="http://schemas.microsoft.com/office/drawing/2014/main" id="{BF1EAE57-F5B8-4D11-A46D-41E2750C7554}"/>
-              </a:ext>
-            </a:extLst>
-          </p:cNvPr>
-          <p:cNvSpPr/>
-          <p:nvPr/>
-        </p:nvSpPr>
-        <p:spPr>
-          <a:xfrm>
-            <a:off x="8248651" y="770341"/>
-            <a:ext cx="2825749" cy="1597908"/>
+            <a:off x="8283842" y="1955969"/>
+            <a:ext cx="2338631" cy="972373"/>
           </a:xfrm>
           <a:prstGeom prst="roundRect">
             <a:avLst/>
@@ -3855,7 +3656,7 @@
           <a:noFill/>
           <a:ln w="50800">
             <a:solidFill>
-              <a:srgbClr val="13705E"/>
+              <a:srgbClr val="2B7418"/>
             </a:solidFill>
             <a:prstDash val="dash"/>
           </a:ln>
@@ -3887,10 +3688,10 @@
       </p:sp>
       <p:sp>
         <p:nvSpPr>
-          <p:cNvPr id="25" name="Rectangle 24">
-            <a:extLst>
-              <a:ext uri="{FF2B5EF4-FFF2-40B4-BE49-F238E27FC236}">
-                <a16:creationId xmlns:a16="http://schemas.microsoft.com/office/drawing/2014/main" id="{4DD2F02E-344B-4311-A7D2-994F3208E3F0}"/>
+          <p:cNvPr id="12" name="Google Shape;101;p13">
+            <a:extLst>
+              <a:ext uri="{FF2B5EF4-FFF2-40B4-BE49-F238E27FC236}">
+                <a16:creationId xmlns:a16="http://schemas.microsoft.com/office/drawing/2014/main" id="{6299F879-959B-4C8C-91D6-D5E7965CECE5}"/>
               </a:ext>
             </a:extLst>
           </p:cNvPr>
@@ -3899,15 +3700,170 @@
         </p:nvSpPr>
         <p:spPr>
           <a:xfrm>
-            <a:off x="8248651" y="259236"/>
-            <a:ext cx="1370760" cy="400110"/>
+            <a:off x="8610194" y="2096226"/>
+            <a:ext cx="1257092" cy="685687"/>
+          </a:xfrm>
+          <a:prstGeom prst="roundRect">
+            <a:avLst>
+              <a:gd name="adj" fmla="val 16667"/>
+            </a:avLst>
+          </a:prstGeom>
+          <a:solidFill>
+            <a:srgbClr val="2B7418">
+              <a:alpha val="25098"/>
+            </a:srgbClr>
+          </a:solidFill>
+          <a:ln w="38100" cap="flat" cmpd="sng">
+            <a:solidFill>
+              <a:srgbClr val="2B7418"/>
+            </a:solidFill>
+            <a:prstDash val="solid"/>
+            <a:miter lim="800000"/>
+            <a:headEnd type="none" w="sm" len="sm"/>
+            <a:tailEnd type="none" w="sm" len="sm"/>
+          </a:ln>
+          <a:effectLst>
+            <a:softEdge rad="0"/>
+          </a:effectLst>
+        </p:spPr>
+        <p:txBody>
+          <a:bodyPr spcFirstLastPara="1" wrap="square" lIns="42809" tIns="21396" rIns="42809" bIns="21396" anchor="ctr" anchorCtr="0">
+            <a:noAutofit/>
+          </a:bodyPr>
+          <a:lstStyle/>
+          <a:p>
+            <a:pPr algn="ctr"/>
+            <a:r>
+              <a:rPr lang="en-US" sz="1250" b="1" dirty="0">
+                <a:solidFill>
+                  <a:srgbClr val="2B7418"/>
+                </a:solidFill>
+                <a:latin typeface="Calibri"/>
+                <a:ea typeface="Calibri"/>
+                <a:cs typeface="Calibri"/>
+                <a:sym typeface="Calibri"/>
+              </a:rPr>
+              <a:t>Upload </a:t>
+            </a:r>
+            <a:r>
+              <a:rPr lang="en-US" sz="1250" dirty="0">
+                <a:solidFill>
+                  <a:srgbClr val="2B7418"/>
+                </a:solidFill>
+                <a:latin typeface="Calibri"/>
+                <a:ea typeface="Calibri"/>
+                <a:cs typeface="Calibri"/>
+                <a:sym typeface="Calibri"/>
+              </a:rPr>
+              <a:t>data</a:t>
+            </a:r>
+            <a:r>
+              <a:rPr lang="en-US" sz="1250" b="1" dirty="0">
+                <a:solidFill>
+                  <a:srgbClr val="2B7418"/>
+                </a:solidFill>
+                <a:latin typeface="Calibri"/>
+                <a:ea typeface="Calibri"/>
+                <a:cs typeface="Calibri"/>
+                <a:sym typeface="Calibri"/>
+              </a:rPr>
+              <a:t> </a:t>
+            </a:r>
+          </a:p>
+          <a:p>
+            <a:pPr algn="ctr"/>
+            <a:r>
+              <a:rPr lang="en-US" sz="1250" dirty="0">
+                <a:solidFill>
+                  <a:srgbClr val="2B7418"/>
+                </a:solidFill>
+                <a:latin typeface="Calibri"/>
+                <a:ea typeface="Calibri"/>
+                <a:cs typeface="Calibri"/>
+                <a:sym typeface="Calibri"/>
+              </a:rPr>
+              <a:t>to</a:t>
+            </a:r>
+            <a:r>
+              <a:rPr lang="en-US" sz="1250" b="1" dirty="0">
+                <a:solidFill>
+                  <a:srgbClr val="2B7418"/>
+                </a:solidFill>
+                <a:latin typeface="Calibri"/>
+                <a:ea typeface="Calibri"/>
+                <a:cs typeface="Calibri"/>
+                <a:sym typeface="Calibri"/>
+              </a:rPr>
+              <a:t> S3 Bucket</a:t>
+            </a:r>
+            <a:endParaRPr lang="en-US" sz="1250" b="1" dirty="0">
+              <a:solidFill>
+                <a:srgbClr val="2B7418"/>
+              </a:solidFill>
+            </a:endParaRPr>
+          </a:p>
+        </p:txBody>
+      </p:sp>
+      <p:pic>
+        <p:nvPicPr>
+          <p:cNvPr id="13" name="Graphic 68">
+            <a:extLst>
+              <a:ext uri="{FF2B5EF4-FFF2-40B4-BE49-F238E27FC236}">
+                <a16:creationId xmlns:a16="http://schemas.microsoft.com/office/drawing/2014/main" id="{4A1894B5-26E1-4FE3-BCC9-AF01BF954EDA}"/>
+              </a:ext>
+            </a:extLst>
+          </p:cNvPr>
+          <p:cNvPicPr>
+            <a:picLocks noChangeAspect="1"/>
+          </p:cNvPicPr>
+          <p:nvPr/>
+        </p:nvPicPr>
+        <p:blipFill>
+          <a:blip r:embed="rId3">
+            <a:extLst>
+              <a:ext uri="{96DAC541-7B7A-43D3-8B79-37D633B846F1}">
+                <asvg:svgBlip xmlns:asvg="http://schemas.microsoft.com/office/drawing/2016/SVG/main" r:embed="rId4"/>
+              </a:ext>
+            </a:extLst>
+          </a:blip>
+          <a:stretch>
+            <a:fillRect/>
+          </a:stretch>
+        </p:blipFill>
+        <p:spPr>
+          <a:xfrm>
+            <a:off x="9987911" y="2141147"/>
+            <a:ext cx="605017" cy="605019"/>
           </a:xfrm>
           <a:prstGeom prst="rect">
             <a:avLst/>
           </a:prstGeom>
         </p:spPr>
-        <p:txBody>
-          <a:bodyPr wrap="none">
+      </p:pic>
+      <p:sp>
+        <p:nvSpPr>
+          <p:cNvPr id="14" name="TextBox 13">
+            <a:extLst>
+              <a:ext uri="{FF2B5EF4-FFF2-40B4-BE49-F238E27FC236}">
+                <a16:creationId xmlns:a16="http://schemas.microsoft.com/office/drawing/2014/main" id="{7627BB45-57F8-4210-8C5E-2400ED2AE9BD}"/>
+              </a:ext>
+            </a:extLst>
+          </p:cNvPr>
+          <p:cNvSpPr txBox="1"/>
+          <p:nvPr/>
+        </p:nvSpPr>
+        <p:spPr>
+          <a:xfrm>
+            <a:off x="8253799" y="1535811"/>
+            <a:ext cx="436338" cy="400110"/>
+          </a:xfrm>
+          <a:prstGeom prst="rect">
+            <a:avLst/>
+          </a:prstGeom>
+          <a:noFill/>
+        </p:spPr>
+        <p:txBody>
+          <a:bodyPr wrap="none" rtlCol="0">
             <a:spAutoFit/>
           </a:bodyPr>
           <a:lstStyle/>
@@ -3915,18 +3871,182 @@
             <a:r>
               <a:rPr lang="en-US" sz="2000" b="1" dirty="0">
                 <a:solidFill>
-                  <a:srgbClr val="13705E"/>
+                  <a:srgbClr val="2B7418"/>
                 </a:solidFill>
               </a:rPr>
-              <a:t>SageMaker</a:t>
-            </a:r>
+              <a:t>S3</a:t>
+            </a:r>
+          </a:p>
+        </p:txBody>
+      </p:sp>
+      <p:cxnSp>
+        <p:nvCxnSpPr>
+          <p:cNvPr id="15" name="Straight Arrow Connector 14">
+            <a:extLst>
+              <a:ext uri="{FF2B5EF4-FFF2-40B4-BE49-F238E27FC236}">
+                <a16:creationId xmlns:a16="http://schemas.microsoft.com/office/drawing/2014/main" id="{4AAD7E5C-48AD-4B8E-9091-A381C5724517}"/>
+              </a:ext>
+            </a:extLst>
+          </p:cNvPr>
+          <p:cNvCxnSpPr>
+            <a:cxnSpLocks/>
+            <a:endCxn id="12" idx="1"/>
+          </p:cNvCxnSpPr>
+          <p:nvPr/>
+        </p:nvCxnSpPr>
+        <p:spPr>
+          <a:xfrm>
+            <a:off x="7620000" y="2439069"/>
+            <a:ext cx="990194" cy="0"/>
+          </a:xfrm>
+          <a:prstGeom prst="straightConnector1">
+            <a:avLst/>
+          </a:prstGeom>
+          <a:ln w="63500">
+            <a:solidFill>
+              <a:schemeClr val="tx1"/>
+            </a:solidFill>
+            <a:prstDash val="dash"/>
+            <a:headEnd type="none"/>
+            <a:tailEnd type="triangle"/>
+          </a:ln>
+        </p:spPr>
+        <p:style>
+          <a:lnRef idx="1">
+            <a:schemeClr val="accent1"/>
+          </a:lnRef>
+          <a:fillRef idx="0">
+            <a:schemeClr val="accent1"/>
+          </a:fillRef>
+          <a:effectRef idx="0">
+            <a:schemeClr val="accent1"/>
+          </a:effectRef>
+          <a:fontRef idx="minor">
+            <a:schemeClr val="tx1"/>
+          </a:fontRef>
+        </p:style>
+      </p:cxnSp>
+      <p:sp>
+        <p:nvSpPr>
+          <p:cNvPr id="18" name="Rectangle 17">
+            <a:extLst>
+              <a:ext uri="{FF2B5EF4-FFF2-40B4-BE49-F238E27FC236}">
+                <a16:creationId xmlns:a16="http://schemas.microsoft.com/office/drawing/2014/main" id="{A1126BF7-83BA-4727-A169-234E7E0FF789}"/>
+              </a:ext>
+            </a:extLst>
+          </p:cNvPr>
+          <p:cNvSpPr/>
+          <p:nvPr/>
+        </p:nvSpPr>
+        <p:spPr>
+          <a:xfrm>
+            <a:off x="7181852" y="1690688"/>
+            <a:ext cx="785813" cy="709612"/>
+          </a:xfrm>
+          <a:prstGeom prst="rect">
+            <a:avLst/>
+          </a:prstGeom>
+          <a:solidFill>
+            <a:schemeClr val="bg1"/>
+          </a:solidFill>
+          <a:ln>
+            <a:noFill/>
+          </a:ln>
+        </p:spPr>
+        <p:style>
+          <a:lnRef idx="2">
+            <a:schemeClr val="accent1">
+              <a:shade val="50000"/>
+            </a:schemeClr>
+          </a:lnRef>
+          <a:fillRef idx="1">
+            <a:schemeClr val="accent1"/>
+          </a:fillRef>
+          <a:effectRef idx="0">
+            <a:schemeClr val="accent1"/>
+          </a:effectRef>
+          <a:fontRef idx="minor">
+            <a:schemeClr val="lt1"/>
+          </a:fontRef>
+        </p:style>
+        <p:txBody>
+          <a:bodyPr rtlCol="0" anchor="ctr"/>
+          <a:lstStyle/>
+          <a:p>
+            <a:pPr algn="ctr"/>
+            <a:endParaRPr lang="en-US" sz="1801"/>
+          </a:p>
+        </p:txBody>
+      </p:sp>
+      <p:sp>
+        <p:nvSpPr>
+          <p:cNvPr id="10" name="Rectangle: Rounded Corners 9">
+            <a:extLst>
+              <a:ext uri="{FF2B5EF4-FFF2-40B4-BE49-F238E27FC236}">
+                <a16:creationId xmlns:a16="http://schemas.microsoft.com/office/drawing/2014/main" id="{53EB6383-AFC5-43F8-8ABC-30BA663CEA5C}"/>
+              </a:ext>
+            </a:extLst>
+          </p:cNvPr>
+          <p:cNvSpPr/>
+          <p:nvPr/>
+        </p:nvSpPr>
+        <p:spPr>
+          <a:xfrm>
+            <a:off x="571501" y="1600200"/>
+            <a:ext cx="6134100" cy="1943100"/>
+          </a:xfrm>
+          <a:prstGeom prst="roundRect">
+            <a:avLst/>
+          </a:prstGeom>
+          <a:noFill/>
+          <a:ln w="130175" cap="rnd">
+            <a:solidFill>
+              <a:srgbClr val="FFFF00"/>
+            </a:solidFill>
+          </a:ln>
+          <a:effectLst>
+            <a:glow rad="101600">
+              <a:schemeClr val="accent4">
+                <a:satMod val="175000"/>
+                <a:alpha val="40000"/>
+              </a:schemeClr>
+            </a:glow>
+            <a:outerShdw blurRad="50800" dist="38100" dir="2700000" algn="tl" rotWithShape="0">
+              <a:prstClr val="black">
+                <a:alpha val="40000"/>
+              </a:prstClr>
+            </a:outerShdw>
+          </a:effectLst>
+        </p:spPr>
+        <p:style>
+          <a:lnRef idx="2">
+            <a:schemeClr val="accent1">
+              <a:shade val="50000"/>
+            </a:schemeClr>
+          </a:lnRef>
+          <a:fillRef idx="1">
+            <a:schemeClr val="accent1"/>
+          </a:fillRef>
+          <a:effectRef idx="0">
+            <a:schemeClr val="accent1"/>
+          </a:effectRef>
+          <a:fontRef idx="minor">
+            <a:schemeClr val="lt1"/>
+          </a:fontRef>
+        </p:style>
+        <p:txBody>
+          <a:bodyPr rtlCol="0" anchor="ctr"/>
+          <a:lstStyle/>
+          <a:p>
+            <a:pPr algn="ctr"/>
+            <a:endParaRPr lang="en-US" sz="1801"/>
           </a:p>
         </p:txBody>
       </p:sp>
     </p:spTree>
     <p:extLst>
       <p:ext uri="{BB962C8B-B14F-4D97-AF65-F5344CB8AC3E}">
-        <p14:creationId xmlns:p14="http://schemas.microsoft.com/office/powerpoint/2010/main" val="712800153"/>
+        <p14:creationId xmlns:p14="http://schemas.microsoft.com/office/powerpoint/2010/main" val="3551521996"/>
       </p:ext>
     </p:extLst>
   </p:cSld>
@@ -3977,11 +4097,24 @@
           <a:lstStyle/>
           <a:p>
             <a:r>
-              <a:rPr lang="en-US" sz="4000" b="1" dirty="0">
+              <a:rPr lang="en-US" sz="4000" b="1" cap="small" dirty="0">
                 <a:latin typeface="Arial" panose="020B0604020202020204" pitchFamily="34" charset="0"/>
                 <a:cs typeface="Arial" panose="020B0604020202020204" pitchFamily="34" charset="0"/>
               </a:rPr>
-              <a:t>Step 3: REST API</a:t>
+              <a:t>Step 2: Model Training and </a:t>
+            </a:r>
+            <a:br>
+              <a:rPr lang="en-US" sz="4000" b="1" cap="small" dirty="0">
+                <a:latin typeface="Arial" panose="020B0604020202020204" pitchFamily="34" charset="0"/>
+                <a:cs typeface="Arial" panose="020B0604020202020204" pitchFamily="34" charset="0"/>
+              </a:rPr>
+            </a:br>
+            <a:r>
+              <a:rPr lang="en-US" sz="4000" b="1" cap="small" dirty="0">
+                <a:latin typeface="Arial" panose="020B0604020202020204" pitchFamily="34" charset="0"/>
+                <a:cs typeface="Arial" panose="020B0604020202020204" pitchFamily="34" charset="0"/>
+              </a:rPr>
+              <a:t>Endpoint Deployment</a:t>
             </a:r>
             <a:endParaRPr lang="en-US" sz="4000" dirty="0"/>
           </a:p>
@@ -3989,10 +4122,10 @@
       </p:sp>
       <p:pic>
         <p:nvPicPr>
-          <p:cNvPr id="5" name="Picture 4">
-            <a:extLst>
-              <a:ext uri="{FF2B5EF4-FFF2-40B4-BE49-F238E27FC236}">
-                <a16:creationId xmlns:a16="http://schemas.microsoft.com/office/drawing/2014/main" id="{E6233ACC-C301-4FD4-A5EC-259E1E60B09D}"/>
+          <p:cNvPr id="6" name="Picture 5">
+            <a:extLst>
+              <a:ext uri="{FF2B5EF4-FFF2-40B4-BE49-F238E27FC236}">
+                <a16:creationId xmlns:a16="http://schemas.microsoft.com/office/drawing/2014/main" id="{D594EBF5-767C-428A-A36A-5EA181C49701}"/>
               </a:ext>
             </a:extLst>
           </p:cNvPr>
@@ -4009,13 +4142,13 @@
               </a:ext>
             </a:extLst>
           </a:blip>
-          <a:srcRect t="11002"/>
+          <a:srcRect t="14344"/>
           <a:stretch/>
         </p:blipFill>
         <p:spPr>
           <a:xfrm>
-            <a:off x="838202" y="2482531"/>
-            <a:ext cx="8011643" cy="4086546"/>
+            <a:off x="838200" y="1690688"/>
+            <a:ext cx="10330651" cy="5025548"/>
           </a:xfrm>
           <a:prstGeom prst="rect">
             <a:avLst/>
@@ -4024,10 +4157,10 @@
       </p:pic>
       <p:sp>
         <p:nvSpPr>
-          <p:cNvPr id="9" name="Google Shape;101;p13">
-            <a:extLst>
-              <a:ext uri="{FF2B5EF4-FFF2-40B4-BE49-F238E27FC236}">
-                <a16:creationId xmlns:a16="http://schemas.microsoft.com/office/drawing/2014/main" id="{A85663D4-86E9-49F8-93C8-0F68742AC42A}"/>
+          <p:cNvPr id="11" name="Rectangle: Rounded Corners 10">
+            <a:extLst>
+              <a:ext uri="{FF2B5EF4-FFF2-40B4-BE49-F238E27FC236}">
+                <a16:creationId xmlns:a16="http://schemas.microsoft.com/office/drawing/2014/main" id="{67066773-5DAF-4666-87C0-3C7639A8D172}"/>
               </a:ext>
             </a:extLst>
           </p:cNvPr>
@@ -4036,223 +4169,8 @@
         </p:nvSpPr>
         <p:spPr>
           <a:xfrm>
-            <a:off x="9411820" y="982533"/>
-            <a:ext cx="1371372" cy="1142811"/>
-          </a:xfrm>
-          <a:prstGeom prst="roundRect">
-            <a:avLst>
-              <a:gd name="adj" fmla="val 16667"/>
-            </a:avLst>
-          </a:prstGeom>
-          <a:solidFill>
-            <a:srgbClr val="13705E">
-              <a:alpha val="25098"/>
-            </a:srgbClr>
-          </a:solidFill>
-          <a:ln w="38100" cap="flat" cmpd="sng">
-            <a:solidFill>
-              <a:srgbClr val="13705E"/>
-            </a:solidFill>
-            <a:prstDash val="solid"/>
-            <a:miter lim="800000"/>
-            <a:headEnd type="none" w="sm" len="sm"/>
-            <a:tailEnd type="none" w="sm" len="sm"/>
-          </a:ln>
-          <a:effectLst>
-            <a:softEdge rad="0"/>
-          </a:effectLst>
-        </p:spPr>
-        <p:txBody>
-          <a:bodyPr spcFirstLastPara="1" wrap="square" lIns="42809" tIns="21396" rIns="42809" bIns="21396" anchor="t" anchorCtr="0">
-            <a:noAutofit/>
-          </a:bodyPr>
-          <a:lstStyle/>
-          <a:p>
-            <a:pPr algn="ctr"/>
-            <a:r>
-              <a:rPr lang="en-US" sz="1500" b="1" dirty="0">
-                <a:solidFill>
-                  <a:srgbClr val="13705E"/>
-                </a:solidFill>
-                <a:latin typeface="Calibri"/>
-                <a:ea typeface="Calibri"/>
-                <a:cs typeface="Calibri"/>
-                <a:sym typeface="Calibri"/>
-              </a:rPr>
-              <a:t>Endpoint</a:t>
-            </a:r>
-            <a:br>
-              <a:rPr lang="en-US" sz="2000" b="1" dirty="0">
-                <a:solidFill>
-                  <a:srgbClr val="13705E"/>
-                </a:solidFill>
-                <a:latin typeface="Calibri"/>
-                <a:ea typeface="Calibri"/>
-                <a:cs typeface="Calibri"/>
-                <a:sym typeface="Calibri"/>
-              </a:rPr>
-            </a:br>
-            <a:endParaRPr lang="en-US" sz="500" b="1" dirty="0">
-              <a:solidFill>
-                <a:srgbClr val="13705E"/>
-              </a:solidFill>
-              <a:latin typeface="Calibri"/>
-              <a:ea typeface="Calibri"/>
-              <a:cs typeface="Calibri"/>
-              <a:sym typeface="Calibri"/>
-            </a:endParaRPr>
-          </a:p>
-          <a:p>
-            <a:pPr algn="ctr"/>
-            <a:r>
-              <a:rPr lang="en-US" sz="1250" b="1" dirty="0">
-                <a:solidFill>
-                  <a:srgbClr val="13705E"/>
-                </a:solidFill>
-                <a:latin typeface="Calibri"/>
-                <a:ea typeface="Calibri"/>
-                <a:cs typeface="Calibri"/>
-                <a:sym typeface="Calibri"/>
-              </a:rPr>
-              <a:t>Endpoint</a:t>
-            </a:r>
-            <a:r>
-              <a:rPr lang="en-US" sz="1250" dirty="0">
-                <a:solidFill>
-                  <a:srgbClr val="13705E"/>
-                </a:solidFill>
-                <a:latin typeface="Calibri"/>
-                <a:ea typeface="Calibri"/>
-                <a:cs typeface="Calibri"/>
-                <a:sym typeface="Calibri"/>
-              </a:rPr>
-              <a:t> is</a:t>
-            </a:r>
-            <a:br>
-              <a:rPr lang="en-US" sz="1250" dirty="0">
-                <a:solidFill>
-                  <a:srgbClr val="13705E"/>
-                </a:solidFill>
-                <a:latin typeface="Calibri"/>
-                <a:ea typeface="Calibri"/>
-                <a:cs typeface="Calibri"/>
-                <a:sym typeface="Calibri"/>
-              </a:rPr>
-            </a:br>
-            <a:r>
-              <a:rPr lang="en-US" sz="1250" dirty="0">
-                <a:solidFill>
-                  <a:srgbClr val="13705E"/>
-                </a:solidFill>
-                <a:latin typeface="Calibri"/>
-                <a:ea typeface="Calibri"/>
-                <a:cs typeface="Calibri"/>
-                <a:sym typeface="Calibri"/>
-              </a:rPr>
-              <a:t>Created / Updated</a:t>
-            </a:r>
-          </a:p>
-        </p:txBody>
-      </p:sp>
-      <p:cxnSp>
-        <p:nvCxnSpPr>
-          <p:cNvPr id="10" name="Connector: Elbow 9">
-            <a:extLst>
-              <a:ext uri="{FF2B5EF4-FFF2-40B4-BE49-F238E27FC236}">
-                <a16:creationId xmlns:a16="http://schemas.microsoft.com/office/drawing/2014/main" id="{42A1BF2A-169A-4E16-9578-836AF886F4AE}"/>
-              </a:ext>
-            </a:extLst>
-          </p:cNvPr>
-          <p:cNvCxnSpPr>
-            <a:cxnSpLocks/>
-            <a:endCxn id="9" idx="2"/>
-          </p:cNvCxnSpPr>
-          <p:nvPr/>
-        </p:nvCxnSpPr>
-        <p:spPr>
-          <a:xfrm flipV="1">
-            <a:off x="8534401" y="2125343"/>
-            <a:ext cx="1563106" cy="395289"/>
-          </a:xfrm>
-          <a:prstGeom prst="bentConnector2">
-            <a:avLst/>
-          </a:prstGeom>
-          <a:ln w="63500">
-            <a:solidFill>
-              <a:schemeClr val="tx1"/>
-            </a:solidFill>
-            <a:prstDash val="dash"/>
-            <a:headEnd type="none"/>
-            <a:tailEnd type="triangle"/>
-          </a:ln>
-        </p:spPr>
-        <p:style>
-          <a:lnRef idx="1">
-            <a:schemeClr val="accent1"/>
-          </a:lnRef>
-          <a:fillRef idx="0">
-            <a:schemeClr val="accent1"/>
-          </a:fillRef>
-          <a:effectRef idx="0">
-            <a:schemeClr val="accent1"/>
-          </a:effectRef>
-          <a:fontRef idx="minor">
-            <a:schemeClr val="tx1"/>
-          </a:fontRef>
-        </p:style>
-      </p:cxnSp>
-      <p:pic>
-        <p:nvPicPr>
-          <p:cNvPr id="16" name="Graphic 37">
-            <a:extLst>
-              <a:ext uri="{FF2B5EF4-FFF2-40B4-BE49-F238E27FC236}">
-                <a16:creationId xmlns:a16="http://schemas.microsoft.com/office/drawing/2014/main" id="{10C58FAA-0120-4364-9B4C-F0DB08598390}"/>
-              </a:ext>
-            </a:extLst>
-          </p:cNvPr>
-          <p:cNvPicPr>
-            <a:picLocks noChangeAspect="1"/>
-          </p:cNvPicPr>
-          <p:nvPr/>
-        </p:nvPicPr>
-        <p:blipFill>
-          <a:blip r:embed="rId3">
-            <a:extLst>
-              <a:ext uri="{96DAC541-7B7A-43D3-8B79-37D633B846F1}">
-                <asvg:svgBlip xmlns:asvg="http://schemas.microsoft.com/office/drawing/2016/SVG/main" r:embed="rId4"/>
-              </a:ext>
-            </a:extLst>
-          </a:blip>
-          <a:stretch>
-            <a:fillRect/>
-          </a:stretch>
-        </p:blipFill>
-        <p:spPr>
-          <a:xfrm>
-            <a:off x="8448977" y="1211095"/>
-            <a:ext cx="685687" cy="685687"/>
-          </a:xfrm>
-          <a:prstGeom prst="rect">
-            <a:avLst/>
-          </a:prstGeom>
-        </p:spPr>
-      </p:pic>
-      <p:sp>
-        <p:nvSpPr>
-          <p:cNvPr id="17" name="Rectangle: Rounded Corners 16">
-            <a:extLst>
-              <a:ext uri="{FF2B5EF4-FFF2-40B4-BE49-F238E27FC236}">
-                <a16:creationId xmlns:a16="http://schemas.microsoft.com/office/drawing/2014/main" id="{BF1EAE57-F5B8-4D11-A46D-41E2750C7554}"/>
-              </a:ext>
-            </a:extLst>
-          </p:cNvPr>
-          <p:cNvSpPr/>
-          <p:nvPr/>
-        </p:nvSpPr>
-        <p:spPr>
-          <a:xfrm>
-            <a:off x="8248651" y="770341"/>
-            <a:ext cx="2825749" cy="1597908"/>
+            <a:off x="8283842" y="1955969"/>
+            <a:ext cx="2338631" cy="972373"/>
           </a:xfrm>
           <a:prstGeom prst="roundRect">
             <a:avLst/>
@@ -4260,7 +4178,7 @@
           <a:noFill/>
           <a:ln w="50800">
             <a:solidFill>
-              <a:srgbClr val="13705E"/>
+              <a:srgbClr val="2B7418"/>
             </a:solidFill>
             <a:prstDash val="dash"/>
           </a:ln>
@@ -4292,10 +4210,10 @@
       </p:sp>
       <p:sp>
         <p:nvSpPr>
-          <p:cNvPr id="25" name="Rectangle 24">
-            <a:extLst>
-              <a:ext uri="{FF2B5EF4-FFF2-40B4-BE49-F238E27FC236}">
-                <a16:creationId xmlns:a16="http://schemas.microsoft.com/office/drawing/2014/main" id="{4DD2F02E-344B-4311-A7D2-994F3208E3F0}"/>
+          <p:cNvPr id="12" name="Google Shape;101;p13">
+            <a:extLst>
+              <a:ext uri="{FF2B5EF4-FFF2-40B4-BE49-F238E27FC236}">
+                <a16:creationId xmlns:a16="http://schemas.microsoft.com/office/drawing/2014/main" id="{6299F879-959B-4C8C-91D6-D5E7965CECE5}"/>
               </a:ext>
             </a:extLst>
           </p:cNvPr>
@@ -4304,15 +4222,170 @@
         </p:nvSpPr>
         <p:spPr>
           <a:xfrm>
-            <a:off x="8248651" y="259236"/>
-            <a:ext cx="1370760" cy="400110"/>
+            <a:off x="8610194" y="2096226"/>
+            <a:ext cx="1257092" cy="685687"/>
+          </a:xfrm>
+          <a:prstGeom prst="roundRect">
+            <a:avLst>
+              <a:gd name="adj" fmla="val 16667"/>
+            </a:avLst>
+          </a:prstGeom>
+          <a:solidFill>
+            <a:srgbClr val="2B7418">
+              <a:alpha val="25098"/>
+            </a:srgbClr>
+          </a:solidFill>
+          <a:ln w="38100" cap="flat" cmpd="sng">
+            <a:solidFill>
+              <a:srgbClr val="2B7418"/>
+            </a:solidFill>
+            <a:prstDash val="solid"/>
+            <a:miter lim="800000"/>
+            <a:headEnd type="none" w="sm" len="sm"/>
+            <a:tailEnd type="none" w="sm" len="sm"/>
+          </a:ln>
+          <a:effectLst>
+            <a:softEdge rad="0"/>
+          </a:effectLst>
+        </p:spPr>
+        <p:txBody>
+          <a:bodyPr spcFirstLastPara="1" wrap="square" lIns="42809" tIns="21396" rIns="42809" bIns="21396" anchor="ctr" anchorCtr="0">
+            <a:noAutofit/>
+          </a:bodyPr>
+          <a:lstStyle/>
+          <a:p>
+            <a:pPr algn="ctr"/>
+            <a:r>
+              <a:rPr lang="en-US" sz="1250" b="1" dirty="0">
+                <a:solidFill>
+                  <a:srgbClr val="2B7418"/>
+                </a:solidFill>
+                <a:latin typeface="Calibri"/>
+                <a:ea typeface="Calibri"/>
+                <a:cs typeface="Calibri"/>
+                <a:sym typeface="Calibri"/>
+              </a:rPr>
+              <a:t>Upload </a:t>
+            </a:r>
+            <a:r>
+              <a:rPr lang="en-US" sz="1250" dirty="0">
+                <a:solidFill>
+                  <a:srgbClr val="2B7418"/>
+                </a:solidFill>
+                <a:latin typeface="Calibri"/>
+                <a:ea typeface="Calibri"/>
+                <a:cs typeface="Calibri"/>
+                <a:sym typeface="Calibri"/>
+              </a:rPr>
+              <a:t>data</a:t>
+            </a:r>
+            <a:r>
+              <a:rPr lang="en-US" sz="1250" b="1" dirty="0">
+                <a:solidFill>
+                  <a:srgbClr val="2B7418"/>
+                </a:solidFill>
+                <a:latin typeface="Calibri"/>
+                <a:ea typeface="Calibri"/>
+                <a:cs typeface="Calibri"/>
+                <a:sym typeface="Calibri"/>
+              </a:rPr>
+              <a:t> </a:t>
+            </a:r>
+          </a:p>
+          <a:p>
+            <a:pPr algn="ctr"/>
+            <a:r>
+              <a:rPr lang="en-US" sz="1250" dirty="0">
+                <a:solidFill>
+                  <a:srgbClr val="2B7418"/>
+                </a:solidFill>
+                <a:latin typeface="Calibri"/>
+                <a:ea typeface="Calibri"/>
+                <a:cs typeface="Calibri"/>
+                <a:sym typeface="Calibri"/>
+              </a:rPr>
+              <a:t>to</a:t>
+            </a:r>
+            <a:r>
+              <a:rPr lang="en-US" sz="1250" b="1" dirty="0">
+                <a:solidFill>
+                  <a:srgbClr val="2B7418"/>
+                </a:solidFill>
+                <a:latin typeface="Calibri"/>
+                <a:ea typeface="Calibri"/>
+                <a:cs typeface="Calibri"/>
+                <a:sym typeface="Calibri"/>
+              </a:rPr>
+              <a:t> S3 Bucket</a:t>
+            </a:r>
+            <a:endParaRPr lang="en-US" sz="1250" b="1" dirty="0">
+              <a:solidFill>
+                <a:srgbClr val="2B7418"/>
+              </a:solidFill>
+            </a:endParaRPr>
+          </a:p>
+        </p:txBody>
+      </p:sp>
+      <p:pic>
+        <p:nvPicPr>
+          <p:cNvPr id="13" name="Graphic 68">
+            <a:extLst>
+              <a:ext uri="{FF2B5EF4-FFF2-40B4-BE49-F238E27FC236}">
+                <a16:creationId xmlns:a16="http://schemas.microsoft.com/office/drawing/2014/main" id="{4A1894B5-26E1-4FE3-BCC9-AF01BF954EDA}"/>
+              </a:ext>
+            </a:extLst>
+          </p:cNvPr>
+          <p:cNvPicPr>
+            <a:picLocks noChangeAspect="1"/>
+          </p:cNvPicPr>
+          <p:nvPr/>
+        </p:nvPicPr>
+        <p:blipFill>
+          <a:blip r:embed="rId3">
+            <a:extLst>
+              <a:ext uri="{96DAC541-7B7A-43D3-8B79-37D633B846F1}">
+                <asvg:svgBlip xmlns:asvg="http://schemas.microsoft.com/office/drawing/2016/SVG/main" r:embed="rId4"/>
+              </a:ext>
+            </a:extLst>
+          </a:blip>
+          <a:stretch>
+            <a:fillRect/>
+          </a:stretch>
+        </p:blipFill>
+        <p:spPr>
+          <a:xfrm>
+            <a:off x="9987911" y="2141147"/>
+            <a:ext cx="605017" cy="605019"/>
           </a:xfrm>
           <a:prstGeom prst="rect">
             <a:avLst/>
           </a:prstGeom>
         </p:spPr>
-        <p:txBody>
-          <a:bodyPr wrap="none">
+      </p:pic>
+      <p:sp>
+        <p:nvSpPr>
+          <p:cNvPr id="14" name="TextBox 13">
+            <a:extLst>
+              <a:ext uri="{FF2B5EF4-FFF2-40B4-BE49-F238E27FC236}">
+                <a16:creationId xmlns:a16="http://schemas.microsoft.com/office/drawing/2014/main" id="{7627BB45-57F8-4210-8C5E-2400ED2AE9BD}"/>
+              </a:ext>
+            </a:extLst>
+          </p:cNvPr>
+          <p:cNvSpPr txBox="1"/>
+          <p:nvPr/>
+        </p:nvSpPr>
+        <p:spPr>
+          <a:xfrm>
+            <a:off x="8253799" y="1535811"/>
+            <a:ext cx="436338" cy="400110"/>
+          </a:xfrm>
+          <a:prstGeom prst="rect">
+            <a:avLst/>
+          </a:prstGeom>
+          <a:noFill/>
+        </p:spPr>
+        <p:txBody>
+          <a:bodyPr wrap="none" rtlCol="0">
             <a:spAutoFit/>
           </a:bodyPr>
           <a:lstStyle/>
@@ -4320,20 +4393,67 @@
             <a:r>
               <a:rPr lang="en-US" sz="2000" b="1" dirty="0">
                 <a:solidFill>
-                  <a:srgbClr val="13705E"/>
+                  <a:srgbClr val="2B7418"/>
                 </a:solidFill>
               </a:rPr>
-              <a:t>SageMaker</a:t>
-            </a:r>
-          </a:p>
-        </p:txBody>
-      </p:sp>
-      <p:sp>
-        <p:nvSpPr>
-          <p:cNvPr id="12" name="Rectangle: Rounded Corners 11">
-            <a:extLst>
-              <a:ext uri="{FF2B5EF4-FFF2-40B4-BE49-F238E27FC236}">
-                <a16:creationId xmlns:a16="http://schemas.microsoft.com/office/drawing/2014/main" id="{E8FE73F0-4440-4C02-AECC-7EEE4C84061F}"/>
+              <a:t>S3</a:t>
+            </a:r>
+          </a:p>
+        </p:txBody>
+      </p:sp>
+      <p:cxnSp>
+        <p:nvCxnSpPr>
+          <p:cNvPr id="15" name="Straight Arrow Connector 14">
+            <a:extLst>
+              <a:ext uri="{FF2B5EF4-FFF2-40B4-BE49-F238E27FC236}">
+                <a16:creationId xmlns:a16="http://schemas.microsoft.com/office/drawing/2014/main" id="{4AAD7E5C-48AD-4B8E-9091-A381C5724517}"/>
+              </a:ext>
+            </a:extLst>
+          </p:cNvPr>
+          <p:cNvCxnSpPr>
+            <a:cxnSpLocks/>
+            <a:endCxn id="12" idx="1"/>
+          </p:cNvCxnSpPr>
+          <p:nvPr/>
+        </p:nvCxnSpPr>
+        <p:spPr>
+          <a:xfrm>
+            <a:off x="7620000" y="2439069"/>
+            <a:ext cx="990194" cy="0"/>
+          </a:xfrm>
+          <a:prstGeom prst="straightConnector1">
+            <a:avLst/>
+          </a:prstGeom>
+          <a:ln w="63500">
+            <a:solidFill>
+              <a:schemeClr val="tx1"/>
+            </a:solidFill>
+            <a:prstDash val="dash"/>
+            <a:headEnd type="none"/>
+            <a:tailEnd type="triangle"/>
+          </a:ln>
+        </p:spPr>
+        <p:style>
+          <a:lnRef idx="1">
+            <a:schemeClr val="accent1"/>
+          </a:lnRef>
+          <a:fillRef idx="0">
+            <a:schemeClr val="accent1"/>
+          </a:fillRef>
+          <a:effectRef idx="0">
+            <a:schemeClr val="accent1"/>
+          </a:effectRef>
+          <a:fontRef idx="minor">
+            <a:schemeClr val="tx1"/>
+          </a:fontRef>
+        </p:style>
+      </p:cxnSp>
+      <p:sp>
+        <p:nvSpPr>
+          <p:cNvPr id="18" name="Rectangle 17">
+            <a:extLst>
+              <a:ext uri="{FF2B5EF4-FFF2-40B4-BE49-F238E27FC236}">
+                <a16:creationId xmlns:a16="http://schemas.microsoft.com/office/drawing/2014/main" id="{A1126BF7-83BA-4727-A169-234E7E0FF789}"/>
               </a:ext>
             </a:extLst>
           </p:cNvPr>
@@ -4342,8 +4462,60 @@
         </p:nvSpPr>
         <p:spPr>
           <a:xfrm>
-            <a:off x="600635" y="2377441"/>
-            <a:ext cx="2724149" cy="4086546"/>
+            <a:off x="7181852" y="1690688"/>
+            <a:ext cx="785813" cy="709612"/>
+          </a:xfrm>
+          <a:prstGeom prst="rect">
+            <a:avLst/>
+          </a:prstGeom>
+          <a:solidFill>
+            <a:schemeClr val="bg1"/>
+          </a:solidFill>
+          <a:ln>
+            <a:noFill/>
+          </a:ln>
+        </p:spPr>
+        <p:style>
+          <a:lnRef idx="2">
+            <a:schemeClr val="accent1">
+              <a:shade val="50000"/>
+            </a:schemeClr>
+          </a:lnRef>
+          <a:fillRef idx="1">
+            <a:schemeClr val="accent1"/>
+          </a:fillRef>
+          <a:effectRef idx="0">
+            <a:schemeClr val="accent1"/>
+          </a:effectRef>
+          <a:fontRef idx="minor">
+            <a:schemeClr val="lt1"/>
+          </a:fontRef>
+        </p:style>
+        <p:txBody>
+          <a:bodyPr rtlCol="0" anchor="ctr"/>
+          <a:lstStyle/>
+          <a:p>
+            <a:pPr algn="ctr"/>
+            <a:endParaRPr lang="en-US" sz="1801"/>
+          </a:p>
+        </p:txBody>
+      </p:sp>
+      <p:sp>
+        <p:nvSpPr>
+          <p:cNvPr id="16" name="Rectangle: Rounded Corners 15">
+            <a:extLst>
+              <a:ext uri="{FF2B5EF4-FFF2-40B4-BE49-F238E27FC236}">
+                <a16:creationId xmlns:a16="http://schemas.microsoft.com/office/drawing/2014/main" id="{8D35297E-DE76-4617-BF1B-0E7EB8D1E88E}"/>
+              </a:ext>
+            </a:extLst>
+          </p:cNvPr>
+          <p:cNvSpPr/>
+          <p:nvPr/>
+        </p:nvSpPr>
+        <p:spPr>
+          <a:xfrm>
+            <a:off x="771525" y="3590926"/>
+            <a:ext cx="10515598" cy="3038476"/>
           </a:xfrm>
           <a:prstGeom prst="roundRect">
             <a:avLst/>
@@ -4396,7 +4568,7 @@
     </p:spTree>
     <p:extLst>
       <p:ext uri="{BB962C8B-B14F-4D97-AF65-F5344CB8AC3E}">
-        <p14:creationId xmlns:p14="http://schemas.microsoft.com/office/powerpoint/2010/main" val="3535373921"/>
+        <p14:creationId xmlns:p14="http://schemas.microsoft.com/office/powerpoint/2010/main" val="2441153182"/>
       </p:ext>
     </p:extLst>
   </p:cSld>
@@ -4447,13 +4619,13 @@
           <a:lstStyle/>
           <a:p>
             <a:r>
-              <a:rPr lang="en-US" sz="4000" b="1" dirty="0">
+              <a:rPr lang="en-US" sz="4000" b="1" cap="small" dirty="0">
                 <a:latin typeface="Arial" panose="020B0604020202020204" pitchFamily="34" charset="0"/>
                 <a:cs typeface="Arial" panose="020B0604020202020204" pitchFamily="34" charset="0"/>
               </a:rPr>
               <a:t>Step 3: REST API</a:t>
             </a:r>
-            <a:endParaRPr lang="en-US" sz="4000" dirty="0"/>
+            <a:endParaRPr lang="en-US" sz="4000" cap="small" dirty="0"/>
           </a:p>
         </p:txBody>
       </p:sp>
@@ -4798,75 +4970,10 @@
           </a:p>
         </p:txBody>
       </p:sp>
-      <p:sp>
-        <p:nvSpPr>
-          <p:cNvPr id="12" name="Rectangle: Rounded Corners 11">
-            <a:extLst>
-              <a:ext uri="{FF2B5EF4-FFF2-40B4-BE49-F238E27FC236}">
-                <a16:creationId xmlns:a16="http://schemas.microsoft.com/office/drawing/2014/main" id="{E8FE73F0-4440-4C02-AECC-7EEE4C84061F}"/>
-              </a:ext>
-            </a:extLst>
-          </p:cNvPr>
-          <p:cNvSpPr/>
-          <p:nvPr/>
-        </p:nvSpPr>
-        <p:spPr>
-          <a:xfrm>
-            <a:off x="3305735" y="2377441"/>
-            <a:ext cx="2724149" cy="4086546"/>
-          </a:xfrm>
-          <a:prstGeom prst="roundRect">
-            <a:avLst/>
-          </a:prstGeom>
-          <a:noFill/>
-          <a:ln w="130175" cap="rnd">
-            <a:solidFill>
-              <a:srgbClr val="FFFF00"/>
-            </a:solidFill>
-          </a:ln>
-          <a:effectLst>
-            <a:glow rad="101600">
-              <a:schemeClr val="accent4">
-                <a:satMod val="175000"/>
-                <a:alpha val="40000"/>
-              </a:schemeClr>
-            </a:glow>
-            <a:outerShdw blurRad="50800" dist="38100" dir="2700000" algn="tl" rotWithShape="0">
-              <a:prstClr val="black">
-                <a:alpha val="40000"/>
-              </a:prstClr>
-            </a:outerShdw>
-          </a:effectLst>
-        </p:spPr>
-        <p:style>
-          <a:lnRef idx="2">
-            <a:schemeClr val="accent1">
-              <a:shade val="50000"/>
-            </a:schemeClr>
-          </a:lnRef>
-          <a:fillRef idx="1">
-            <a:schemeClr val="accent1"/>
-          </a:fillRef>
-          <a:effectRef idx="0">
-            <a:schemeClr val="accent1"/>
-          </a:effectRef>
-          <a:fontRef idx="minor">
-            <a:schemeClr val="lt1"/>
-          </a:fontRef>
-        </p:style>
-        <p:txBody>
-          <a:bodyPr rtlCol="0" anchor="ctr"/>
-          <a:lstStyle/>
-          <a:p>
-            <a:pPr algn="ctr"/>
-            <a:endParaRPr lang="en-US" sz="1801"/>
-          </a:p>
-        </p:txBody>
-      </p:sp>
     </p:spTree>
     <p:extLst>
       <p:ext uri="{BB962C8B-B14F-4D97-AF65-F5344CB8AC3E}">
-        <p14:creationId xmlns:p14="http://schemas.microsoft.com/office/powerpoint/2010/main" val="1861309733"/>
+        <p14:creationId xmlns:p14="http://schemas.microsoft.com/office/powerpoint/2010/main" val="712800153"/>
       </p:ext>
     </p:extLst>
   </p:cSld>
@@ -4917,7 +5024,7 @@
           <a:lstStyle/>
           <a:p>
             <a:r>
-              <a:rPr lang="en-US" sz="4000" b="1" dirty="0">
+              <a:rPr lang="en-US" sz="4000" b="1" cap="small" dirty="0">
                 <a:latin typeface="Arial" panose="020B0604020202020204" pitchFamily="34" charset="0"/>
                 <a:cs typeface="Arial" panose="020B0604020202020204" pitchFamily="34" charset="0"/>
               </a:rPr>
@@ -5270,10 +5377,10 @@
       </p:sp>
       <p:sp>
         <p:nvSpPr>
-          <p:cNvPr id="11" name="Rectangle: Rounded Corners 10">
-            <a:extLst>
-              <a:ext uri="{FF2B5EF4-FFF2-40B4-BE49-F238E27FC236}">
-                <a16:creationId xmlns:a16="http://schemas.microsoft.com/office/drawing/2014/main" id="{D021BA2E-AECA-4E17-B943-661A5FAAC224}"/>
+          <p:cNvPr id="12" name="Rectangle: Rounded Corners 11">
+            <a:extLst>
+              <a:ext uri="{FF2B5EF4-FFF2-40B4-BE49-F238E27FC236}">
+                <a16:creationId xmlns:a16="http://schemas.microsoft.com/office/drawing/2014/main" id="{E8FE73F0-4440-4C02-AECC-7EEE4C84061F}"/>
               </a:ext>
             </a:extLst>
           </p:cNvPr>
@@ -5282,7 +5389,7 @@
         </p:nvSpPr>
         <p:spPr>
           <a:xfrm>
-            <a:off x="6125695" y="2377442"/>
+            <a:off x="600635" y="2377441"/>
             <a:ext cx="2724149" cy="4086546"/>
           </a:xfrm>
           <a:prstGeom prst="roundRect">
@@ -5336,7 +5443,7 @@
     </p:spTree>
     <p:extLst>
       <p:ext uri="{BB962C8B-B14F-4D97-AF65-F5344CB8AC3E}">
-        <p14:creationId xmlns:p14="http://schemas.microsoft.com/office/powerpoint/2010/main" val="988051672"/>
+        <p14:creationId xmlns:p14="http://schemas.microsoft.com/office/powerpoint/2010/main" val="3535373921"/>
       </p:ext>
     </p:extLst>
   </p:cSld>
@@ -5806,7 +5913,7 @@
     </p:spTree>
     <p:extLst>
       <p:ext uri="{BB962C8B-B14F-4D97-AF65-F5344CB8AC3E}">
-        <p14:creationId xmlns:p14="http://schemas.microsoft.com/office/powerpoint/2010/main" val="3022537518"/>
+        <p14:creationId xmlns:p14="http://schemas.microsoft.com/office/powerpoint/2010/main" val="1861309733"/>
       </p:ext>
     </p:extLst>
   </p:cSld>
@@ -5857,7 +5964,7 @@
           <a:lstStyle/>
           <a:p>
             <a:r>
-              <a:rPr lang="en-US" sz="4000" b="1" dirty="0">
+              <a:rPr lang="en-US" sz="4000" b="1" cap="small" dirty="0">
                 <a:latin typeface="Arial" panose="020B0604020202020204" pitchFamily="34" charset="0"/>
                 <a:cs typeface="Arial" panose="020B0604020202020204" pitchFamily="34" charset="0"/>
               </a:rPr>
@@ -6210,10 +6317,10 @@
       </p:sp>
       <p:sp>
         <p:nvSpPr>
-          <p:cNvPr id="12" name="Rectangle: Rounded Corners 11">
-            <a:extLst>
-              <a:ext uri="{FF2B5EF4-FFF2-40B4-BE49-F238E27FC236}">
-                <a16:creationId xmlns:a16="http://schemas.microsoft.com/office/drawing/2014/main" id="{E8FE73F0-4440-4C02-AECC-7EEE4C84061F}"/>
+          <p:cNvPr id="11" name="Rectangle: Rounded Corners 10">
+            <a:extLst>
+              <a:ext uri="{FF2B5EF4-FFF2-40B4-BE49-F238E27FC236}">
+                <a16:creationId xmlns:a16="http://schemas.microsoft.com/office/drawing/2014/main" id="{D021BA2E-AECA-4E17-B943-661A5FAAC224}"/>
               </a:ext>
             </a:extLst>
           </p:cNvPr>
@@ -6222,7 +6329,7 @@
         </p:nvSpPr>
         <p:spPr>
           <a:xfrm>
-            <a:off x="600635" y="2377441"/>
+            <a:off x="6125695" y="2377442"/>
             <a:ext cx="2724149" cy="4086546"/>
           </a:xfrm>
           <a:prstGeom prst="roundRect">
@@ -6276,7 +6383,7 @@
     </p:spTree>
     <p:extLst>
       <p:ext uri="{BB962C8B-B14F-4D97-AF65-F5344CB8AC3E}">
-        <p14:creationId xmlns:p14="http://schemas.microsoft.com/office/powerpoint/2010/main" val="813250875"/>
+        <p14:creationId xmlns:p14="http://schemas.microsoft.com/office/powerpoint/2010/main" val="988051672"/>
       </p:ext>
     </p:extLst>
   </p:cSld>
@@ -6327,67 +6434,249 @@
           <a:lstStyle/>
           <a:p>
             <a:r>
-              <a:rPr lang="en-US" sz="4000" b="1" dirty="0">
+              <a:rPr lang="en-US" sz="4000" b="1" cap="small" dirty="0">
                 <a:latin typeface="Arial" panose="020B0604020202020204" pitchFamily="34" charset="0"/>
                 <a:cs typeface="Arial" panose="020B0604020202020204" pitchFamily="34" charset="0"/>
               </a:rPr>
-              <a:t>REST API Evaluation</a:t>
+              <a:t>Step 3: REST API</a:t>
             </a:r>
             <a:endParaRPr lang="en-US" sz="4000" dirty="0"/>
-          </a:p>
-        </p:txBody>
-      </p:sp>
-      <p:sp>
-        <p:nvSpPr>
-          <p:cNvPr id="3" name="Text Placeholder 2">
-            <a:extLst>
-              <a:ext uri="{FF2B5EF4-FFF2-40B4-BE49-F238E27FC236}">
-                <a16:creationId xmlns:a16="http://schemas.microsoft.com/office/drawing/2014/main" id="{30785EC9-0896-4337-B69D-58344733C3E4}"/>
-              </a:ext>
-            </a:extLst>
-          </p:cNvPr>
-          <p:cNvSpPr>
-            <a:spLocks noGrp="1"/>
-          </p:cNvSpPr>
-          <p:nvPr>
-            <p:ph type="body" idx="1"/>
-          </p:nvPr>
-        </p:nvSpPr>
-        <p:spPr/>
-        <p:txBody>
-          <a:bodyPr>
-            <a:normAutofit/>
-          </a:bodyPr>
-          <a:lstStyle/>
-          <a:p>
-            <a:r>
-              <a:rPr lang="en-US" sz="3500" dirty="0"/>
-              <a:t>Input:</a:t>
-            </a:r>
           </a:p>
         </p:txBody>
       </p:sp>
       <p:pic>
         <p:nvPicPr>
-          <p:cNvPr id="18" name="Content Placeholder 17">
-            <a:extLst>
-              <a:ext uri="{FF2B5EF4-FFF2-40B4-BE49-F238E27FC236}">
-                <a16:creationId xmlns:a16="http://schemas.microsoft.com/office/drawing/2014/main" id="{CBB4BFFB-7EF9-4BED-A617-86331C2A76A8}"/>
+          <p:cNvPr id="5" name="Picture 4">
+            <a:extLst>
+              <a:ext uri="{FF2B5EF4-FFF2-40B4-BE49-F238E27FC236}">
+                <a16:creationId xmlns:a16="http://schemas.microsoft.com/office/drawing/2014/main" id="{E6233ACC-C301-4FD4-A5EC-259E1E60B09D}"/>
               </a:ext>
             </a:extLst>
           </p:cNvPr>
           <p:cNvPicPr>
-            <a:picLocks noGrp="1" noChangeAspect="1"/>
+            <a:picLocks noChangeAspect="1"/>
           </p:cNvPicPr>
-          <p:nvPr>
-            <p:ph sz="half" idx="2"/>
-          </p:nvPr>
+          <p:nvPr/>
+        </p:nvPicPr>
+        <p:blipFill rotWithShape="1">
+          <a:blip r:embed="rId2">
+            <a:extLst>
+              <a:ext uri="{28A0092B-C50C-407E-A947-70E740481C1C}">
+                <a14:useLocalDpi xmlns:a14="http://schemas.microsoft.com/office/drawing/2010/main" val="0"/>
+              </a:ext>
+            </a:extLst>
+          </a:blip>
+          <a:srcRect t="11002"/>
+          <a:stretch/>
+        </p:blipFill>
+        <p:spPr>
+          <a:xfrm>
+            <a:off x="838202" y="2482531"/>
+            <a:ext cx="8011643" cy="4086546"/>
+          </a:xfrm>
+          <a:prstGeom prst="rect">
+            <a:avLst/>
+          </a:prstGeom>
+        </p:spPr>
+      </p:pic>
+      <p:sp>
+        <p:nvSpPr>
+          <p:cNvPr id="9" name="Google Shape;101;p13">
+            <a:extLst>
+              <a:ext uri="{FF2B5EF4-FFF2-40B4-BE49-F238E27FC236}">
+                <a16:creationId xmlns:a16="http://schemas.microsoft.com/office/drawing/2014/main" id="{A85663D4-86E9-49F8-93C8-0F68742AC42A}"/>
+              </a:ext>
+            </a:extLst>
+          </p:cNvPr>
+          <p:cNvSpPr/>
+          <p:nvPr/>
+        </p:nvSpPr>
+        <p:spPr>
+          <a:xfrm>
+            <a:off x="9411820" y="982533"/>
+            <a:ext cx="1371372" cy="1142811"/>
+          </a:xfrm>
+          <a:prstGeom prst="roundRect">
+            <a:avLst>
+              <a:gd name="adj" fmla="val 16667"/>
+            </a:avLst>
+          </a:prstGeom>
+          <a:solidFill>
+            <a:srgbClr val="13705E">
+              <a:alpha val="25098"/>
+            </a:srgbClr>
+          </a:solidFill>
+          <a:ln w="38100" cap="flat" cmpd="sng">
+            <a:solidFill>
+              <a:srgbClr val="13705E"/>
+            </a:solidFill>
+            <a:prstDash val="solid"/>
+            <a:miter lim="800000"/>
+            <a:headEnd type="none" w="sm" len="sm"/>
+            <a:tailEnd type="none" w="sm" len="sm"/>
+          </a:ln>
+          <a:effectLst>
+            <a:softEdge rad="0"/>
+          </a:effectLst>
+        </p:spPr>
+        <p:txBody>
+          <a:bodyPr spcFirstLastPara="1" wrap="square" lIns="42809" tIns="21396" rIns="42809" bIns="21396" anchor="t" anchorCtr="0">
+            <a:noAutofit/>
+          </a:bodyPr>
+          <a:lstStyle/>
+          <a:p>
+            <a:pPr algn="ctr"/>
+            <a:r>
+              <a:rPr lang="en-US" sz="1500" b="1" dirty="0">
+                <a:solidFill>
+                  <a:srgbClr val="13705E"/>
+                </a:solidFill>
+                <a:latin typeface="Calibri"/>
+                <a:ea typeface="Calibri"/>
+                <a:cs typeface="Calibri"/>
+                <a:sym typeface="Calibri"/>
+              </a:rPr>
+              <a:t>Endpoint</a:t>
+            </a:r>
+            <a:br>
+              <a:rPr lang="en-US" sz="2000" b="1" dirty="0">
+                <a:solidFill>
+                  <a:srgbClr val="13705E"/>
+                </a:solidFill>
+                <a:latin typeface="Calibri"/>
+                <a:ea typeface="Calibri"/>
+                <a:cs typeface="Calibri"/>
+                <a:sym typeface="Calibri"/>
+              </a:rPr>
+            </a:br>
+            <a:endParaRPr lang="en-US" sz="500" b="1" dirty="0">
+              <a:solidFill>
+                <a:srgbClr val="13705E"/>
+              </a:solidFill>
+              <a:latin typeface="Calibri"/>
+              <a:ea typeface="Calibri"/>
+              <a:cs typeface="Calibri"/>
+              <a:sym typeface="Calibri"/>
+            </a:endParaRPr>
+          </a:p>
+          <a:p>
+            <a:pPr algn="ctr"/>
+            <a:r>
+              <a:rPr lang="en-US" sz="1250" b="1" dirty="0">
+                <a:solidFill>
+                  <a:srgbClr val="13705E"/>
+                </a:solidFill>
+                <a:latin typeface="Calibri"/>
+                <a:ea typeface="Calibri"/>
+                <a:cs typeface="Calibri"/>
+                <a:sym typeface="Calibri"/>
+              </a:rPr>
+              <a:t>Endpoint</a:t>
+            </a:r>
+            <a:r>
+              <a:rPr lang="en-US" sz="1250" dirty="0">
+                <a:solidFill>
+                  <a:srgbClr val="13705E"/>
+                </a:solidFill>
+                <a:latin typeface="Calibri"/>
+                <a:ea typeface="Calibri"/>
+                <a:cs typeface="Calibri"/>
+                <a:sym typeface="Calibri"/>
+              </a:rPr>
+              <a:t> is</a:t>
+            </a:r>
+            <a:br>
+              <a:rPr lang="en-US" sz="1250" dirty="0">
+                <a:solidFill>
+                  <a:srgbClr val="13705E"/>
+                </a:solidFill>
+                <a:latin typeface="Calibri"/>
+                <a:ea typeface="Calibri"/>
+                <a:cs typeface="Calibri"/>
+                <a:sym typeface="Calibri"/>
+              </a:rPr>
+            </a:br>
+            <a:r>
+              <a:rPr lang="en-US" sz="1250" dirty="0">
+                <a:solidFill>
+                  <a:srgbClr val="13705E"/>
+                </a:solidFill>
+                <a:latin typeface="Calibri"/>
+                <a:ea typeface="Calibri"/>
+                <a:cs typeface="Calibri"/>
+                <a:sym typeface="Calibri"/>
+              </a:rPr>
+              <a:t>Created / Updated</a:t>
+            </a:r>
+          </a:p>
+        </p:txBody>
+      </p:sp>
+      <p:cxnSp>
+        <p:nvCxnSpPr>
+          <p:cNvPr id="10" name="Connector: Elbow 9">
+            <a:extLst>
+              <a:ext uri="{FF2B5EF4-FFF2-40B4-BE49-F238E27FC236}">
+                <a16:creationId xmlns:a16="http://schemas.microsoft.com/office/drawing/2014/main" id="{42A1BF2A-169A-4E16-9578-836AF886F4AE}"/>
+              </a:ext>
+            </a:extLst>
+          </p:cNvPr>
+          <p:cNvCxnSpPr>
+            <a:cxnSpLocks/>
+            <a:endCxn id="9" idx="2"/>
+          </p:cNvCxnSpPr>
+          <p:nvPr/>
+        </p:nvCxnSpPr>
+        <p:spPr>
+          <a:xfrm flipV="1">
+            <a:off x="8534401" y="2125343"/>
+            <a:ext cx="1563106" cy="395289"/>
+          </a:xfrm>
+          <a:prstGeom prst="bentConnector2">
+            <a:avLst/>
+          </a:prstGeom>
+          <a:ln w="63500">
+            <a:solidFill>
+              <a:schemeClr val="tx1"/>
+            </a:solidFill>
+            <a:prstDash val="dash"/>
+            <a:headEnd type="none"/>
+            <a:tailEnd type="triangle"/>
+          </a:ln>
+        </p:spPr>
+        <p:style>
+          <a:lnRef idx="1">
+            <a:schemeClr val="accent1"/>
+          </a:lnRef>
+          <a:fillRef idx="0">
+            <a:schemeClr val="accent1"/>
+          </a:fillRef>
+          <a:effectRef idx="0">
+            <a:schemeClr val="accent1"/>
+          </a:effectRef>
+          <a:fontRef idx="minor">
+            <a:schemeClr val="tx1"/>
+          </a:fontRef>
+        </p:style>
+      </p:cxnSp>
+      <p:pic>
+        <p:nvPicPr>
+          <p:cNvPr id="16" name="Graphic 37">
+            <a:extLst>
+              <a:ext uri="{FF2B5EF4-FFF2-40B4-BE49-F238E27FC236}">
+                <a16:creationId xmlns:a16="http://schemas.microsoft.com/office/drawing/2014/main" id="{10C58FAA-0120-4364-9B4C-F0DB08598390}"/>
+              </a:ext>
+            </a:extLst>
+          </p:cNvPr>
+          <p:cNvPicPr>
+            <a:picLocks noChangeAspect="1"/>
+          </p:cNvPicPr>
+          <p:nvPr/>
         </p:nvPicPr>
         <p:blipFill>
-          <a:blip r:embed="rId2">
-            <a:extLst>
-              <a:ext uri="{28A0092B-C50C-407E-A947-70E740481C1C}">
-                <a14:useLocalDpi xmlns:a14="http://schemas.microsoft.com/office/drawing/2010/main" val="0"/>
+          <a:blip r:embed="rId3">
+            <a:extLst>
+              <a:ext uri="{96DAC541-7B7A-43D3-8B79-37D633B846F1}">
+                <asvg:svgBlip xmlns:asvg="http://schemas.microsoft.com/office/drawing/2016/SVG/main" r:embed="rId4"/>
               </a:ext>
             </a:extLst>
           </a:blip>
@@ -6397,105 +6686,174 @@
         </p:blipFill>
         <p:spPr>
           <a:xfrm>
-            <a:off x="1146713" y="2501490"/>
-            <a:ext cx="4543936" cy="3407952"/>
-          </a:xfrm>
-        </p:spPr>
-      </p:pic>
-      <p:sp>
-        <p:nvSpPr>
-          <p:cNvPr id="4" name="Text Placeholder 3">
-            <a:extLst>
-              <a:ext uri="{FF2B5EF4-FFF2-40B4-BE49-F238E27FC236}">
-                <a16:creationId xmlns:a16="http://schemas.microsoft.com/office/drawing/2014/main" id="{DF74A9C2-1A11-4E3D-9940-486D0808DA3F}"/>
-              </a:ext>
-            </a:extLst>
-          </p:cNvPr>
-          <p:cNvSpPr>
-            <a:spLocks noGrp="1"/>
-          </p:cNvSpPr>
-          <p:nvPr>
-            <p:ph type="body" sz="quarter" idx="3"/>
-          </p:nvPr>
-        </p:nvSpPr>
-        <p:spPr/>
-        <p:txBody>
-          <a:bodyPr>
-            <a:normAutofit/>
-          </a:bodyPr>
-          <a:lstStyle/>
-          <a:p>
-            <a:r>
-              <a:rPr lang="en-US" sz="3500" dirty="0"/>
-              <a:t>Output:</a:t>
-            </a:r>
-          </a:p>
-        </p:txBody>
-      </p:sp>
-      <p:sp>
-        <p:nvSpPr>
-          <p:cNvPr id="5" name="Content Placeholder 4">
-            <a:extLst>
-              <a:ext uri="{FF2B5EF4-FFF2-40B4-BE49-F238E27FC236}">
-                <a16:creationId xmlns:a16="http://schemas.microsoft.com/office/drawing/2014/main" id="{B795FCC9-A046-4F7D-97E7-043495374C93}"/>
-              </a:ext>
-            </a:extLst>
-          </p:cNvPr>
-          <p:cNvSpPr>
-            <a:spLocks noGrp="1"/>
-          </p:cNvSpPr>
-          <p:nvPr>
-            <p:ph sz="quarter" idx="4"/>
-          </p:nvPr>
-        </p:nvSpPr>
-        <p:spPr/>
-        <p:txBody>
-          <a:bodyPr/>
-          <a:lstStyle/>
-          <a:p>
-            <a:endParaRPr lang="en-US"/>
-          </a:p>
-        </p:txBody>
-      </p:sp>
-      <p:sp>
-        <p:nvSpPr>
-          <p:cNvPr id="19" name="TextBox 18">
-            <a:extLst>
-              <a:ext uri="{FF2B5EF4-FFF2-40B4-BE49-F238E27FC236}">
-                <a16:creationId xmlns:a16="http://schemas.microsoft.com/office/drawing/2014/main" id="{A2A12B72-B8F7-4009-BD8D-B60785C7CF65}"/>
-              </a:ext>
-            </a:extLst>
-          </p:cNvPr>
-          <p:cNvSpPr txBox="1"/>
-          <p:nvPr/>
-        </p:nvSpPr>
-        <p:spPr>
-          <a:xfrm>
-            <a:off x="1146713" y="5956212"/>
-            <a:ext cx="4543936" cy="554126"/>
+            <a:off x="8448977" y="1211095"/>
+            <a:ext cx="685687" cy="685687"/>
           </a:xfrm>
           <a:prstGeom prst="rect">
             <a:avLst/>
           </a:prstGeom>
+        </p:spPr>
+      </p:pic>
+      <p:sp>
+        <p:nvSpPr>
+          <p:cNvPr id="17" name="Rectangle: Rounded Corners 16">
+            <a:extLst>
+              <a:ext uri="{FF2B5EF4-FFF2-40B4-BE49-F238E27FC236}">
+                <a16:creationId xmlns:a16="http://schemas.microsoft.com/office/drawing/2014/main" id="{BF1EAE57-F5B8-4D11-A46D-41E2750C7554}"/>
+              </a:ext>
+            </a:extLst>
+          </p:cNvPr>
+          <p:cNvSpPr/>
+          <p:nvPr/>
+        </p:nvSpPr>
+        <p:spPr>
+          <a:xfrm>
+            <a:off x="8248651" y="770341"/>
+            <a:ext cx="2825749" cy="1597908"/>
+          </a:xfrm>
+          <a:prstGeom prst="roundRect">
+            <a:avLst/>
+          </a:prstGeom>
           <a:noFill/>
-        </p:spPr>
-        <p:txBody>
-          <a:bodyPr wrap="none" rtlCol="0">
+          <a:ln w="50800">
+            <a:solidFill>
+              <a:srgbClr val="13705E"/>
+            </a:solidFill>
+            <a:prstDash val="dash"/>
+          </a:ln>
+        </p:spPr>
+        <p:style>
+          <a:lnRef idx="2">
+            <a:schemeClr val="accent1">
+              <a:shade val="50000"/>
+            </a:schemeClr>
+          </a:lnRef>
+          <a:fillRef idx="1">
+            <a:schemeClr val="accent1"/>
+          </a:fillRef>
+          <a:effectRef idx="0">
+            <a:schemeClr val="accent1"/>
+          </a:effectRef>
+          <a:fontRef idx="minor">
+            <a:schemeClr val="lt1"/>
+          </a:fontRef>
+        </p:style>
+        <p:txBody>
+          <a:bodyPr rtlCol="0" anchor="ctr"/>
+          <a:lstStyle/>
+          <a:p>
+            <a:pPr algn="ctr"/>
+            <a:endParaRPr lang="en-US" sz="1120"/>
+          </a:p>
+        </p:txBody>
+      </p:sp>
+      <p:sp>
+        <p:nvSpPr>
+          <p:cNvPr id="25" name="Rectangle 24">
+            <a:extLst>
+              <a:ext uri="{FF2B5EF4-FFF2-40B4-BE49-F238E27FC236}">
+                <a16:creationId xmlns:a16="http://schemas.microsoft.com/office/drawing/2014/main" id="{4DD2F02E-344B-4311-A7D2-994F3208E3F0}"/>
+              </a:ext>
+            </a:extLst>
+          </p:cNvPr>
+          <p:cNvSpPr/>
+          <p:nvPr/>
+        </p:nvSpPr>
+        <p:spPr>
+          <a:xfrm>
+            <a:off x="8248651" y="259236"/>
+            <a:ext cx="1370760" cy="400110"/>
+          </a:xfrm>
+          <a:prstGeom prst="rect">
+            <a:avLst/>
+          </a:prstGeom>
+        </p:spPr>
+        <p:txBody>
+          <a:bodyPr wrap="none">
             <a:spAutoFit/>
           </a:bodyPr>
           <a:lstStyle/>
           <a:p>
             <a:r>
-              <a:rPr lang="en-US" sz="3001" b="1" dirty="0"/>
-              <a:t>Class C8 (Hair and Makeup)</a:t>
-            </a:r>
+              <a:rPr lang="en-US" sz="2000" b="1" dirty="0">
+                <a:solidFill>
+                  <a:srgbClr val="13705E"/>
+                </a:solidFill>
+              </a:rPr>
+              <a:t>SageMaker</a:t>
+            </a:r>
+          </a:p>
+        </p:txBody>
+      </p:sp>
+      <p:sp>
+        <p:nvSpPr>
+          <p:cNvPr id="12" name="Rectangle: Rounded Corners 11">
+            <a:extLst>
+              <a:ext uri="{FF2B5EF4-FFF2-40B4-BE49-F238E27FC236}">
+                <a16:creationId xmlns:a16="http://schemas.microsoft.com/office/drawing/2014/main" id="{E8FE73F0-4440-4C02-AECC-7EEE4C84061F}"/>
+              </a:ext>
+            </a:extLst>
+          </p:cNvPr>
+          <p:cNvSpPr/>
+          <p:nvPr/>
+        </p:nvSpPr>
+        <p:spPr>
+          <a:xfrm>
+            <a:off x="3305735" y="2377441"/>
+            <a:ext cx="2724149" cy="4086546"/>
+          </a:xfrm>
+          <a:prstGeom prst="roundRect">
+            <a:avLst/>
+          </a:prstGeom>
+          <a:noFill/>
+          <a:ln w="130175" cap="rnd">
+            <a:solidFill>
+              <a:srgbClr val="FFFF00"/>
+            </a:solidFill>
+          </a:ln>
+          <a:effectLst>
+            <a:glow rad="101600">
+              <a:schemeClr val="accent4">
+                <a:satMod val="175000"/>
+                <a:alpha val="40000"/>
+              </a:schemeClr>
+            </a:glow>
+            <a:outerShdw blurRad="50800" dist="38100" dir="2700000" algn="tl" rotWithShape="0">
+              <a:prstClr val="black">
+                <a:alpha val="40000"/>
+              </a:prstClr>
+            </a:outerShdw>
+          </a:effectLst>
+        </p:spPr>
+        <p:style>
+          <a:lnRef idx="2">
+            <a:schemeClr val="accent1">
+              <a:shade val="50000"/>
+            </a:schemeClr>
+          </a:lnRef>
+          <a:fillRef idx="1">
+            <a:schemeClr val="accent1"/>
+          </a:fillRef>
+          <a:effectRef idx="0">
+            <a:schemeClr val="accent1"/>
+          </a:effectRef>
+          <a:fontRef idx="minor">
+            <a:schemeClr val="lt1"/>
+          </a:fontRef>
+        </p:style>
+        <p:txBody>
+          <a:bodyPr rtlCol="0" anchor="ctr"/>
+          <a:lstStyle/>
+          <a:p>
+            <a:pPr algn="ctr"/>
+            <a:endParaRPr lang="en-US" sz="1801"/>
           </a:p>
         </p:txBody>
       </p:sp>
     </p:spTree>
     <p:extLst>
       <p:ext uri="{BB962C8B-B14F-4D97-AF65-F5344CB8AC3E}">
-        <p14:creationId xmlns:p14="http://schemas.microsoft.com/office/powerpoint/2010/main" val="3755553235"/>
+        <p14:creationId xmlns:p14="http://schemas.microsoft.com/office/powerpoint/2010/main" val="3022537518"/>
       </p:ext>
     </p:extLst>
   </p:cSld>
@@ -6546,67 +6904,249 @@
           <a:lstStyle/>
           <a:p>
             <a:r>
-              <a:rPr lang="en-US" sz="4000" b="1" dirty="0">
+              <a:rPr lang="en-US" sz="4000" b="1" cap="small" dirty="0">
                 <a:latin typeface="Arial" panose="020B0604020202020204" pitchFamily="34" charset="0"/>
                 <a:cs typeface="Arial" panose="020B0604020202020204" pitchFamily="34" charset="0"/>
               </a:rPr>
-              <a:t>REST API Evaluation</a:t>
+              <a:t>Step 3: REST API</a:t>
             </a:r>
             <a:endParaRPr lang="en-US" sz="4000" dirty="0"/>
-          </a:p>
-        </p:txBody>
-      </p:sp>
-      <p:sp>
-        <p:nvSpPr>
-          <p:cNvPr id="3" name="Text Placeholder 2">
-            <a:extLst>
-              <a:ext uri="{FF2B5EF4-FFF2-40B4-BE49-F238E27FC236}">
-                <a16:creationId xmlns:a16="http://schemas.microsoft.com/office/drawing/2014/main" id="{30785EC9-0896-4337-B69D-58344733C3E4}"/>
-              </a:ext>
-            </a:extLst>
-          </p:cNvPr>
-          <p:cNvSpPr>
-            <a:spLocks noGrp="1"/>
-          </p:cNvSpPr>
-          <p:nvPr>
-            <p:ph type="body" idx="1"/>
-          </p:nvPr>
-        </p:nvSpPr>
-        <p:spPr/>
-        <p:txBody>
-          <a:bodyPr>
-            <a:normAutofit/>
-          </a:bodyPr>
-          <a:lstStyle/>
-          <a:p>
-            <a:r>
-              <a:rPr lang="en-US" sz="3500" dirty="0"/>
-              <a:t>Input:</a:t>
-            </a:r>
           </a:p>
         </p:txBody>
       </p:sp>
       <p:pic>
         <p:nvPicPr>
-          <p:cNvPr id="18" name="Content Placeholder 17">
-            <a:extLst>
-              <a:ext uri="{FF2B5EF4-FFF2-40B4-BE49-F238E27FC236}">
-                <a16:creationId xmlns:a16="http://schemas.microsoft.com/office/drawing/2014/main" id="{CBB4BFFB-7EF9-4BED-A617-86331C2A76A8}"/>
+          <p:cNvPr id="5" name="Picture 4">
+            <a:extLst>
+              <a:ext uri="{FF2B5EF4-FFF2-40B4-BE49-F238E27FC236}">
+                <a16:creationId xmlns:a16="http://schemas.microsoft.com/office/drawing/2014/main" id="{E6233ACC-C301-4FD4-A5EC-259E1E60B09D}"/>
               </a:ext>
             </a:extLst>
           </p:cNvPr>
           <p:cNvPicPr>
-            <a:picLocks noGrp="1" noChangeAspect="1"/>
+            <a:picLocks noChangeAspect="1"/>
           </p:cNvPicPr>
-          <p:nvPr>
-            <p:ph sz="half" idx="2"/>
-          </p:nvPr>
+          <p:nvPr/>
+        </p:nvPicPr>
+        <p:blipFill rotWithShape="1">
+          <a:blip r:embed="rId2">
+            <a:extLst>
+              <a:ext uri="{28A0092B-C50C-407E-A947-70E740481C1C}">
+                <a14:useLocalDpi xmlns:a14="http://schemas.microsoft.com/office/drawing/2010/main" val="0"/>
+              </a:ext>
+            </a:extLst>
+          </a:blip>
+          <a:srcRect t="11002"/>
+          <a:stretch/>
+        </p:blipFill>
+        <p:spPr>
+          <a:xfrm>
+            <a:off x="838202" y="2482531"/>
+            <a:ext cx="8011643" cy="4086546"/>
+          </a:xfrm>
+          <a:prstGeom prst="rect">
+            <a:avLst/>
+          </a:prstGeom>
+        </p:spPr>
+      </p:pic>
+      <p:sp>
+        <p:nvSpPr>
+          <p:cNvPr id="9" name="Google Shape;101;p13">
+            <a:extLst>
+              <a:ext uri="{FF2B5EF4-FFF2-40B4-BE49-F238E27FC236}">
+                <a16:creationId xmlns:a16="http://schemas.microsoft.com/office/drawing/2014/main" id="{A85663D4-86E9-49F8-93C8-0F68742AC42A}"/>
+              </a:ext>
+            </a:extLst>
+          </p:cNvPr>
+          <p:cNvSpPr/>
+          <p:nvPr/>
+        </p:nvSpPr>
+        <p:spPr>
+          <a:xfrm>
+            <a:off x="9411820" y="982533"/>
+            <a:ext cx="1371372" cy="1142811"/>
+          </a:xfrm>
+          <a:prstGeom prst="roundRect">
+            <a:avLst>
+              <a:gd name="adj" fmla="val 16667"/>
+            </a:avLst>
+          </a:prstGeom>
+          <a:solidFill>
+            <a:srgbClr val="13705E">
+              <a:alpha val="25098"/>
+            </a:srgbClr>
+          </a:solidFill>
+          <a:ln w="38100" cap="flat" cmpd="sng">
+            <a:solidFill>
+              <a:srgbClr val="13705E"/>
+            </a:solidFill>
+            <a:prstDash val="solid"/>
+            <a:miter lim="800000"/>
+            <a:headEnd type="none" w="sm" len="sm"/>
+            <a:tailEnd type="none" w="sm" len="sm"/>
+          </a:ln>
+          <a:effectLst>
+            <a:softEdge rad="0"/>
+          </a:effectLst>
+        </p:spPr>
+        <p:txBody>
+          <a:bodyPr spcFirstLastPara="1" wrap="square" lIns="42809" tIns="21396" rIns="42809" bIns="21396" anchor="t" anchorCtr="0">
+            <a:noAutofit/>
+          </a:bodyPr>
+          <a:lstStyle/>
+          <a:p>
+            <a:pPr algn="ctr"/>
+            <a:r>
+              <a:rPr lang="en-US" sz="1500" b="1" dirty="0">
+                <a:solidFill>
+                  <a:srgbClr val="13705E"/>
+                </a:solidFill>
+                <a:latin typeface="Calibri"/>
+                <a:ea typeface="Calibri"/>
+                <a:cs typeface="Calibri"/>
+                <a:sym typeface="Calibri"/>
+              </a:rPr>
+              <a:t>Endpoint</a:t>
+            </a:r>
+            <a:br>
+              <a:rPr lang="en-US" sz="2000" b="1" dirty="0">
+                <a:solidFill>
+                  <a:srgbClr val="13705E"/>
+                </a:solidFill>
+                <a:latin typeface="Calibri"/>
+                <a:ea typeface="Calibri"/>
+                <a:cs typeface="Calibri"/>
+                <a:sym typeface="Calibri"/>
+              </a:rPr>
+            </a:br>
+            <a:endParaRPr lang="en-US" sz="500" b="1" dirty="0">
+              <a:solidFill>
+                <a:srgbClr val="13705E"/>
+              </a:solidFill>
+              <a:latin typeface="Calibri"/>
+              <a:ea typeface="Calibri"/>
+              <a:cs typeface="Calibri"/>
+              <a:sym typeface="Calibri"/>
+            </a:endParaRPr>
+          </a:p>
+          <a:p>
+            <a:pPr algn="ctr"/>
+            <a:r>
+              <a:rPr lang="en-US" sz="1250" b="1" dirty="0">
+                <a:solidFill>
+                  <a:srgbClr val="13705E"/>
+                </a:solidFill>
+                <a:latin typeface="Calibri"/>
+                <a:ea typeface="Calibri"/>
+                <a:cs typeface="Calibri"/>
+                <a:sym typeface="Calibri"/>
+              </a:rPr>
+              <a:t>Endpoint</a:t>
+            </a:r>
+            <a:r>
+              <a:rPr lang="en-US" sz="1250" dirty="0">
+                <a:solidFill>
+                  <a:srgbClr val="13705E"/>
+                </a:solidFill>
+                <a:latin typeface="Calibri"/>
+                <a:ea typeface="Calibri"/>
+                <a:cs typeface="Calibri"/>
+                <a:sym typeface="Calibri"/>
+              </a:rPr>
+              <a:t> is</a:t>
+            </a:r>
+            <a:br>
+              <a:rPr lang="en-US" sz="1250" dirty="0">
+                <a:solidFill>
+                  <a:srgbClr val="13705E"/>
+                </a:solidFill>
+                <a:latin typeface="Calibri"/>
+                <a:ea typeface="Calibri"/>
+                <a:cs typeface="Calibri"/>
+                <a:sym typeface="Calibri"/>
+              </a:rPr>
+            </a:br>
+            <a:r>
+              <a:rPr lang="en-US" sz="1250" dirty="0">
+                <a:solidFill>
+                  <a:srgbClr val="13705E"/>
+                </a:solidFill>
+                <a:latin typeface="Calibri"/>
+                <a:ea typeface="Calibri"/>
+                <a:cs typeface="Calibri"/>
+                <a:sym typeface="Calibri"/>
+              </a:rPr>
+              <a:t>Created / Updated</a:t>
+            </a:r>
+          </a:p>
+        </p:txBody>
+      </p:sp>
+      <p:cxnSp>
+        <p:nvCxnSpPr>
+          <p:cNvPr id="10" name="Connector: Elbow 9">
+            <a:extLst>
+              <a:ext uri="{FF2B5EF4-FFF2-40B4-BE49-F238E27FC236}">
+                <a16:creationId xmlns:a16="http://schemas.microsoft.com/office/drawing/2014/main" id="{42A1BF2A-169A-4E16-9578-836AF886F4AE}"/>
+              </a:ext>
+            </a:extLst>
+          </p:cNvPr>
+          <p:cNvCxnSpPr>
+            <a:cxnSpLocks/>
+            <a:endCxn id="9" idx="2"/>
+          </p:cNvCxnSpPr>
+          <p:nvPr/>
+        </p:nvCxnSpPr>
+        <p:spPr>
+          <a:xfrm flipV="1">
+            <a:off x="8534401" y="2125343"/>
+            <a:ext cx="1563106" cy="395289"/>
+          </a:xfrm>
+          <a:prstGeom prst="bentConnector2">
+            <a:avLst/>
+          </a:prstGeom>
+          <a:ln w="63500">
+            <a:solidFill>
+              <a:schemeClr val="tx1"/>
+            </a:solidFill>
+            <a:prstDash val="dash"/>
+            <a:headEnd type="none"/>
+            <a:tailEnd type="triangle"/>
+          </a:ln>
+        </p:spPr>
+        <p:style>
+          <a:lnRef idx="1">
+            <a:schemeClr val="accent1"/>
+          </a:lnRef>
+          <a:fillRef idx="0">
+            <a:schemeClr val="accent1"/>
+          </a:fillRef>
+          <a:effectRef idx="0">
+            <a:schemeClr val="accent1"/>
+          </a:effectRef>
+          <a:fontRef idx="minor">
+            <a:schemeClr val="tx1"/>
+          </a:fontRef>
+        </p:style>
+      </p:cxnSp>
+      <p:pic>
+        <p:nvPicPr>
+          <p:cNvPr id="16" name="Graphic 37">
+            <a:extLst>
+              <a:ext uri="{FF2B5EF4-FFF2-40B4-BE49-F238E27FC236}">
+                <a16:creationId xmlns:a16="http://schemas.microsoft.com/office/drawing/2014/main" id="{10C58FAA-0120-4364-9B4C-F0DB08598390}"/>
+              </a:ext>
+            </a:extLst>
+          </p:cNvPr>
+          <p:cNvPicPr>
+            <a:picLocks noChangeAspect="1"/>
+          </p:cNvPicPr>
+          <p:nvPr/>
         </p:nvPicPr>
         <p:blipFill>
-          <a:blip r:embed="rId2">
-            <a:extLst>
-              <a:ext uri="{28A0092B-C50C-407E-A947-70E740481C1C}">
-                <a14:useLocalDpi xmlns:a14="http://schemas.microsoft.com/office/drawing/2010/main" val="0"/>
+          <a:blip r:embed="rId3">
+            <a:extLst>
+              <a:ext uri="{96DAC541-7B7A-43D3-8B79-37D633B846F1}">
+                <asvg:svgBlip xmlns:asvg="http://schemas.microsoft.com/office/drawing/2016/SVG/main" r:embed="rId4"/>
               </a:ext>
             </a:extLst>
           </a:blip>
@@ -6616,295 +7156,174 @@
         </p:blipFill>
         <p:spPr>
           <a:xfrm>
-            <a:off x="1146713" y="2501490"/>
-            <a:ext cx="4543936" cy="3407952"/>
-          </a:xfrm>
-        </p:spPr>
-      </p:pic>
-      <p:sp>
-        <p:nvSpPr>
-          <p:cNvPr id="4" name="Text Placeholder 3">
-            <a:extLst>
-              <a:ext uri="{FF2B5EF4-FFF2-40B4-BE49-F238E27FC236}">
-                <a16:creationId xmlns:a16="http://schemas.microsoft.com/office/drawing/2014/main" id="{DF74A9C2-1A11-4E3D-9940-486D0808DA3F}"/>
-              </a:ext>
-            </a:extLst>
-          </p:cNvPr>
-          <p:cNvSpPr>
-            <a:spLocks noGrp="1"/>
-          </p:cNvSpPr>
-          <p:nvPr>
-            <p:ph type="body" sz="quarter" idx="3"/>
-          </p:nvPr>
-        </p:nvSpPr>
-        <p:spPr/>
-        <p:txBody>
-          <a:bodyPr>
-            <a:normAutofit/>
-          </a:bodyPr>
-          <a:lstStyle/>
-          <a:p>
-            <a:r>
-              <a:rPr lang="en-US" sz="3500" dirty="0"/>
-              <a:t>Output:</a:t>
-            </a:r>
-          </a:p>
-        </p:txBody>
-      </p:sp>
-      <p:sp>
-        <p:nvSpPr>
-          <p:cNvPr id="5" name="Content Placeholder 4">
-            <a:extLst>
-              <a:ext uri="{FF2B5EF4-FFF2-40B4-BE49-F238E27FC236}">
-                <a16:creationId xmlns:a16="http://schemas.microsoft.com/office/drawing/2014/main" id="{B795FCC9-A046-4F7D-97E7-043495374C93}"/>
-              </a:ext>
-            </a:extLst>
-          </p:cNvPr>
-          <p:cNvSpPr>
-            <a:spLocks noGrp="1"/>
-          </p:cNvSpPr>
-          <p:nvPr>
-            <p:ph sz="quarter" idx="4"/>
-          </p:nvPr>
-        </p:nvSpPr>
-        <p:spPr>
-          <a:xfrm>
-            <a:off x="6996022" y="2505075"/>
-            <a:ext cx="4359365" cy="3684588"/>
-          </a:xfrm>
-        </p:spPr>
-        <p:txBody>
-          <a:bodyPr>
-            <a:noAutofit/>
-          </a:bodyPr>
-          <a:lstStyle/>
-          <a:p>
-            <a:pPr marL="0" indent="0">
-              <a:spcBef>
-                <a:spcPts val="500"/>
-              </a:spcBef>
-              <a:buNone/>
-            </a:pPr>
-            <a:r>
-              <a:rPr lang="it-IT" sz="1400" dirty="0"/>
-              <a:t>{</a:t>
-            </a:r>
-          </a:p>
-          <a:p>
-            <a:pPr marL="0" indent="0">
-              <a:spcBef>
-                <a:spcPts val="500"/>
-              </a:spcBef>
-              <a:buNone/>
-            </a:pPr>
-            <a:r>
-              <a:rPr lang="it-IT" sz="1400" dirty="0"/>
-              <a:t>    "payload": [</a:t>
-            </a:r>
-          </a:p>
-          <a:p>
-            <a:pPr marL="0" indent="0">
-              <a:spcBef>
-                <a:spcPts val="500"/>
-              </a:spcBef>
-              <a:buNone/>
-            </a:pPr>
-            <a:r>
-              <a:rPr lang="it-IT" sz="1400" dirty="0"/>
-              <a:t>        0.0004917857004329562,</a:t>
-            </a:r>
-          </a:p>
-          <a:p>
-            <a:pPr marL="0" indent="0">
-              <a:spcBef>
-                <a:spcPts val="500"/>
-              </a:spcBef>
-              <a:buNone/>
-            </a:pPr>
-            <a:r>
-              <a:rPr lang="it-IT" sz="1400" dirty="0"/>
-              <a:t>        0.0009714150219224393,</a:t>
-            </a:r>
-          </a:p>
-          <a:p>
-            <a:pPr marL="0" indent="0">
-              <a:spcBef>
-                <a:spcPts val="500"/>
-              </a:spcBef>
-              <a:buNone/>
-            </a:pPr>
-            <a:r>
-              <a:rPr lang="it-IT" sz="1400" dirty="0"/>
-              <a:t>        0.00037492465344257653,</a:t>
-            </a:r>
-          </a:p>
-          <a:p>
-            <a:pPr marL="0" indent="0">
-              <a:spcBef>
-                <a:spcPts val="500"/>
-              </a:spcBef>
-              <a:buNone/>
-            </a:pPr>
-            <a:r>
-              <a:rPr lang="it-IT" sz="1400" dirty="0"/>
-              <a:t>        0.0005540588754229248,</a:t>
-            </a:r>
-          </a:p>
-          <a:p>
-            <a:pPr marL="0" indent="0">
-              <a:spcBef>
-                <a:spcPts val="500"/>
-              </a:spcBef>
-              <a:buNone/>
-            </a:pPr>
-            <a:r>
-              <a:rPr lang="it-IT" sz="1400" dirty="0"/>
-              <a:t>        0.000527076655998826,</a:t>
-            </a:r>
-          </a:p>
-          <a:p>
-            <a:pPr marL="0" indent="0">
-              <a:spcBef>
-                <a:spcPts val="500"/>
-              </a:spcBef>
-              <a:buNone/>
-            </a:pPr>
-            <a:r>
-              <a:rPr lang="it-IT" sz="1400" dirty="0"/>
-              <a:t>        4.445736340130679e-05,</a:t>
-            </a:r>
-          </a:p>
-          <a:p>
-            <a:pPr marL="0" indent="0">
-              <a:spcBef>
-                <a:spcPts val="500"/>
-              </a:spcBef>
-              <a:buNone/>
-            </a:pPr>
-            <a:r>
-              <a:rPr lang="it-IT" sz="1400" dirty="0"/>
-              <a:t>        0.03505537286400795,</a:t>
-            </a:r>
-          </a:p>
-          <a:p>
-            <a:pPr marL="0" indent="0">
-              <a:spcBef>
-                <a:spcPts val="500"/>
-              </a:spcBef>
-              <a:buNone/>
-            </a:pPr>
-            <a:r>
-              <a:rPr lang="it-IT" sz="1400" dirty="0"/>
-              <a:t>        0.0012092252727597952,</a:t>
-            </a:r>
-          </a:p>
-          <a:p>
-            <a:pPr marL="0" indent="0">
-              <a:spcBef>
-                <a:spcPts val="500"/>
-              </a:spcBef>
-              <a:buNone/>
-            </a:pPr>
-            <a:r>
-              <a:rPr lang="it-IT" sz="1400" dirty="0"/>
-              <a:t>       </a:t>
-            </a:r>
-            <a:r>
-              <a:rPr lang="it-IT" sz="1400" b="1" dirty="0"/>
-              <a:t> </a:t>
-            </a:r>
-            <a:r>
-              <a:rPr lang="it-IT" sz="1400" b="1" dirty="0">
-                <a:effectLst>
-                  <a:glow rad="228600">
-                    <a:schemeClr val="accent4">
-                      <a:satMod val="175000"/>
-                      <a:alpha val="40000"/>
-                    </a:schemeClr>
-                  </a:glow>
-                </a:effectLst>
-              </a:rPr>
-              <a:t>0.960708737373352,</a:t>
-            </a:r>
-          </a:p>
-          <a:p>
-            <a:pPr marL="0" indent="0">
-              <a:spcBef>
-                <a:spcPts val="500"/>
-              </a:spcBef>
-              <a:buNone/>
-            </a:pPr>
-            <a:r>
-              <a:rPr lang="it-IT" sz="1400" dirty="0"/>
-              <a:t>        6.294571358012035e-05</a:t>
-            </a:r>
-          </a:p>
-          <a:p>
-            <a:pPr marL="0" indent="0">
-              <a:spcBef>
-                <a:spcPts val="500"/>
-              </a:spcBef>
-              <a:buNone/>
-            </a:pPr>
-            <a:r>
-              <a:rPr lang="it-IT" sz="1400" dirty="0"/>
-              <a:t>    ]</a:t>
-            </a:r>
-          </a:p>
-          <a:p>
-            <a:pPr marL="0" indent="0">
-              <a:spcBef>
-                <a:spcPts val="500"/>
-              </a:spcBef>
-              <a:buNone/>
-            </a:pPr>
-            <a:r>
-              <a:rPr lang="it-IT" sz="1400" dirty="0"/>
-              <a:t>}</a:t>
-            </a:r>
-            <a:endParaRPr lang="en-US" sz="1400" dirty="0"/>
-          </a:p>
-        </p:txBody>
-      </p:sp>
-      <p:sp>
-        <p:nvSpPr>
-          <p:cNvPr id="19" name="TextBox 18">
-            <a:extLst>
-              <a:ext uri="{FF2B5EF4-FFF2-40B4-BE49-F238E27FC236}">
-                <a16:creationId xmlns:a16="http://schemas.microsoft.com/office/drawing/2014/main" id="{A2A12B72-B8F7-4009-BD8D-B60785C7CF65}"/>
-              </a:ext>
-            </a:extLst>
-          </p:cNvPr>
-          <p:cNvSpPr txBox="1"/>
-          <p:nvPr/>
-        </p:nvSpPr>
-        <p:spPr>
-          <a:xfrm>
-            <a:off x="1146713" y="5956212"/>
-            <a:ext cx="4543936" cy="554126"/>
+            <a:off x="8448977" y="1211095"/>
+            <a:ext cx="685687" cy="685687"/>
           </a:xfrm>
           <a:prstGeom prst="rect">
             <a:avLst/>
           </a:prstGeom>
+        </p:spPr>
+      </p:pic>
+      <p:sp>
+        <p:nvSpPr>
+          <p:cNvPr id="17" name="Rectangle: Rounded Corners 16">
+            <a:extLst>
+              <a:ext uri="{FF2B5EF4-FFF2-40B4-BE49-F238E27FC236}">
+                <a16:creationId xmlns:a16="http://schemas.microsoft.com/office/drawing/2014/main" id="{BF1EAE57-F5B8-4D11-A46D-41E2750C7554}"/>
+              </a:ext>
+            </a:extLst>
+          </p:cNvPr>
+          <p:cNvSpPr/>
+          <p:nvPr/>
+        </p:nvSpPr>
+        <p:spPr>
+          <a:xfrm>
+            <a:off x="8248651" y="770341"/>
+            <a:ext cx="2825749" cy="1597908"/>
+          </a:xfrm>
+          <a:prstGeom prst="roundRect">
+            <a:avLst/>
+          </a:prstGeom>
           <a:noFill/>
-        </p:spPr>
-        <p:txBody>
-          <a:bodyPr wrap="none" rtlCol="0">
+          <a:ln w="50800">
+            <a:solidFill>
+              <a:srgbClr val="13705E"/>
+            </a:solidFill>
+            <a:prstDash val="dash"/>
+          </a:ln>
+        </p:spPr>
+        <p:style>
+          <a:lnRef idx="2">
+            <a:schemeClr val="accent1">
+              <a:shade val="50000"/>
+            </a:schemeClr>
+          </a:lnRef>
+          <a:fillRef idx="1">
+            <a:schemeClr val="accent1"/>
+          </a:fillRef>
+          <a:effectRef idx="0">
+            <a:schemeClr val="accent1"/>
+          </a:effectRef>
+          <a:fontRef idx="minor">
+            <a:schemeClr val="lt1"/>
+          </a:fontRef>
+        </p:style>
+        <p:txBody>
+          <a:bodyPr rtlCol="0" anchor="ctr"/>
+          <a:lstStyle/>
+          <a:p>
+            <a:pPr algn="ctr"/>
+            <a:endParaRPr lang="en-US" sz="1120"/>
+          </a:p>
+        </p:txBody>
+      </p:sp>
+      <p:sp>
+        <p:nvSpPr>
+          <p:cNvPr id="25" name="Rectangle 24">
+            <a:extLst>
+              <a:ext uri="{FF2B5EF4-FFF2-40B4-BE49-F238E27FC236}">
+                <a16:creationId xmlns:a16="http://schemas.microsoft.com/office/drawing/2014/main" id="{4DD2F02E-344B-4311-A7D2-994F3208E3F0}"/>
+              </a:ext>
+            </a:extLst>
+          </p:cNvPr>
+          <p:cNvSpPr/>
+          <p:nvPr/>
+        </p:nvSpPr>
+        <p:spPr>
+          <a:xfrm>
+            <a:off x="8248651" y="259236"/>
+            <a:ext cx="1370760" cy="400110"/>
+          </a:xfrm>
+          <a:prstGeom prst="rect">
+            <a:avLst/>
+          </a:prstGeom>
+        </p:spPr>
+        <p:txBody>
+          <a:bodyPr wrap="none">
             <a:spAutoFit/>
           </a:bodyPr>
           <a:lstStyle/>
           <a:p>
             <a:r>
-              <a:rPr lang="en-US" sz="3001" b="1" dirty="0"/>
-              <a:t>Class C8 (Hair and Makeup)</a:t>
-            </a:r>
+              <a:rPr lang="en-US" sz="2000" b="1" dirty="0">
+                <a:solidFill>
+                  <a:srgbClr val="13705E"/>
+                </a:solidFill>
+              </a:rPr>
+              <a:t>SageMaker</a:t>
+            </a:r>
+          </a:p>
+        </p:txBody>
+      </p:sp>
+      <p:sp>
+        <p:nvSpPr>
+          <p:cNvPr id="12" name="Rectangle: Rounded Corners 11">
+            <a:extLst>
+              <a:ext uri="{FF2B5EF4-FFF2-40B4-BE49-F238E27FC236}">
+                <a16:creationId xmlns:a16="http://schemas.microsoft.com/office/drawing/2014/main" id="{E8FE73F0-4440-4C02-AECC-7EEE4C84061F}"/>
+              </a:ext>
+            </a:extLst>
+          </p:cNvPr>
+          <p:cNvSpPr/>
+          <p:nvPr/>
+        </p:nvSpPr>
+        <p:spPr>
+          <a:xfrm>
+            <a:off x="600635" y="2377441"/>
+            <a:ext cx="2724149" cy="4086546"/>
+          </a:xfrm>
+          <a:prstGeom prst="roundRect">
+            <a:avLst/>
+          </a:prstGeom>
+          <a:noFill/>
+          <a:ln w="130175" cap="rnd">
+            <a:solidFill>
+              <a:srgbClr val="FFFF00"/>
+            </a:solidFill>
+          </a:ln>
+          <a:effectLst>
+            <a:glow rad="101600">
+              <a:schemeClr val="accent4">
+                <a:satMod val="175000"/>
+                <a:alpha val="40000"/>
+              </a:schemeClr>
+            </a:glow>
+            <a:outerShdw blurRad="50800" dist="38100" dir="2700000" algn="tl" rotWithShape="0">
+              <a:prstClr val="black">
+                <a:alpha val="40000"/>
+              </a:prstClr>
+            </a:outerShdw>
+          </a:effectLst>
+        </p:spPr>
+        <p:style>
+          <a:lnRef idx="2">
+            <a:schemeClr val="accent1">
+              <a:shade val="50000"/>
+            </a:schemeClr>
+          </a:lnRef>
+          <a:fillRef idx="1">
+            <a:schemeClr val="accent1"/>
+          </a:fillRef>
+          <a:effectRef idx="0">
+            <a:schemeClr val="accent1"/>
+          </a:effectRef>
+          <a:fontRef idx="minor">
+            <a:schemeClr val="lt1"/>
+          </a:fontRef>
+        </p:style>
+        <p:txBody>
+          <a:bodyPr rtlCol="0" anchor="ctr"/>
+          <a:lstStyle/>
+          <a:p>
+            <a:pPr algn="ctr"/>
+            <a:endParaRPr lang="en-US" sz="1801"/>
           </a:p>
         </p:txBody>
       </p:sp>
     </p:spTree>
     <p:extLst>
       <p:ext uri="{BB962C8B-B14F-4D97-AF65-F5344CB8AC3E}">
-        <p14:creationId xmlns:p14="http://schemas.microsoft.com/office/powerpoint/2010/main" val="865635697"/>
+        <p14:creationId xmlns:p14="http://schemas.microsoft.com/office/powerpoint/2010/main" val="813250875"/>
       </p:ext>
     </p:extLst>
   </p:cSld>
@@ -6955,22 +7374,22 @@
           <a:lstStyle/>
           <a:p>
             <a:r>
-              <a:rPr lang="en-US" sz="4000" b="1" dirty="0">
+              <a:rPr lang="en-US" sz="4000" b="1" cap="small" dirty="0">
                 <a:latin typeface="Arial" panose="020B0604020202020204" pitchFamily="34" charset="0"/>
                 <a:cs typeface="Arial" panose="020B0604020202020204" pitchFamily="34" charset="0"/>
               </a:rPr>
-              <a:t>Load Test</a:t>
-            </a:r>
-            <a:endParaRPr lang="en-US" sz="4000" dirty="0"/>
-          </a:p>
-        </p:txBody>
-      </p:sp>
-      <p:sp>
-        <p:nvSpPr>
-          <p:cNvPr id="4" name="Content Placeholder 3">
-            <a:extLst>
-              <a:ext uri="{FF2B5EF4-FFF2-40B4-BE49-F238E27FC236}">
-                <a16:creationId xmlns:a16="http://schemas.microsoft.com/office/drawing/2014/main" id="{DC5C8493-47F4-48C9-B736-6EA03A975E75}"/>
+              <a:t>Evaluation of REST API </a:t>
+            </a:r>
+            <a:endParaRPr lang="en-US" sz="4000" cap="small" dirty="0"/>
+          </a:p>
+        </p:txBody>
+      </p:sp>
+      <p:sp>
+        <p:nvSpPr>
+          <p:cNvPr id="3" name="Text Placeholder 2">
+            <a:extLst>
+              <a:ext uri="{FF2B5EF4-FFF2-40B4-BE49-F238E27FC236}">
+                <a16:creationId xmlns:a16="http://schemas.microsoft.com/office/drawing/2014/main" id="{30785EC9-0896-4337-B69D-58344733C3E4}"/>
               </a:ext>
             </a:extLst>
           </p:cNvPr>
@@ -6978,27 +7397,29 @@
             <a:spLocks noGrp="1"/>
           </p:cNvSpPr>
           <p:nvPr>
-            <p:ph sz="half" idx="1"/>
+            <p:ph type="body" idx="1"/>
           </p:nvPr>
         </p:nvSpPr>
         <p:spPr/>
         <p:txBody>
-          <a:bodyPr/>
-          <a:lstStyle/>
-          <a:p>
-            <a:r>
-              <a:rPr lang="en-US" dirty="0"/>
-              <a:t>Insert Locust Ramp Up Image</a:t>
-            </a:r>
-          </a:p>
-        </p:txBody>
-      </p:sp>
-      <p:sp>
-        <p:nvSpPr>
-          <p:cNvPr id="7" name="Content Placeholder 6">
-            <a:extLst>
-              <a:ext uri="{FF2B5EF4-FFF2-40B4-BE49-F238E27FC236}">
-                <a16:creationId xmlns:a16="http://schemas.microsoft.com/office/drawing/2014/main" id="{C5B603B3-F103-40A7-AB24-D8F4BA5B6603}"/>
+          <a:bodyPr>
+            <a:normAutofit/>
+          </a:bodyPr>
+          <a:lstStyle/>
+          <a:p>
+            <a:r>
+              <a:rPr lang="en-US" sz="3500" dirty="0"/>
+              <a:t>Input:</a:t>
+            </a:r>
+          </a:p>
+        </p:txBody>
+      </p:sp>
+      <p:sp>
+        <p:nvSpPr>
+          <p:cNvPr id="4" name="Text Placeholder 3">
+            <a:extLst>
+              <a:ext uri="{FF2B5EF4-FFF2-40B4-BE49-F238E27FC236}">
+                <a16:creationId xmlns:a16="http://schemas.microsoft.com/office/drawing/2014/main" id="{DF74A9C2-1A11-4E3D-9940-486D0808DA3F}"/>
               </a:ext>
             </a:extLst>
           </p:cNvPr>
@@ -7006,22 +7427,122 @@
             <a:spLocks noGrp="1"/>
           </p:cNvSpPr>
           <p:nvPr>
+            <p:ph type="body" sz="quarter" idx="3"/>
+          </p:nvPr>
+        </p:nvSpPr>
+        <p:spPr/>
+        <p:txBody>
+          <a:bodyPr>
+            <a:normAutofit/>
+          </a:bodyPr>
+          <a:lstStyle/>
+          <a:p>
+            <a:r>
+              <a:rPr lang="en-US" sz="3500" dirty="0"/>
+              <a:t>Output:</a:t>
+            </a:r>
+          </a:p>
+        </p:txBody>
+      </p:sp>
+      <p:sp>
+        <p:nvSpPr>
+          <p:cNvPr id="5" name="Content Placeholder 4">
+            <a:extLst>
+              <a:ext uri="{FF2B5EF4-FFF2-40B4-BE49-F238E27FC236}">
+                <a16:creationId xmlns:a16="http://schemas.microsoft.com/office/drawing/2014/main" id="{B795FCC9-A046-4F7D-97E7-043495374C93}"/>
+              </a:ext>
+            </a:extLst>
+          </p:cNvPr>
+          <p:cNvSpPr>
+            <a:spLocks noGrp="1"/>
+          </p:cNvSpPr>
+          <p:nvPr>
+            <p:ph sz="quarter" idx="4"/>
+          </p:nvPr>
+        </p:nvSpPr>
+        <p:spPr/>
+        <p:txBody>
+          <a:bodyPr/>
+          <a:lstStyle/>
+          <a:p>
+            <a:endParaRPr lang="en-US"/>
+          </a:p>
+        </p:txBody>
+      </p:sp>
+      <p:sp>
+        <p:nvSpPr>
+          <p:cNvPr id="19" name="TextBox 18">
+            <a:extLst>
+              <a:ext uri="{FF2B5EF4-FFF2-40B4-BE49-F238E27FC236}">
+                <a16:creationId xmlns:a16="http://schemas.microsoft.com/office/drawing/2014/main" id="{A2A12B72-B8F7-4009-BD8D-B60785C7CF65}"/>
+              </a:ext>
+            </a:extLst>
+          </p:cNvPr>
+          <p:cNvSpPr txBox="1"/>
+          <p:nvPr/>
+        </p:nvSpPr>
+        <p:spPr>
+          <a:xfrm>
+            <a:off x="1146713" y="5956212"/>
+            <a:ext cx="4543936" cy="554126"/>
+          </a:xfrm>
+          <a:prstGeom prst="rect">
+            <a:avLst/>
+          </a:prstGeom>
+          <a:noFill/>
+        </p:spPr>
+        <p:txBody>
+          <a:bodyPr wrap="none" rtlCol="0">
+            <a:spAutoFit/>
+          </a:bodyPr>
+          <a:lstStyle/>
+          <a:p>
+            <a:r>
+              <a:rPr lang="en-US" sz="3001" b="1" dirty="0"/>
+              <a:t>Class C8 (Hair and Makeup)</a:t>
+            </a:r>
+          </a:p>
+        </p:txBody>
+      </p:sp>
+      <p:pic>
+        <p:nvPicPr>
+          <p:cNvPr id="9" name="Content Placeholder 8">
+            <a:extLst>
+              <a:ext uri="{FF2B5EF4-FFF2-40B4-BE49-F238E27FC236}">
+                <a16:creationId xmlns:a16="http://schemas.microsoft.com/office/drawing/2014/main" id="{754E39A5-88BA-4E5C-8B48-193F0C7B5F5B}"/>
+              </a:ext>
+            </a:extLst>
+          </p:cNvPr>
+          <p:cNvPicPr>
+            <a:picLocks noGrp="1" noChangeAspect="1"/>
+          </p:cNvPicPr>
+          <p:nvPr>
             <p:ph sz="half" idx="2"/>
           </p:nvPr>
-        </p:nvSpPr>
-        <p:spPr/>
-        <p:txBody>
-          <a:bodyPr/>
-          <a:lstStyle/>
-          <a:p>
-            <a:endParaRPr lang="en-US"/>
-          </a:p>
-        </p:txBody>
-      </p:sp>
+        </p:nvPicPr>
+        <p:blipFill>
+          <a:blip r:embed="rId2">
+            <a:extLst>
+              <a:ext uri="{28A0092B-C50C-407E-A947-70E740481C1C}">
+                <a14:useLocalDpi xmlns:a14="http://schemas.microsoft.com/office/drawing/2010/main" val="0"/>
+              </a:ext>
+            </a:extLst>
+          </a:blip>
+          <a:stretch>
+            <a:fillRect/>
+          </a:stretch>
+        </p:blipFill>
+        <p:spPr>
+          <a:xfrm>
+            <a:off x="1146713" y="2468563"/>
+            <a:ext cx="4438386" cy="3328790"/>
+          </a:xfrm>
+        </p:spPr>
+      </p:pic>
     </p:spTree>
     <p:extLst>
       <p:ext uri="{BB962C8B-B14F-4D97-AF65-F5344CB8AC3E}">
-        <p14:creationId xmlns:p14="http://schemas.microsoft.com/office/powerpoint/2010/main" val="3576792554"/>
+        <p14:creationId xmlns:p14="http://schemas.microsoft.com/office/powerpoint/2010/main" val="3755553235"/>
       </p:ext>
     </p:extLst>
   </p:cSld>
@@ -7072,11 +7593,11 @@
           <a:lstStyle/>
           <a:p>
             <a:r>
-              <a:rPr lang="en-US" sz="4000" b="1" dirty="0">
+              <a:rPr lang="en-US" sz="4000" b="1" cap="small" dirty="0">
                 <a:latin typeface="Arial" panose="020B0604020202020204" pitchFamily="34" charset="0"/>
                 <a:cs typeface="Arial" panose="020B0604020202020204" pitchFamily="34" charset="0"/>
               </a:rPr>
-              <a:t>Load Test</a:t>
+              <a:t>Evaluation of REST API </a:t>
             </a:r>
             <a:endParaRPr lang="en-US" sz="4000" dirty="0"/>
           </a:p>
@@ -7084,10 +7605,10 @@
       </p:sp>
       <p:sp>
         <p:nvSpPr>
-          <p:cNvPr id="4" name="Content Placeholder 3">
-            <a:extLst>
-              <a:ext uri="{FF2B5EF4-FFF2-40B4-BE49-F238E27FC236}">
-                <a16:creationId xmlns:a16="http://schemas.microsoft.com/office/drawing/2014/main" id="{DC5C8493-47F4-48C9-B736-6EA03A975E75}"/>
+          <p:cNvPr id="3" name="Text Placeholder 2">
+            <a:extLst>
+              <a:ext uri="{FF2B5EF4-FFF2-40B4-BE49-F238E27FC236}">
+                <a16:creationId xmlns:a16="http://schemas.microsoft.com/office/drawing/2014/main" id="{30785EC9-0896-4337-B69D-58344733C3E4}"/>
               </a:ext>
             </a:extLst>
           </p:cNvPr>
@@ -7095,27 +7616,29 @@
             <a:spLocks noGrp="1"/>
           </p:cNvSpPr>
           <p:nvPr>
-            <p:ph sz="half" idx="1"/>
+            <p:ph type="body" idx="1"/>
           </p:nvPr>
         </p:nvSpPr>
         <p:spPr/>
         <p:txBody>
-          <a:bodyPr/>
-          <a:lstStyle/>
-          <a:p>
-            <a:r>
-              <a:rPr lang="en-US" dirty="0"/>
-              <a:t>AWS Invocation per Instance Image</a:t>
-            </a:r>
-          </a:p>
-        </p:txBody>
-      </p:sp>
-      <p:sp>
-        <p:nvSpPr>
-          <p:cNvPr id="7" name="Content Placeholder 6">
-            <a:extLst>
-              <a:ext uri="{FF2B5EF4-FFF2-40B4-BE49-F238E27FC236}">
-                <a16:creationId xmlns:a16="http://schemas.microsoft.com/office/drawing/2014/main" id="{C5B603B3-F103-40A7-AB24-D8F4BA5B6603}"/>
+          <a:bodyPr>
+            <a:normAutofit/>
+          </a:bodyPr>
+          <a:lstStyle/>
+          <a:p>
+            <a:r>
+              <a:rPr lang="en-US" sz="3500" dirty="0"/>
+              <a:t>Input:</a:t>
+            </a:r>
+          </a:p>
+        </p:txBody>
+      </p:sp>
+      <p:sp>
+        <p:nvSpPr>
+          <p:cNvPr id="4" name="Text Placeholder 3">
+            <a:extLst>
+              <a:ext uri="{FF2B5EF4-FFF2-40B4-BE49-F238E27FC236}">
+                <a16:creationId xmlns:a16="http://schemas.microsoft.com/office/drawing/2014/main" id="{DF74A9C2-1A11-4E3D-9940-486D0808DA3F}"/>
               </a:ext>
             </a:extLst>
           </p:cNvPr>
@@ -7123,22 +7646,305 @@
             <a:spLocks noGrp="1"/>
           </p:cNvSpPr>
           <p:nvPr>
+            <p:ph type="body" sz="quarter" idx="3"/>
+          </p:nvPr>
+        </p:nvSpPr>
+        <p:spPr/>
+        <p:txBody>
+          <a:bodyPr>
+            <a:normAutofit/>
+          </a:bodyPr>
+          <a:lstStyle/>
+          <a:p>
+            <a:r>
+              <a:rPr lang="en-US" sz="3500" dirty="0"/>
+              <a:t>Output:</a:t>
+            </a:r>
+          </a:p>
+        </p:txBody>
+      </p:sp>
+      <p:sp>
+        <p:nvSpPr>
+          <p:cNvPr id="5" name="Content Placeholder 4">
+            <a:extLst>
+              <a:ext uri="{FF2B5EF4-FFF2-40B4-BE49-F238E27FC236}">
+                <a16:creationId xmlns:a16="http://schemas.microsoft.com/office/drawing/2014/main" id="{B795FCC9-A046-4F7D-97E7-043495374C93}"/>
+              </a:ext>
+            </a:extLst>
+          </p:cNvPr>
+          <p:cNvSpPr>
+            <a:spLocks noGrp="1"/>
+          </p:cNvSpPr>
+          <p:nvPr>
+            <p:ph sz="quarter" idx="4"/>
+          </p:nvPr>
+        </p:nvSpPr>
+        <p:spPr>
+          <a:xfrm>
+            <a:off x="6996022" y="2505075"/>
+            <a:ext cx="4359365" cy="3684588"/>
+          </a:xfrm>
+        </p:spPr>
+        <p:txBody>
+          <a:bodyPr>
+            <a:noAutofit/>
+          </a:bodyPr>
+          <a:lstStyle/>
+          <a:p>
+            <a:pPr marL="0" indent="0">
+              <a:spcBef>
+                <a:spcPts val="500"/>
+              </a:spcBef>
+              <a:buNone/>
+            </a:pPr>
+            <a:r>
+              <a:rPr lang="it-IT" sz="1400" dirty="0"/>
+              <a:t>{</a:t>
+            </a:r>
+          </a:p>
+          <a:p>
+            <a:pPr marL="0" indent="0">
+              <a:spcBef>
+                <a:spcPts val="500"/>
+              </a:spcBef>
+              <a:buNone/>
+            </a:pPr>
+            <a:r>
+              <a:rPr lang="it-IT" sz="1400" dirty="0"/>
+              <a:t>    "payload": [</a:t>
+            </a:r>
+          </a:p>
+          <a:p>
+            <a:pPr marL="0" indent="0">
+              <a:spcBef>
+                <a:spcPts val="500"/>
+              </a:spcBef>
+              <a:buNone/>
+            </a:pPr>
+            <a:r>
+              <a:rPr lang="it-IT" sz="1400" dirty="0"/>
+              <a:t>        0.0004917857004329562,</a:t>
+            </a:r>
+          </a:p>
+          <a:p>
+            <a:pPr marL="0" indent="0">
+              <a:spcBef>
+                <a:spcPts val="500"/>
+              </a:spcBef>
+              <a:buNone/>
+            </a:pPr>
+            <a:r>
+              <a:rPr lang="it-IT" sz="1400" dirty="0"/>
+              <a:t>        0.0009714150219224393,</a:t>
+            </a:r>
+          </a:p>
+          <a:p>
+            <a:pPr marL="0" indent="0">
+              <a:spcBef>
+                <a:spcPts val="500"/>
+              </a:spcBef>
+              <a:buNone/>
+            </a:pPr>
+            <a:r>
+              <a:rPr lang="it-IT" sz="1400" dirty="0"/>
+              <a:t>        0.00037492465344257653,</a:t>
+            </a:r>
+          </a:p>
+          <a:p>
+            <a:pPr marL="0" indent="0">
+              <a:spcBef>
+                <a:spcPts val="500"/>
+              </a:spcBef>
+              <a:buNone/>
+            </a:pPr>
+            <a:r>
+              <a:rPr lang="it-IT" sz="1400" dirty="0"/>
+              <a:t>        0.0005540588754229248,</a:t>
+            </a:r>
+          </a:p>
+          <a:p>
+            <a:pPr marL="0" indent="0">
+              <a:spcBef>
+                <a:spcPts val="500"/>
+              </a:spcBef>
+              <a:buNone/>
+            </a:pPr>
+            <a:r>
+              <a:rPr lang="it-IT" sz="1400" dirty="0"/>
+              <a:t>        0.000527076655998826,</a:t>
+            </a:r>
+          </a:p>
+          <a:p>
+            <a:pPr marL="0" indent="0">
+              <a:spcBef>
+                <a:spcPts val="500"/>
+              </a:spcBef>
+              <a:buNone/>
+            </a:pPr>
+            <a:r>
+              <a:rPr lang="it-IT" sz="1400" dirty="0"/>
+              <a:t>        4.445736340130679e-05,</a:t>
+            </a:r>
+          </a:p>
+          <a:p>
+            <a:pPr marL="0" indent="0">
+              <a:spcBef>
+                <a:spcPts val="500"/>
+              </a:spcBef>
+              <a:buNone/>
+            </a:pPr>
+            <a:r>
+              <a:rPr lang="it-IT" sz="1400" dirty="0"/>
+              <a:t>        0.03505537286400795,</a:t>
+            </a:r>
+          </a:p>
+          <a:p>
+            <a:pPr marL="0" indent="0">
+              <a:spcBef>
+                <a:spcPts val="500"/>
+              </a:spcBef>
+              <a:buNone/>
+            </a:pPr>
+            <a:r>
+              <a:rPr lang="it-IT" sz="1400" dirty="0"/>
+              <a:t>        0.0012092252727597952,</a:t>
+            </a:r>
+          </a:p>
+          <a:p>
+            <a:pPr marL="0" indent="0">
+              <a:spcBef>
+                <a:spcPts val="500"/>
+              </a:spcBef>
+              <a:buNone/>
+            </a:pPr>
+            <a:r>
+              <a:rPr lang="it-IT" sz="1400" dirty="0"/>
+              <a:t>       </a:t>
+            </a:r>
+            <a:r>
+              <a:rPr lang="it-IT" sz="1400" b="1" dirty="0"/>
+              <a:t> </a:t>
+            </a:r>
+            <a:r>
+              <a:rPr lang="it-IT" sz="1400" dirty="0">
+                <a:effectLst/>
+              </a:rPr>
+              <a:t>0.960708737373352,</a:t>
+            </a:r>
+          </a:p>
+          <a:p>
+            <a:pPr marL="0" indent="0">
+              <a:spcBef>
+                <a:spcPts val="500"/>
+              </a:spcBef>
+              <a:buNone/>
+            </a:pPr>
+            <a:r>
+              <a:rPr lang="it-IT" sz="1400" dirty="0"/>
+              <a:t>        6.294571358012035e-05</a:t>
+            </a:r>
+          </a:p>
+          <a:p>
+            <a:pPr marL="0" indent="0">
+              <a:spcBef>
+                <a:spcPts val="500"/>
+              </a:spcBef>
+              <a:buNone/>
+            </a:pPr>
+            <a:r>
+              <a:rPr lang="it-IT" sz="1400" dirty="0"/>
+              <a:t>    ]</a:t>
+            </a:r>
+          </a:p>
+          <a:p>
+            <a:pPr marL="0" indent="0">
+              <a:spcBef>
+                <a:spcPts val="500"/>
+              </a:spcBef>
+              <a:buNone/>
+            </a:pPr>
+            <a:r>
+              <a:rPr lang="it-IT" sz="1400" dirty="0"/>
+              <a:t>}</a:t>
+            </a:r>
+            <a:endParaRPr lang="en-US" sz="1400" dirty="0"/>
+          </a:p>
+        </p:txBody>
+      </p:sp>
+      <p:sp>
+        <p:nvSpPr>
+          <p:cNvPr id="19" name="TextBox 18">
+            <a:extLst>
+              <a:ext uri="{FF2B5EF4-FFF2-40B4-BE49-F238E27FC236}">
+                <a16:creationId xmlns:a16="http://schemas.microsoft.com/office/drawing/2014/main" id="{A2A12B72-B8F7-4009-BD8D-B60785C7CF65}"/>
+              </a:ext>
+            </a:extLst>
+          </p:cNvPr>
+          <p:cNvSpPr txBox="1"/>
+          <p:nvPr/>
+        </p:nvSpPr>
+        <p:spPr>
+          <a:xfrm>
+            <a:off x="1146713" y="5956212"/>
+            <a:ext cx="4543936" cy="554126"/>
+          </a:xfrm>
+          <a:prstGeom prst="rect">
+            <a:avLst/>
+          </a:prstGeom>
+          <a:noFill/>
+        </p:spPr>
+        <p:txBody>
+          <a:bodyPr wrap="none" rtlCol="0">
+            <a:spAutoFit/>
+          </a:bodyPr>
+          <a:lstStyle/>
+          <a:p>
+            <a:r>
+              <a:rPr lang="en-US" sz="3001" b="1" dirty="0"/>
+              <a:t>Class C8 (Hair and Makeup)</a:t>
+            </a:r>
+          </a:p>
+        </p:txBody>
+      </p:sp>
+      <p:pic>
+        <p:nvPicPr>
+          <p:cNvPr id="10" name="Content Placeholder 8">
+            <a:extLst>
+              <a:ext uri="{FF2B5EF4-FFF2-40B4-BE49-F238E27FC236}">
+                <a16:creationId xmlns:a16="http://schemas.microsoft.com/office/drawing/2014/main" id="{640C62F3-CB8D-4BA6-B648-77F266BDC3A9}"/>
+              </a:ext>
+            </a:extLst>
+          </p:cNvPr>
+          <p:cNvPicPr>
+            <a:picLocks noGrp="1" noChangeAspect="1"/>
+          </p:cNvPicPr>
+          <p:nvPr>
             <p:ph sz="half" idx="2"/>
           </p:nvPr>
-        </p:nvSpPr>
-        <p:spPr/>
-        <p:txBody>
-          <a:bodyPr/>
-          <a:lstStyle/>
-          <a:p>
-            <a:endParaRPr lang="en-US"/>
-          </a:p>
-        </p:txBody>
-      </p:sp>
+        </p:nvPicPr>
+        <p:blipFill>
+          <a:blip r:embed="rId2">
+            <a:extLst>
+              <a:ext uri="{28A0092B-C50C-407E-A947-70E740481C1C}">
+                <a14:useLocalDpi xmlns:a14="http://schemas.microsoft.com/office/drawing/2010/main" val="0"/>
+              </a:ext>
+            </a:extLst>
+          </a:blip>
+          <a:stretch>
+            <a:fillRect/>
+          </a:stretch>
+        </p:blipFill>
+        <p:spPr>
+          <a:xfrm>
+            <a:off x="1146713" y="2468563"/>
+            <a:ext cx="4438386" cy="3328790"/>
+          </a:xfrm>
+        </p:spPr>
+      </p:pic>
     </p:spTree>
     <p:extLst>
       <p:ext uri="{BB962C8B-B14F-4D97-AF65-F5344CB8AC3E}">
-        <p14:creationId xmlns:p14="http://schemas.microsoft.com/office/powerpoint/2010/main" val="1296864583"/>
+        <p14:creationId xmlns:p14="http://schemas.microsoft.com/office/powerpoint/2010/main" val="865635697"/>
       </p:ext>
     </p:extLst>
   </p:cSld>
@@ -7165,52 +7971,337 @@
           <a:chExt cx="0" cy="0"/>
         </a:xfrm>
       </p:grpSpPr>
-      <p:pic>
-        <p:nvPicPr>
-          <p:cNvPr id="5" name="Picture 4">
-            <a:extLst>
-              <a:ext uri="{FF2B5EF4-FFF2-40B4-BE49-F238E27FC236}">
-                <a16:creationId xmlns:a16="http://schemas.microsoft.com/office/drawing/2014/main" id="{031345CC-F2E2-436E-8942-20D509C7D3B6}"/>
-              </a:ext>
-            </a:extLst>
-          </p:cNvPr>
-          <p:cNvPicPr>
-            <a:picLocks noChangeAspect="1"/>
-          </p:cNvPicPr>
-          <p:nvPr/>
-        </p:nvPicPr>
-        <p:blipFill>
-          <a:blip r:embed="rId2">
-            <a:extLst>
-              <a:ext uri="{28A0092B-C50C-407E-A947-70E740481C1C}">
-                <a14:useLocalDpi xmlns:a14="http://schemas.microsoft.com/office/drawing/2010/main" val="0"/>
-              </a:ext>
-            </a:extLst>
-          </a:blip>
-          <a:stretch>
-            <a:fillRect/>
-          </a:stretch>
-        </p:blipFill>
-        <p:spPr>
-          <a:xfrm>
-            <a:off x="3385925" y="2"/>
-            <a:ext cx="5420155" cy="6858000"/>
-          </a:xfrm>
-          <a:prstGeom prst="rect">
-            <a:avLst/>
-          </a:prstGeom>
-        </p:spPr>
-      </p:pic>
+      <p:sp>
+        <p:nvSpPr>
+          <p:cNvPr id="2" name="Title 1">
+            <a:extLst>
+              <a:ext uri="{FF2B5EF4-FFF2-40B4-BE49-F238E27FC236}">
+                <a16:creationId xmlns:a16="http://schemas.microsoft.com/office/drawing/2014/main" id="{0A5EE076-BB6C-4C5E-860C-40FB5F6B70FB}"/>
+              </a:ext>
+            </a:extLst>
+          </p:cNvPr>
+          <p:cNvSpPr>
+            <a:spLocks noGrp="1"/>
+          </p:cNvSpPr>
+          <p:nvPr>
+            <p:ph type="title"/>
+          </p:nvPr>
+        </p:nvSpPr>
+        <p:spPr/>
+        <p:txBody>
+          <a:bodyPr/>
+          <a:lstStyle/>
+          <a:p>
+            <a:r>
+              <a:rPr lang="en-US" b="1" cap="small" dirty="0">
+                <a:latin typeface="Arial" panose="020B0604020202020204" pitchFamily="34" charset="0"/>
+                <a:cs typeface="Arial" panose="020B0604020202020204" pitchFamily="34" charset="0"/>
+              </a:rPr>
+              <a:t>Project Goals</a:t>
+            </a:r>
+            <a:endParaRPr lang="en-US" dirty="0"/>
+          </a:p>
+        </p:txBody>
+      </p:sp>
+      <p:sp>
+        <p:nvSpPr>
+          <p:cNvPr id="3" name="Content Placeholder 2">
+            <a:extLst>
+              <a:ext uri="{FF2B5EF4-FFF2-40B4-BE49-F238E27FC236}">
+                <a16:creationId xmlns:a16="http://schemas.microsoft.com/office/drawing/2014/main" id="{1C8B08F3-8B50-4F6E-A214-51FC8F49FE43}"/>
+              </a:ext>
+            </a:extLst>
+          </p:cNvPr>
+          <p:cNvSpPr>
+            <a:spLocks noGrp="1"/>
+          </p:cNvSpPr>
+          <p:nvPr>
+            <p:ph idx="1"/>
+          </p:nvPr>
+        </p:nvSpPr>
+        <p:spPr/>
+        <p:txBody>
+          <a:bodyPr/>
+          <a:lstStyle/>
+          <a:p>
+            <a:r>
+              <a:rPr lang="en-US" sz="3400" dirty="0"/>
+              <a:t>Platform as a Service (</a:t>
+            </a:r>
+            <a:r>
+              <a:rPr lang="en-US" sz="3400" b="1" dirty="0"/>
+              <a:t>PaaS</a:t>
+            </a:r>
+            <a:r>
+              <a:rPr lang="en-US" sz="3400" dirty="0"/>
+              <a:t>) machine learning </a:t>
+            </a:r>
+            <a:br>
+              <a:rPr lang="en-US" sz="3400" dirty="0"/>
+            </a:br>
+            <a:r>
+              <a:rPr lang="en-US" sz="3400" dirty="0"/>
+              <a:t>prediction model</a:t>
+            </a:r>
+          </a:p>
+          <a:p>
+            <a:pPr lvl="1"/>
+            <a:r>
+              <a:rPr lang="en-US" sz="2800" b="1" dirty="0">
+                <a:solidFill>
+                  <a:srgbClr val="C00000"/>
+                </a:solidFill>
+              </a:rPr>
+              <a:t>Image Classification Model of Distracted Driver Behavior</a:t>
+            </a:r>
+          </a:p>
+          <a:p>
+            <a:pPr marL="457200" lvl="1" indent="0">
+              <a:buNone/>
+            </a:pPr>
+            <a:endParaRPr lang="en-US" b="1" dirty="0">
+              <a:solidFill>
+                <a:srgbClr val="FF0000"/>
+              </a:solidFill>
+            </a:endParaRPr>
+          </a:p>
+          <a:p>
+            <a:r>
+              <a:rPr lang="en-US" sz="3400" dirty="0"/>
+              <a:t>Scalable Platform</a:t>
+            </a:r>
+          </a:p>
+          <a:p>
+            <a:pPr lvl="1"/>
+            <a:r>
+              <a:rPr lang="en-US" sz="2800" b="1" dirty="0">
+                <a:solidFill>
+                  <a:srgbClr val="C00000"/>
+                </a:solidFill>
+              </a:rPr>
+              <a:t>Amazon SageMaker</a:t>
+            </a:r>
+          </a:p>
+          <a:p>
+            <a:pPr marL="457200" lvl="1" indent="0">
+              <a:buNone/>
+            </a:pPr>
+            <a:endParaRPr lang="en-US" b="1" dirty="0">
+              <a:solidFill>
+                <a:srgbClr val="FF0000"/>
+              </a:solidFill>
+            </a:endParaRPr>
+          </a:p>
+          <a:p>
+            <a:r>
+              <a:rPr lang="en-US" sz="3400" dirty="0"/>
+              <a:t>Elastic Scale-Up</a:t>
+            </a:r>
+          </a:p>
+          <a:p>
+            <a:pPr lvl="1"/>
+            <a:r>
+              <a:rPr lang="en-US" sz="2800" b="1" dirty="0">
+                <a:solidFill>
+                  <a:srgbClr val="C00000"/>
+                </a:solidFill>
+              </a:rPr>
+              <a:t>Verified using Locust for load testing </a:t>
+            </a:r>
+          </a:p>
+          <a:p>
+            <a:pPr lvl="1"/>
+            <a:endParaRPr lang="en-US" dirty="0"/>
+          </a:p>
+        </p:txBody>
+      </p:sp>
     </p:spTree>
     <p:extLst>
       <p:ext uri="{BB962C8B-B14F-4D97-AF65-F5344CB8AC3E}">
-        <p14:creationId xmlns:p14="http://schemas.microsoft.com/office/powerpoint/2010/main" val="3919717514"/>
+        <p14:creationId xmlns:p14="http://schemas.microsoft.com/office/powerpoint/2010/main" val="560148125"/>
       </p:ext>
     </p:extLst>
   </p:cSld>
   <p:clrMapOvr>
     <a:masterClrMapping/>
   </p:clrMapOvr>
+  <p:timing>
+    <p:tnLst>
+      <p:par>
+        <p:cTn id="1" dur="indefinite" restart="never" nodeType="tmRoot">
+          <p:childTnLst>
+            <p:seq concurrent="1" nextAc="seek">
+              <p:cTn id="2" dur="indefinite" nodeType="mainSeq">
+                <p:childTnLst>
+                  <p:par>
+                    <p:cTn id="3" fill="hold">
+                      <p:stCondLst>
+                        <p:cond delay="indefinite"/>
+                      </p:stCondLst>
+                      <p:childTnLst>
+                        <p:par>
+                          <p:cTn id="4" fill="hold">
+                            <p:stCondLst>
+                              <p:cond delay="0"/>
+                            </p:stCondLst>
+                            <p:childTnLst>
+                              <p:par>
+                                <p:cTn id="5" presetID="1" presetClass="entr" presetSubtype="0" fill="hold" nodeType="clickEffect">
+                                  <p:stCondLst>
+                                    <p:cond delay="0"/>
+                                  </p:stCondLst>
+                                  <p:childTnLst>
+                                    <p:set>
+                                      <p:cBhvr>
+                                        <p:cTn id="6" dur="1" fill="hold">
+                                          <p:stCondLst>
+                                            <p:cond delay="0"/>
+                                          </p:stCondLst>
+                                        </p:cTn>
+                                        <p:tgtEl>
+                                          <p:spTgt spid="3">
+                                            <p:txEl>
+                                              <p:pRg st="1" end="1"/>
+                                            </p:txEl>
+                                          </p:spTgt>
+                                        </p:tgtEl>
+                                        <p:attrNameLst>
+                                          <p:attrName>style.visibility</p:attrName>
+                                        </p:attrNameLst>
+                                      </p:cBhvr>
+                                      <p:to>
+                                        <p:strVal val="visible"/>
+                                      </p:to>
+                                    </p:set>
+                                  </p:childTnLst>
+                                </p:cTn>
+                              </p:par>
+                            </p:childTnLst>
+                          </p:cTn>
+                        </p:par>
+                      </p:childTnLst>
+                    </p:cTn>
+                  </p:par>
+                  <p:par>
+                    <p:cTn id="7" fill="hold">
+                      <p:stCondLst>
+                        <p:cond delay="indefinite"/>
+                      </p:stCondLst>
+                      <p:childTnLst>
+                        <p:par>
+                          <p:cTn id="8" fill="hold">
+                            <p:stCondLst>
+                              <p:cond delay="0"/>
+                            </p:stCondLst>
+                            <p:childTnLst>
+                              <p:par>
+                                <p:cTn id="9" presetID="1" presetClass="entr" presetSubtype="0" fill="hold" nodeType="clickEffect">
+                                  <p:stCondLst>
+                                    <p:cond delay="0"/>
+                                  </p:stCondLst>
+                                  <p:childTnLst>
+                                    <p:set>
+                                      <p:cBhvr>
+                                        <p:cTn id="10" dur="1" fill="hold">
+                                          <p:stCondLst>
+                                            <p:cond delay="0"/>
+                                          </p:stCondLst>
+                                        </p:cTn>
+                                        <p:tgtEl>
+                                          <p:spTgt spid="3">
+                                            <p:txEl>
+                                              <p:pRg st="4" end="4"/>
+                                            </p:txEl>
+                                          </p:spTgt>
+                                        </p:tgtEl>
+                                        <p:attrNameLst>
+                                          <p:attrName>style.visibility</p:attrName>
+                                        </p:attrNameLst>
+                                      </p:cBhvr>
+                                      <p:to>
+                                        <p:strVal val="visible"/>
+                                      </p:to>
+                                    </p:set>
+                                  </p:childTnLst>
+                                </p:cTn>
+                              </p:par>
+                            </p:childTnLst>
+                          </p:cTn>
+                        </p:par>
+                      </p:childTnLst>
+                    </p:cTn>
+                  </p:par>
+                  <p:par>
+                    <p:cTn id="11" fill="hold">
+                      <p:stCondLst>
+                        <p:cond delay="indefinite"/>
+                      </p:stCondLst>
+                      <p:childTnLst>
+                        <p:par>
+                          <p:cTn id="12" fill="hold">
+                            <p:stCondLst>
+                              <p:cond delay="0"/>
+                            </p:stCondLst>
+                            <p:childTnLst>
+                              <p:par>
+                                <p:cTn id="13" presetID="1" presetClass="entr" presetSubtype="0" fill="hold" nodeType="clickEffect">
+                                  <p:stCondLst>
+                                    <p:cond delay="0"/>
+                                  </p:stCondLst>
+                                  <p:childTnLst>
+                                    <p:set>
+                                      <p:cBhvr>
+                                        <p:cTn id="14" dur="1" fill="hold">
+                                          <p:stCondLst>
+                                            <p:cond delay="0"/>
+                                          </p:stCondLst>
+                                        </p:cTn>
+                                        <p:tgtEl>
+                                          <p:spTgt spid="3">
+                                            <p:txEl>
+                                              <p:pRg st="7" end="7"/>
+                                            </p:txEl>
+                                          </p:spTgt>
+                                        </p:tgtEl>
+                                        <p:attrNameLst>
+                                          <p:attrName>style.visibility</p:attrName>
+                                        </p:attrNameLst>
+                                      </p:cBhvr>
+                                      <p:to>
+                                        <p:strVal val="visible"/>
+                                      </p:to>
+                                    </p:set>
+                                  </p:childTnLst>
+                                </p:cTn>
+                              </p:par>
+                            </p:childTnLst>
+                          </p:cTn>
+                        </p:par>
+                      </p:childTnLst>
+                    </p:cTn>
+                  </p:par>
+                </p:childTnLst>
+              </p:cTn>
+              <p:prevCondLst>
+                <p:cond evt="onPrev" delay="0">
+                  <p:tgtEl>
+                    <p:sldTgt/>
+                  </p:tgtEl>
+                </p:cond>
+              </p:prevCondLst>
+              <p:nextCondLst>
+                <p:cond evt="onNext" delay="0">
+                  <p:tgtEl>
+                    <p:sldTgt/>
+                  </p:tgtEl>
+                </p:cond>
+              </p:nextCondLst>
+            </p:seq>
+          </p:childTnLst>
+        </p:cTn>
+      </p:par>
+    </p:tnLst>
+  </p:timing>
 </p:sld>
 </file>
 
@@ -7231,10 +8322,836 @@
           <a:chExt cx="0" cy="0"/>
         </a:xfrm>
       </p:grpSpPr>
+      <p:sp>
+        <p:nvSpPr>
+          <p:cNvPr id="2" name="Title 1">
+            <a:extLst>
+              <a:ext uri="{FF2B5EF4-FFF2-40B4-BE49-F238E27FC236}">
+                <a16:creationId xmlns:a16="http://schemas.microsoft.com/office/drawing/2014/main" id="{23817875-8547-414E-8C56-4169ADD13882}"/>
+              </a:ext>
+            </a:extLst>
+          </p:cNvPr>
+          <p:cNvSpPr>
+            <a:spLocks noGrp="1"/>
+          </p:cNvSpPr>
+          <p:nvPr>
+            <p:ph type="title"/>
+          </p:nvPr>
+        </p:nvSpPr>
+        <p:spPr/>
+        <p:txBody>
+          <a:bodyPr>
+            <a:normAutofit/>
+          </a:bodyPr>
+          <a:lstStyle/>
+          <a:p>
+            <a:r>
+              <a:rPr lang="en-US" sz="4000" b="1" cap="small" dirty="0">
+                <a:latin typeface="Arial" panose="020B0604020202020204" pitchFamily="34" charset="0"/>
+                <a:cs typeface="Arial" panose="020B0604020202020204" pitchFamily="34" charset="0"/>
+              </a:rPr>
+              <a:t>Evaluation of REST API </a:t>
+            </a:r>
+            <a:endParaRPr lang="en-US" sz="4000" dirty="0"/>
+          </a:p>
+        </p:txBody>
+      </p:sp>
+      <p:sp>
+        <p:nvSpPr>
+          <p:cNvPr id="3" name="Text Placeholder 2">
+            <a:extLst>
+              <a:ext uri="{FF2B5EF4-FFF2-40B4-BE49-F238E27FC236}">
+                <a16:creationId xmlns:a16="http://schemas.microsoft.com/office/drawing/2014/main" id="{30785EC9-0896-4337-B69D-58344733C3E4}"/>
+              </a:ext>
+            </a:extLst>
+          </p:cNvPr>
+          <p:cNvSpPr>
+            <a:spLocks noGrp="1"/>
+          </p:cNvSpPr>
+          <p:nvPr>
+            <p:ph type="body" idx="1"/>
+          </p:nvPr>
+        </p:nvSpPr>
+        <p:spPr/>
+        <p:txBody>
+          <a:bodyPr>
+            <a:normAutofit/>
+          </a:bodyPr>
+          <a:lstStyle/>
+          <a:p>
+            <a:r>
+              <a:rPr lang="en-US" sz="3500" dirty="0"/>
+              <a:t>Input:</a:t>
+            </a:r>
+          </a:p>
+        </p:txBody>
+      </p:sp>
+      <p:sp>
+        <p:nvSpPr>
+          <p:cNvPr id="4" name="Text Placeholder 3">
+            <a:extLst>
+              <a:ext uri="{FF2B5EF4-FFF2-40B4-BE49-F238E27FC236}">
+                <a16:creationId xmlns:a16="http://schemas.microsoft.com/office/drawing/2014/main" id="{DF74A9C2-1A11-4E3D-9940-486D0808DA3F}"/>
+              </a:ext>
+            </a:extLst>
+          </p:cNvPr>
+          <p:cNvSpPr>
+            <a:spLocks noGrp="1"/>
+          </p:cNvSpPr>
+          <p:nvPr>
+            <p:ph type="body" sz="quarter" idx="3"/>
+          </p:nvPr>
+        </p:nvSpPr>
+        <p:spPr/>
+        <p:txBody>
+          <a:bodyPr>
+            <a:normAutofit/>
+          </a:bodyPr>
+          <a:lstStyle/>
+          <a:p>
+            <a:r>
+              <a:rPr lang="en-US" sz="3500" dirty="0"/>
+              <a:t>Output:</a:t>
+            </a:r>
+          </a:p>
+        </p:txBody>
+      </p:sp>
+      <p:sp>
+        <p:nvSpPr>
+          <p:cNvPr id="5" name="Content Placeholder 4">
+            <a:extLst>
+              <a:ext uri="{FF2B5EF4-FFF2-40B4-BE49-F238E27FC236}">
+                <a16:creationId xmlns:a16="http://schemas.microsoft.com/office/drawing/2014/main" id="{B795FCC9-A046-4F7D-97E7-043495374C93}"/>
+              </a:ext>
+            </a:extLst>
+          </p:cNvPr>
+          <p:cNvSpPr>
+            <a:spLocks noGrp="1"/>
+          </p:cNvSpPr>
+          <p:nvPr>
+            <p:ph sz="quarter" idx="4"/>
+          </p:nvPr>
+        </p:nvSpPr>
+        <p:spPr>
+          <a:xfrm>
+            <a:off x="6996022" y="2505075"/>
+            <a:ext cx="4359365" cy="3684588"/>
+          </a:xfrm>
+        </p:spPr>
+        <p:txBody>
+          <a:bodyPr>
+            <a:noAutofit/>
+          </a:bodyPr>
+          <a:lstStyle/>
+          <a:p>
+            <a:pPr marL="0" indent="0">
+              <a:spcBef>
+                <a:spcPts val="500"/>
+              </a:spcBef>
+              <a:buNone/>
+            </a:pPr>
+            <a:r>
+              <a:rPr lang="it-IT" sz="1400" dirty="0"/>
+              <a:t>{</a:t>
+            </a:r>
+          </a:p>
+          <a:p>
+            <a:pPr marL="0" indent="0">
+              <a:spcBef>
+                <a:spcPts val="500"/>
+              </a:spcBef>
+              <a:buNone/>
+            </a:pPr>
+            <a:r>
+              <a:rPr lang="it-IT" sz="1400" dirty="0"/>
+              <a:t>    "payload": [</a:t>
+            </a:r>
+          </a:p>
+          <a:p>
+            <a:pPr marL="0" indent="0">
+              <a:spcBef>
+                <a:spcPts val="500"/>
+              </a:spcBef>
+              <a:buNone/>
+            </a:pPr>
+            <a:r>
+              <a:rPr lang="it-IT" sz="1400" dirty="0"/>
+              <a:t>        0.0004917857004329562,</a:t>
+            </a:r>
+          </a:p>
+          <a:p>
+            <a:pPr marL="0" indent="0">
+              <a:spcBef>
+                <a:spcPts val="500"/>
+              </a:spcBef>
+              <a:buNone/>
+            </a:pPr>
+            <a:r>
+              <a:rPr lang="it-IT" sz="1400" dirty="0"/>
+              <a:t>        0.0009714150219224393,</a:t>
+            </a:r>
+          </a:p>
+          <a:p>
+            <a:pPr marL="0" indent="0">
+              <a:spcBef>
+                <a:spcPts val="500"/>
+              </a:spcBef>
+              <a:buNone/>
+            </a:pPr>
+            <a:r>
+              <a:rPr lang="it-IT" sz="1400" dirty="0"/>
+              <a:t>        0.00037492465344257653,</a:t>
+            </a:r>
+          </a:p>
+          <a:p>
+            <a:pPr marL="0" indent="0">
+              <a:spcBef>
+                <a:spcPts val="500"/>
+              </a:spcBef>
+              <a:buNone/>
+            </a:pPr>
+            <a:r>
+              <a:rPr lang="it-IT" sz="1400" dirty="0"/>
+              <a:t>        0.0005540588754229248,</a:t>
+            </a:r>
+          </a:p>
+          <a:p>
+            <a:pPr marL="0" indent="0">
+              <a:spcBef>
+                <a:spcPts val="500"/>
+              </a:spcBef>
+              <a:buNone/>
+            </a:pPr>
+            <a:r>
+              <a:rPr lang="it-IT" sz="1400" dirty="0"/>
+              <a:t>        0.000527076655998826,</a:t>
+            </a:r>
+          </a:p>
+          <a:p>
+            <a:pPr marL="0" indent="0">
+              <a:spcBef>
+                <a:spcPts val="500"/>
+              </a:spcBef>
+              <a:buNone/>
+            </a:pPr>
+            <a:r>
+              <a:rPr lang="it-IT" sz="1400" dirty="0"/>
+              <a:t>        4.445736340130679e-05,</a:t>
+            </a:r>
+          </a:p>
+          <a:p>
+            <a:pPr marL="0" indent="0">
+              <a:spcBef>
+                <a:spcPts val="500"/>
+              </a:spcBef>
+              <a:buNone/>
+            </a:pPr>
+            <a:r>
+              <a:rPr lang="it-IT" sz="1400" dirty="0"/>
+              <a:t>        0.03505537286400795,</a:t>
+            </a:r>
+          </a:p>
+          <a:p>
+            <a:pPr marL="0" indent="0">
+              <a:spcBef>
+                <a:spcPts val="500"/>
+              </a:spcBef>
+              <a:buNone/>
+            </a:pPr>
+            <a:r>
+              <a:rPr lang="it-IT" sz="1400" dirty="0"/>
+              <a:t>        0.0012092252727597952,</a:t>
+            </a:r>
+          </a:p>
+          <a:p>
+            <a:pPr marL="0" indent="0">
+              <a:spcBef>
+                <a:spcPts val="500"/>
+              </a:spcBef>
+              <a:buNone/>
+            </a:pPr>
+            <a:r>
+              <a:rPr lang="it-IT" sz="1400" dirty="0"/>
+              <a:t>       </a:t>
+            </a:r>
+            <a:r>
+              <a:rPr lang="it-IT" sz="1400" b="1" dirty="0"/>
+              <a:t> </a:t>
+            </a:r>
+            <a:r>
+              <a:rPr lang="it-IT" sz="1400" b="1" dirty="0">
+                <a:effectLst>
+                  <a:glow rad="228600">
+                    <a:schemeClr val="accent4">
+                      <a:satMod val="175000"/>
+                      <a:alpha val="40000"/>
+                    </a:schemeClr>
+                  </a:glow>
+                </a:effectLst>
+              </a:rPr>
+              <a:t>0.960708737373352,</a:t>
+            </a:r>
+          </a:p>
+          <a:p>
+            <a:pPr marL="0" indent="0">
+              <a:spcBef>
+                <a:spcPts val="500"/>
+              </a:spcBef>
+              <a:buNone/>
+            </a:pPr>
+            <a:r>
+              <a:rPr lang="it-IT" sz="1400" dirty="0"/>
+              <a:t>        6.294571358012035e-05</a:t>
+            </a:r>
+          </a:p>
+          <a:p>
+            <a:pPr marL="0" indent="0">
+              <a:spcBef>
+                <a:spcPts val="500"/>
+              </a:spcBef>
+              <a:buNone/>
+            </a:pPr>
+            <a:r>
+              <a:rPr lang="it-IT" sz="1400" dirty="0"/>
+              <a:t>    ]</a:t>
+            </a:r>
+          </a:p>
+          <a:p>
+            <a:pPr marL="0" indent="0">
+              <a:spcBef>
+                <a:spcPts val="500"/>
+              </a:spcBef>
+              <a:buNone/>
+            </a:pPr>
+            <a:r>
+              <a:rPr lang="it-IT" sz="1400" dirty="0"/>
+              <a:t>}</a:t>
+            </a:r>
+            <a:endParaRPr lang="en-US" sz="1400" dirty="0"/>
+          </a:p>
+        </p:txBody>
+      </p:sp>
+      <p:sp>
+        <p:nvSpPr>
+          <p:cNvPr id="19" name="TextBox 18">
+            <a:extLst>
+              <a:ext uri="{FF2B5EF4-FFF2-40B4-BE49-F238E27FC236}">
+                <a16:creationId xmlns:a16="http://schemas.microsoft.com/office/drawing/2014/main" id="{A2A12B72-B8F7-4009-BD8D-B60785C7CF65}"/>
+              </a:ext>
+            </a:extLst>
+          </p:cNvPr>
+          <p:cNvSpPr txBox="1"/>
+          <p:nvPr/>
+        </p:nvSpPr>
+        <p:spPr>
+          <a:xfrm>
+            <a:off x="1146713" y="5956212"/>
+            <a:ext cx="4543936" cy="554126"/>
+          </a:xfrm>
+          <a:prstGeom prst="rect">
+            <a:avLst/>
+          </a:prstGeom>
+          <a:noFill/>
+        </p:spPr>
+        <p:txBody>
+          <a:bodyPr wrap="none" rtlCol="0">
+            <a:spAutoFit/>
+          </a:bodyPr>
+          <a:lstStyle/>
+          <a:p>
+            <a:r>
+              <a:rPr lang="en-US" sz="3001" b="1" dirty="0"/>
+              <a:t>Class C8 (Hair and Makeup)</a:t>
+            </a:r>
+          </a:p>
+        </p:txBody>
+      </p:sp>
+      <p:pic>
+        <p:nvPicPr>
+          <p:cNvPr id="10" name="Content Placeholder 8">
+            <a:extLst>
+              <a:ext uri="{FF2B5EF4-FFF2-40B4-BE49-F238E27FC236}">
+                <a16:creationId xmlns:a16="http://schemas.microsoft.com/office/drawing/2014/main" id="{3C0D0D84-A551-4D4B-9E77-ECF8CED11DCF}"/>
+              </a:ext>
+            </a:extLst>
+          </p:cNvPr>
+          <p:cNvPicPr>
+            <a:picLocks noChangeAspect="1"/>
+          </p:cNvPicPr>
+          <p:nvPr/>
+        </p:nvPicPr>
+        <p:blipFill>
+          <a:blip r:embed="rId2">
+            <a:extLst>
+              <a:ext uri="{28A0092B-C50C-407E-A947-70E740481C1C}">
+                <a14:useLocalDpi xmlns:a14="http://schemas.microsoft.com/office/drawing/2010/main" val="0"/>
+              </a:ext>
+            </a:extLst>
+          </a:blip>
+          <a:stretch>
+            <a:fillRect/>
+          </a:stretch>
+        </p:blipFill>
+        <p:spPr>
+          <a:xfrm>
+            <a:off x="1146713" y="2468563"/>
+            <a:ext cx="4438386" cy="3328790"/>
+          </a:xfrm>
+          <a:prstGeom prst="rect">
+            <a:avLst/>
+          </a:prstGeom>
+        </p:spPr>
+      </p:pic>
     </p:spTree>
     <p:extLst>
       <p:ext uri="{BB962C8B-B14F-4D97-AF65-F5344CB8AC3E}">
-        <p14:creationId xmlns:p14="http://schemas.microsoft.com/office/powerpoint/2010/main" val="3761014147"/>
+        <p14:creationId xmlns:p14="http://schemas.microsoft.com/office/powerpoint/2010/main" val="1762327438"/>
+      </p:ext>
+    </p:extLst>
+  </p:cSld>
+  <p:clrMapOvr>
+    <a:masterClrMapping/>
+  </p:clrMapOvr>
+</p:sld>
+</file>
+
+<file path=ppt/slides/slide21.xml><?xml version="1.0" encoding="utf-8"?>
+<p:sld xmlns:a="http://schemas.openxmlformats.org/drawingml/2006/main" xmlns:r="http://schemas.openxmlformats.org/officeDocument/2006/relationships" xmlns:p="http://schemas.openxmlformats.org/presentationml/2006/main">
+  <p:cSld>
+    <p:spTree>
+      <p:nvGrpSpPr>
+        <p:cNvPr id="1" name=""/>
+        <p:cNvGrpSpPr/>
+        <p:nvPr/>
+      </p:nvGrpSpPr>
+      <p:grpSpPr>
+        <a:xfrm>
+          <a:off x="0" y="0"/>
+          <a:ext cx="0" cy="0"/>
+          <a:chOff x="0" y="0"/>
+          <a:chExt cx="0" cy="0"/>
+        </a:xfrm>
+      </p:grpSpPr>
+      <p:sp>
+        <p:nvSpPr>
+          <p:cNvPr id="2" name="Title 1">
+            <a:extLst>
+              <a:ext uri="{FF2B5EF4-FFF2-40B4-BE49-F238E27FC236}">
+                <a16:creationId xmlns:a16="http://schemas.microsoft.com/office/drawing/2014/main" id="{23817875-8547-414E-8C56-4169ADD13882}"/>
+              </a:ext>
+            </a:extLst>
+          </p:cNvPr>
+          <p:cNvSpPr>
+            <a:spLocks noGrp="1"/>
+          </p:cNvSpPr>
+          <p:nvPr>
+            <p:ph type="title"/>
+          </p:nvPr>
+        </p:nvSpPr>
+        <p:spPr/>
+        <p:txBody>
+          <a:bodyPr>
+            <a:normAutofit/>
+          </a:bodyPr>
+          <a:lstStyle/>
+          <a:p>
+            <a:r>
+              <a:rPr lang="en-US" sz="4000" b="1" cap="small" dirty="0">
+                <a:latin typeface="Arial" panose="020B0604020202020204" pitchFamily="34" charset="0"/>
+                <a:cs typeface="Arial" panose="020B0604020202020204" pitchFamily="34" charset="0"/>
+              </a:rPr>
+              <a:t>Load Test</a:t>
+            </a:r>
+            <a:endParaRPr lang="en-US" sz="4000" cap="small" dirty="0"/>
+          </a:p>
+        </p:txBody>
+      </p:sp>
+      <p:pic>
+        <p:nvPicPr>
+          <p:cNvPr id="5" name="Picture 4">
+            <a:extLst>
+              <a:ext uri="{FF2B5EF4-FFF2-40B4-BE49-F238E27FC236}">
+                <a16:creationId xmlns:a16="http://schemas.microsoft.com/office/drawing/2014/main" id="{C4A92712-8E02-44A6-9D1F-9B3FB0203CE9}"/>
+              </a:ext>
+            </a:extLst>
+          </p:cNvPr>
+          <p:cNvPicPr>
+            <a:picLocks noChangeAspect="1"/>
+          </p:cNvPicPr>
+          <p:nvPr/>
+        </p:nvPicPr>
+        <p:blipFill rotWithShape="1">
+          <a:blip r:embed="rId2">
+            <a:extLst>
+              <a:ext uri="{28A0092B-C50C-407E-A947-70E740481C1C}">
+                <a14:useLocalDpi xmlns:a14="http://schemas.microsoft.com/office/drawing/2010/main" val="0"/>
+              </a:ext>
+            </a:extLst>
+          </a:blip>
+          <a:srcRect t="17016"/>
+          <a:stretch/>
+        </p:blipFill>
+        <p:spPr>
+          <a:xfrm>
+            <a:off x="370676" y="2665562"/>
+            <a:ext cx="11450648" cy="2940775"/>
+          </a:xfrm>
+          <a:prstGeom prst="rect">
+            <a:avLst/>
+          </a:prstGeom>
+        </p:spPr>
+      </p:pic>
+      <p:sp>
+        <p:nvSpPr>
+          <p:cNvPr id="10" name="TextBox 9">
+            <a:extLst>
+              <a:ext uri="{FF2B5EF4-FFF2-40B4-BE49-F238E27FC236}">
+                <a16:creationId xmlns:a16="http://schemas.microsoft.com/office/drawing/2014/main" id="{DC7C7F3D-01DC-4DB6-8A30-6551240A15DD}"/>
+              </a:ext>
+            </a:extLst>
+          </p:cNvPr>
+          <p:cNvSpPr txBox="1"/>
+          <p:nvPr/>
+        </p:nvSpPr>
+        <p:spPr>
+          <a:xfrm>
+            <a:off x="370676" y="1992702"/>
+            <a:ext cx="3281668" cy="553998"/>
+          </a:xfrm>
+          <a:prstGeom prst="rect">
+            <a:avLst/>
+          </a:prstGeom>
+          <a:noFill/>
+        </p:spPr>
+        <p:txBody>
+          <a:bodyPr wrap="none" rtlCol="0">
+            <a:spAutoFit/>
+          </a:bodyPr>
+          <a:lstStyle/>
+          <a:p>
+            <a:r>
+              <a:rPr lang="en-US" sz="3000" b="1" dirty="0">
+                <a:latin typeface="Arial" panose="020B0604020202020204" pitchFamily="34" charset="0"/>
+                <a:cs typeface="Arial" panose="020B0604020202020204" pitchFamily="34" charset="0"/>
+              </a:rPr>
+              <a:t>Number of Users</a:t>
+            </a:r>
+          </a:p>
+        </p:txBody>
+      </p:sp>
+    </p:spTree>
+    <p:extLst>
+      <p:ext uri="{BB962C8B-B14F-4D97-AF65-F5344CB8AC3E}">
+        <p14:creationId xmlns:p14="http://schemas.microsoft.com/office/powerpoint/2010/main" val="3576792554"/>
+      </p:ext>
+    </p:extLst>
+  </p:cSld>
+  <p:clrMapOvr>
+    <a:masterClrMapping/>
+  </p:clrMapOvr>
+</p:sld>
+</file>
+
+<file path=ppt/slides/slide22.xml><?xml version="1.0" encoding="utf-8"?>
+<p:sld xmlns:a="http://schemas.openxmlformats.org/drawingml/2006/main" xmlns:r="http://schemas.openxmlformats.org/officeDocument/2006/relationships" xmlns:p="http://schemas.openxmlformats.org/presentationml/2006/main">
+  <p:cSld>
+    <p:spTree>
+      <p:nvGrpSpPr>
+        <p:cNvPr id="1" name=""/>
+        <p:cNvGrpSpPr/>
+        <p:nvPr/>
+      </p:nvGrpSpPr>
+      <p:grpSpPr>
+        <a:xfrm>
+          <a:off x="0" y="0"/>
+          <a:ext cx="0" cy="0"/>
+          <a:chOff x="0" y="0"/>
+          <a:chExt cx="0" cy="0"/>
+        </a:xfrm>
+      </p:grpSpPr>
+      <p:sp>
+        <p:nvSpPr>
+          <p:cNvPr id="2" name="Title 1">
+            <a:extLst>
+              <a:ext uri="{FF2B5EF4-FFF2-40B4-BE49-F238E27FC236}">
+                <a16:creationId xmlns:a16="http://schemas.microsoft.com/office/drawing/2014/main" id="{23817875-8547-414E-8C56-4169ADD13882}"/>
+              </a:ext>
+            </a:extLst>
+          </p:cNvPr>
+          <p:cNvSpPr>
+            <a:spLocks noGrp="1"/>
+          </p:cNvSpPr>
+          <p:nvPr>
+            <p:ph type="title"/>
+          </p:nvPr>
+        </p:nvSpPr>
+        <p:spPr/>
+        <p:txBody>
+          <a:bodyPr>
+            <a:normAutofit/>
+          </a:bodyPr>
+          <a:lstStyle/>
+          <a:p>
+            <a:r>
+              <a:rPr lang="en-US" sz="4000" b="1" cap="small" dirty="0">
+                <a:latin typeface="Arial" panose="020B0604020202020204" pitchFamily="34" charset="0"/>
+                <a:cs typeface="Arial" panose="020B0604020202020204" pitchFamily="34" charset="0"/>
+              </a:rPr>
+              <a:t>Load Test</a:t>
+            </a:r>
+            <a:endParaRPr lang="en-US" sz="4000" dirty="0"/>
+          </a:p>
+        </p:txBody>
+      </p:sp>
+      <p:sp>
+        <p:nvSpPr>
+          <p:cNvPr id="4" name="TextBox 3">
+            <a:extLst>
+              <a:ext uri="{FF2B5EF4-FFF2-40B4-BE49-F238E27FC236}">
+                <a16:creationId xmlns:a16="http://schemas.microsoft.com/office/drawing/2014/main" id="{4703335E-AFE1-4FA5-946B-33B9C4D761FC}"/>
+              </a:ext>
+            </a:extLst>
+          </p:cNvPr>
+          <p:cNvSpPr txBox="1"/>
+          <p:nvPr/>
+        </p:nvSpPr>
+        <p:spPr>
+          <a:xfrm>
+            <a:off x="838200" y="1783152"/>
+            <a:ext cx="6707285" cy="553998"/>
+          </a:xfrm>
+          <a:prstGeom prst="rect">
+            <a:avLst/>
+          </a:prstGeom>
+          <a:noFill/>
+        </p:spPr>
+        <p:txBody>
+          <a:bodyPr wrap="none" rtlCol="0">
+            <a:spAutoFit/>
+          </a:bodyPr>
+          <a:lstStyle/>
+          <a:p>
+            <a:r>
+              <a:rPr lang="en-US" sz="3000" b="1" dirty="0">
+                <a:latin typeface="Arial" panose="020B0604020202020204" pitchFamily="34" charset="0"/>
+                <a:cs typeface="Arial" panose="020B0604020202020204" pitchFamily="34" charset="0"/>
+              </a:rPr>
+              <a:t>Invocations of SageMaker Endpoint</a:t>
+            </a:r>
+          </a:p>
+        </p:txBody>
+      </p:sp>
+      <p:pic>
+        <p:nvPicPr>
+          <p:cNvPr id="5" name="Picture 4">
+            <a:extLst>
+              <a:ext uri="{FF2B5EF4-FFF2-40B4-BE49-F238E27FC236}">
+                <a16:creationId xmlns:a16="http://schemas.microsoft.com/office/drawing/2014/main" id="{DD086645-17C2-4161-BD5A-15A05A93A5D0}"/>
+              </a:ext>
+            </a:extLst>
+          </p:cNvPr>
+          <p:cNvPicPr>
+            <a:picLocks noChangeAspect="1"/>
+          </p:cNvPicPr>
+          <p:nvPr/>
+        </p:nvPicPr>
+        <p:blipFill rotWithShape="1">
+          <a:blip r:embed="rId2">
+            <a:extLst>
+              <a:ext uri="{28A0092B-C50C-407E-A947-70E740481C1C}">
+                <a14:useLocalDpi xmlns:a14="http://schemas.microsoft.com/office/drawing/2010/main" val="0"/>
+              </a:ext>
+            </a:extLst>
+          </a:blip>
+          <a:srcRect t="31361"/>
+          <a:stretch/>
+        </p:blipFill>
+        <p:spPr>
+          <a:xfrm>
+            <a:off x="676275" y="3127374"/>
+            <a:ext cx="10677525" cy="2047875"/>
+          </a:xfrm>
+          <a:prstGeom prst="rect">
+            <a:avLst/>
+          </a:prstGeom>
+        </p:spPr>
+      </p:pic>
+    </p:spTree>
+    <p:extLst>
+      <p:ext uri="{BB962C8B-B14F-4D97-AF65-F5344CB8AC3E}">
+        <p14:creationId xmlns:p14="http://schemas.microsoft.com/office/powerpoint/2010/main" val="1101110400"/>
+      </p:ext>
+    </p:extLst>
+  </p:cSld>
+  <p:clrMapOvr>
+    <a:masterClrMapping/>
+  </p:clrMapOvr>
+</p:sld>
+</file>
+
+<file path=ppt/slides/slide23.xml><?xml version="1.0" encoding="utf-8"?>
+<p:sld xmlns:a="http://schemas.openxmlformats.org/drawingml/2006/main" xmlns:r="http://schemas.openxmlformats.org/officeDocument/2006/relationships" xmlns:p="http://schemas.openxmlformats.org/presentationml/2006/main">
+  <p:cSld>
+    <p:spTree>
+      <p:nvGrpSpPr>
+        <p:cNvPr id="1" name=""/>
+        <p:cNvGrpSpPr/>
+        <p:nvPr/>
+      </p:nvGrpSpPr>
+      <p:grpSpPr>
+        <a:xfrm>
+          <a:off x="0" y="0"/>
+          <a:ext cx="0" cy="0"/>
+          <a:chOff x="0" y="0"/>
+          <a:chExt cx="0" cy="0"/>
+        </a:xfrm>
+      </p:grpSpPr>
+      <p:sp>
+        <p:nvSpPr>
+          <p:cNvPr id="4" name="Title 3">
+            <a:extLst>
+              <a:ext uri="{FF2B5EF4-FFF2-40B4-BE49-F238E27FC236}">
+                <a16:creationId xmlns:a16="http://schemas.microsoft.com/office/drawing/2014/main" id="{E29D3C6C-3A60-42F5-BECA-0737B77F9115}"/>
+              </a:ext>
+            </a:extLst>
+          </p:cNvPr>
+          <p:cNvSpPr>
+            <a:spLocks noGrp="1"/>
+          </p:cNvSpPr>
+          <p:nvPr>
+            <p:ph type="ctrTitle"/>
+          </p:nvPr>
+        </p:nvSpPr>
+        <p:spPr>
+          <a:xfrm>
+            <a:off x="1435100" y="857250"/>
+            <a:ext cx="9144000" cy="3138489"/>
+          </a:xfrm>
+        </p:spPr>
+        <p:txBody>
+          <a:bodyPr>
+            <a:normAutofit/>
+          </a:bodyPr>
+          <a:lstStyle/>
+          <a:p>
+            <a:r>
+              <a:rPr lang="en-US" sz="5401" dirty="0">
+                <a:latin typeface="Arial" panose="020B0604020202020204" pitchFamily="34" charset="0"/>
+                <a:cs typeface="Arial" panose="020B0604020202020204" pitchFamily="34" charset="0"/>
+              </a:rPr>
+              <a:t>Distracted Driver </a:t>
+            </a:r>
+            <a:br>
+              <a:rPr lang="en-US" sz="5401" dirty="0">
+                <a:latin typeface="Arial" panose="020B0604020202020204" pitchFamily="34" charset="0"/>
+                <a:cs typeface="Arial" panose="020B0604020202020204" pitchFamily="34" charset="0"/>
+              </a:rPr>
+            </a:br>
+            <a:r>
+              <a:rPr lang="en-US" sz="5401" dirty="0">
+                <a:latin typeface="Arial" panose="020B0604020202020204" pitchFamily="34" charset="0"/>
+                <a:cs typeface="Arial" panose="020B0604020202020204" pitchFamily="34" charset="0"/>
+              </a:rPr>
+              <a:t>Image Classification</a:t>
+            </a:r>
+            <a:br>
+              <a:rPr lang="en-US" sz="5401" dirty="0">
+                <a:latin typeface="Arial" panose="020B0604020202020204" pitchFamily="34" charset="0"/>
+                <a:cs typeface="Arial" panose="020B0604020202020204" pitchFamily="34" charset="0"/>
+              </a:rPr>
+            </a:br>
+            <a:r>
+              <a:rPr lang="en-US" sz="5401" dirty="0">
+                <a:latin typeface="Arial" panose="020B0604020202020204" pitchFamily="34" charset="0"/>
+                <a:cs typeface="Arial" panose="020B0604020202020204" pitchFamily="34" charset="0"/>
+              </a:rPr>
+              <a:t>with </a:t>
+            </a:r>
+            <a:br>
+              <a:rPr lang="en-US" sz="5401" dirty="0">
+                <a:latin typeface="Arial" panose="020B0604020202020204" pitchFamily="34" charset="0"/>
+                <a:cs typeface="Arial" panose="020B0604020202020204" pitchFamily="34" charset="0"/>
+              </a:rPr>
+            </a:br>
+            <a:r>
+              <a:rPr lang="en-US" sz="5401" dirty="0">
+                <a:latin typeface="Arial" panose="020B0604020202020204" pitchFamily="34" charset="0"/>
+                <a:cs typeface="Arial" panose="020B0604020202020204" pitchFamily="34" charset="0"/>
+              </a:rPr>
+              <a:t>Amazon SageMaker</a:t>
+            </a:r>
+          </a:p>
+        </p:txBody>
+      </p:sp>
+      <p:sp>
+        <p:nvSpPr>
+          <p:cNvPr id="5" name="Subtitle 4">
+            <a:extLst>
+              <a:ext uri="{FF2B5EF4-FFF2-40B4-BE49-F238E27FC236}">
+                <a16:creationId xmlns:a16="http://schemas.microsoft.com/office/drawing/2014/main" id="{00C6A256-CD50-4112-9F65-680F3B2CA1AF}"/>
+              </a:ext>
+            </a:extLst>
+          </p:cNvPr>
+          <p:cNvSpPr>
+            <a:spLocks noGrp="1"/>
+          </p:cNvSpPr>
+          <p:nvPr>
+            <p:ph type="subTitle" idx="1"/>
+          </p:nvPr>
+        </p:nvSpPr>
+        <p:spPr>
+          <a:xfrm>
+            <a:off x="1524000" y="3995739"/>
+            <a:ext cx="9144000" cy="2387600"/>
+          </a:xfrm>
+        </p:spPr>
+        <p:txBody>
+          <a:bodyPr>
+            <a:normAutofit/>
+          </a:bodyPr>
+          <a:lstStyle/>
+          <a:p>
+            <a:endParaRPr lang="en-US" dirty="0"/>
+          </a:p>
+          <a:p>
+            <a:endParaRPr lang="en-US" dirty="0"/>
+          </a:p>
+          <a:p>
+            <a:r>
+              <a:rPr lang="en-US" dirty="0"/>
+              <a:t>DSBA 6190 Final Project</a:t>
+            </a:r>
+          </a:p>
+          <a:p>
+            <a:r>
+              <a:rPr lang="en-US" dirty="0"/>
+              <a:t>May 2020</a:t>
+            </a:r>
+          </a:p>
+          <a:p>
+            <a:r>
+              <a:rPr lang="en-US" dirty="0"/>
+              <a:t>Evan Canfield ● Roma Dutta ● Shilpa Patil ●  Ibrokhim Sadikov</a:t>
+            </a:r>
+          </a:p>
+          <a:p>
+            <a:endParaRPr lang="en-US" dirty="0"/>
+          </a:p>
+          <a:p>
+            <a:endParaRPr lang="en-US" dirty="0"/>
+          </a:p>
+          <a:p>
+            <a:endParaRPr lang="en-US" dirty="0"/>
+          </a:p>
+          <a:p>
+            <a:endParaRPr lang="en-US" dirty="0"/>
+          </a:p>
+        </p:txBody>
+      </p:sp>
+    </p:spTree>
+    <p:extLst>
+      <p:ext uri="{BB962C8B-B14F-4D97-AF65-F5344CB8AC3E}">
+        <p14:creationId xmlns:p14="http://schemas.microsoft.com/office/powerpoint/2010/main" val="4239692498"/>
       </p:ext>
     </p:extLst>
   </p:cSld>
@@ -7261,112 +9178,46 @@
           <a:chExt cx="0" cy="0"/>
         </a:xfrm>
       </p:grpSpPr>
-      <p:sp>
-        <p:nvSpPr>
-          <p:cNvPr id="2" name="Title 1">
-            <a:extLst>
-              <a:ext uri="{FF2B5EF4-FFF2-40B4-BE49-F238E27FC236}">
-                <a16:creationId xmlns:a16="http://schemas.microsoft.com/office/drawing/2014/main" id="{0F7190AD-48B4-4248-A2E0-E000055F91BD}"/>
-              </a:ext>
-            </a:extLst>
-          </p:cNvPr>
-          <p:cNvSpPr>
-            <a:spLocks noGrp="1"/>
-          </p:cNvSpPr>
-          <p:nvPr>
-            <p:ph type="title"/>
-          </p:nvPr>
-        </p:nvSpPr>
-        <p:spPr/>
-        <p:txBody>
-          <a:bodyPr>
-            <a:normAutofit/>
-          </a:bodyPr>
-          <a:lstStyle/>
-          <a:p>
-            <a:r>
-              <a:rPr lang="en-US" sz="5001" b="1" cap="small" dirty="0">
-                <a:latin typeface="Arial" panose="020B0604020202020204" pitchFamily="34" charset="0"/>
-                <a:cs typeface="Arial" panose="020B0604020202020204" pitchFamily="34" charset="0"/>
-              </a:rPr>
-              <a:t>Steps</a:t>
-            </a:r>
-          </a:p>
-        </p:txBody>
-      </p:sp>
-      <p:sp>
-        <p:nvSpPr>
-          <p:cNvPr id="3" name="Content Placeholder 2">
-            <a:extLst>
-              <a:ext uri="{FF2B5EF4-FFF2-40B4-BE49-F238E27FC236}">
-                <a16:creationId xmlns:a16="http://schemas.microsoft.com/office/drawing/2014/main" id="{4DED1243-692D-4FEA-9F08-E5DEB89E2AF8}"/>
-              </a:ext>
-            </a:extLst>
-          </p:cNvPr>
-          <p:cNvSpPr>
-            <a:spLocks noGrp="1"/>
-          </p:cNvSpPr>
-          <p:nvPr>
-            <p:ph idx="1"/>
-          </p:nvPr>
-        </p:nvSpPr>
-        <p:spPr/>
-        <p:txBody>
-          <a:bodyPr>
-            <a:noAutofit/>
-          </a:bodyPr>
-          <a:lstStyle/>
-          <a:p>
-            <a:pPr marL="514364" indent="-514364">
-              <a:lnSpc>
-                <a:spcPct val="200000"/>
-              </a:lnSpc>
-              <a:buAutoNum type="arabicPeriod"/>
-            </a:pPr>
-            <a:r>
-              <a:rPr lang="en-US" sz="3801" b="1" dirty="0">
-                <a:latin typeface="Arial" panose="020B0604020202020204" pitchFamily="34" charset="0"/>
-                <a:cs typeface="Arial" panose="020B0604020202020204" pitchFamily="34" charset="0"/>
-              </a:rPr>
-              <a:t>Data Processing and Upload</a:t>
-            </a:r>
-          </a:p>
-          <a:p>
-            <a:pPr marL="514364" indent="-514364">
-              <a:lnSpc>
-                <a:spcPct val="200000"/>
-              </a:lnSpc>
-              <a:buAutoNum type="arabicPeriod"/>
-            </a:pPr>
-            <a:r>
-              <a:rPr lang="en-US" sz="3801" b="1" dirty="0">
-                <a:latin typeface="Arial" panose="020B0604020202020204" pitchFamily="34" charset="0"/>
-                <a:cs typeface="Arial" panose="020B0604020202020204" pitchFamily="34" charset="0"/>
-              </a:rPr>
-              <a:t>Model Training and Endpoint Deployment</a:t>
-            </a:r>
-          </a:p>
-          <a:p>
-            <a:pPr marL="514364" indent="-514364">
-              <a:lnSpc>
-                <a:spcPct val="200000"/>
-              </a:lnSpc>
-              <a:buAutoNum type="arabicPeriod"/>
-            </a:pPr>
-            <a:r>
-              <a:rPr lang="en-US" sz="3801" b="1" dirty="0">
-                <a:latin typeface="Arial" panose="020B0604020202020204" pitchFamily="34" charset="0"/>
-                <a:cs typeface="Arial" panose="020B0604020202020204" pitchFamily="34" charset="0"/>
-              </a:rPr>
-              <a:t>REST API</a:t>
-            </a:r>
-          </a:p>
-        </p:txBody>
-      </p:sp>
+      <p:pic>
+        <p:nvPicPr>
+          <p:cNvPr id="5" name="Picture 4">
+            <a:extLst>
+              <a:ext uri="{FF2B5EF4-FFF2-40B4-BE49-F238E27FC236}">
+                <a16:creationId xmlns:a16="http://schemas.microsoft.com/office/drawing/2014/main" id="{031345CC-F2E2-436E-8942-20D509C7D3B6}"/>
+              </a:ext>
+            </a:extLst>
+          </p:cNvPr>
+          <p:cNvPicPr>
+            <a:picLocks noChangeAspect="1"/>
+          </p:cNvPicPr>
+          <p:nvPr/>
+        </p:nvPicPr>
+        <p:blipFill>
+          <a:blip r:embed="rId2">
+            <a:extLst>
+              <a:ext uri="{28A0092B-C50C-407E-A947-70E740481C1C}">
+                <a14:useLocalDpi xmlns:a14="http://schemas.microsoft.com/office/drawing/2010/main" val="0"/>
+              </a:ext>
+            </a:extLst>
+          </a:blip>
+          <a:stretch>
+            <a:fillRect/>
+          </a:stretch>
+        </p:blipFill>
+        <p:spPr>
+          <a:xfrm>
+            <a:off x="3385925" y="2"/>
+            <a:ext cx="5420155" cy="6858000"/>
+          </a:xfrm>
+          <a:prstGeom prst="rect">
+            <a:avLst/>
+          </a:prstGeom>
+        </p:spPr>
+      </p:pic>
     </p:spTree>
     <p:extLst>
       <p:ext uri="{BB962C8B-B14F-4D97-AF65-F5344CB8AC3E}">
-        <p14:creationId xmlns:p14="http://schemas.microsoft.com/office/powerpoint/2010/main" val="3259268214"/>
+        <p14:creationId xmlns:p14="http://schemas.microsoft.com/office/powerpoint/2010/main" val="3919717514"/>
       </p:ext>
     </p:extLst>
   </p:cSld>
@@ -7393,47 +9244,12 @@
           <a:chExt cx="0" cy="0"/>
         </a:xfrm>
       </p:grpSpPr>
-      <p:pic>
-        <p:nvPicPr>
-          <p:cNvPr id="5" name="Picture 4">
-            <a:extLst>
-              <a:ext uri="{FF2B5EF4-FFF2-40B4-BE49-F238E27FC236}">
-                <a16:creationId xmlns:a16="http://schemas.microsoft.com/office/drawing/2014/main" id="{BBCFAC59-336C-4E91-85AA-7BF3121E2B2A}"/>
-              </a:ext>
-            </a:extLst>
-          </p:cNvPr>
-          <p:cNvPicPr>
-            <a:picLocks noChangeAspect="1"/>
-          </p:cNvPicPr>
-          <p:nvPr/>
-        </p:nvPicPr>
-        <p:blipFill rotWithShape="1">
-          <a:blip r:embed="rId2">
-            <a:extLst>
-              <a:ext uri="{28A0092B-C50C-407E-A947-70E740481C1C}">
-                <a14:useLocalDpi xmlns:a14="http://schemas.microsoft.com/office/drawing/2010/main" val="0"/>
-              </a:ext>
-            </a:extLst>
-          </a:blip>
-          <a:srcRect t="29512"/>
-          <a:stretch/>
-        </p:blipFill>
-        <p:spPr>
-          <a:xfrm>
-            <a:off x="1666259" y="2571751"/>
-            <a:ext cx="8859486" cy="2209209"/>
-          </a:xfrm>
-          <a:prstGeom prst="rect">
-            <a:avLst/>
-          </a:prstGeom>
-        </p:spPr>
-      </p:pic>
       <p:sp>
         <p:nvSpPr>
           <p:cNvPr id="2" name="Title 1">
             <a:extLst>
               <a:ext uri="{FF2B5EF4-FFF2-40B4-BE49-F238E27FC236}">
-                <a16:creationId xmlns:a16="http://schemas.microsoft.com/office/drawing/2014/main" id="{23817875-8547-414E-8C56-4169ADD13882}"/>
+                <a16:creationId xmlns:a16="http://schemas.microsoft.com/office/drawing/2014/main" id="{0F7190AD-48B4-4248-A2E0-E000055F91BD}"/>
               </a:ext>
             </a:extLst>
           </p:cNvPr>
@@ -7452,20 +9268,88 @@
           <a:lstStyle/>
           <a:p>
             <a:r>
-              <a:rPr lang="en-US" sz="4000" b="1" dirty="0">
+              <a:rPr lang="en-US" sz="5001" b="1" cap="small" dirty="0">
                 <a:latin typeface="Arial" panose="020B0604020202020204" pitchFamily="34" charset="0"/>
                 <a:cs typeface="Arial" panose="020B0604020202020204" pitchFamily="34" charset="0"/>
               </a:rPr>
-              <a:t>Step 1: Data Processing and Upload</a:t>
-            </a:r>
-            <a:endParaRPr lang="en-US" sz="4000" dirty="0"/>
+              <a:t>Steps</a:t>
+            </a:r>
+          </a:p>
+        </p:txBody>
+      </p:sp>
+      <p:sp>
+        <p:nvSpPr>
+          <p:cNvPr id="3" name="Content Placeholder 2">
+            <a:extLst>
+              <a:ext uri="{FF2B5EF4-FFF2-40B4-BE49-F238E27FC236}">
+                <a16:creationId xmlns:a16="http://schemas.microsoft.com/office/drawing/2014/main" id="{4DED1243-692D-4FEA-9F08-E5DEB89E2AF8}"/>
+              </a:ext>
+            </a:extLst>
+          </p:cNvPr>
+          <p:cNvSpPr>
+            <a:spLocks noGrp="1"/>
+          </p:cNvSpPr>
+          <p:nvPr>
+            <p:ph idx="1"/>
+          </p:nvPr>
+        </p:nvSpPr>
+        <p:spPr/>
+        <p:txBody>
+          <a:bodyPr>
+            <a:noAutofit/>
+          </a:bodyPr>
+          <a:lstStyle/>
+          <a:p>
+            <a:pPr marL="514364" indent="-514364">
+              <a:lnSpc>
+                <a:spcPct val="200000"/>
+              </a:lnSpc>
+              <a:buAutoNum type="arabicPeriod"/>
+            </a:pPr>
+            <a:r>
+              <a:rPr lang="en-US" sz="3801" b="1" dirty="0">
+                <a:latin typeface="Arial" panose="020B0604020202020204" pitchFamily="34" charset="0"/>
+                <a:cs typeface="Arial" panose="020B0604020202020204" pitchFamily="34" charset="0"/>
+              </a:rPr>
+              <a:t>Data Processing and Upload</a:t>
+            </a:r>
+          </a:p>
+          <a:p>
+            <a:pPr marL="514364" indent="-514364">
+              <a:lnSpc>
+                <a:spcPct val="200000"/>
+              </a:lnSpc>
+              <a:buAutoNum type="arabicPeriod"/>
+            </a:pPr>
+            <a:r>
+              <a:rPr lang="en-US" sz="3801" b="1" dirty="0">
+                <a:latin typeface="Arial" panose="020B0604020202020204" pitchFamily="34" charset="0"/>
+                <a:cs typeface="Arial" panose="020B0604020202020204" pitchFamily="34" charset="0"/>
+              </a:rPr>
+              <a:t>Model Training and Endpoint Deployment</a:t>
+            </a:r>
+          </a:p>
+          <a:p>
+            <a:pPr marL="514364" indent="-514364">
+              <a:lnSpc>
+                <a:spcPct val="200000"/>
+              </a:lnSpc>
+              <a:buAutoNum type="arabicPeriod"/>
+            </a:pPr>
+            <a:r>
+              <a:rPr lang="en-US" sz="3801" b="1" dirty="0">
+                <a:latin typeface="Arial" panose="020B0604020202020204" pitchFamily="34" charset="0"/>
+                <a:cs typeface="Arial" panose="020B0604020202020204" pitchFamily="34" charset="0"/>
+              </a:rPr>
+              <a:t>REST API</a:t>
+            </a:r>
           </a:p>
         </p:txBody>
       </p:sp>
     </p:spTree>
     <p:extLst>
       <p:ext uri="{BB962C8B-B14F-4D97-AF65-F5344CB8AC3E}">
-        <p14:creationId xmlns:p14="http://schemas.microsoft.com/office/powerpoint/2010/main" val="582108225"/>
+        <p14:creationId xmlns:p14="http://schemas.microsoft.com/office/powerpoint/2010/main" val="3259268214"/>
       </p:ext>
     </p:extLst>
   </p:cSld>
@@ -7492,112 +9376,12 @@
           <a:chExt cx="0" cy="0"/>
         </a:xfrm>
       </p:grpSpPr>
-      <p:pic>
-        <p:nvPicPr>
-          <p:cNvPr id="5" name="Picture 4">
-            <a:extLst>
-              <a:ext uri="{FF2B5EF4-FFF2-40B4-BE49-F238E27FC236}">
-                <a16:creationId xmlns:a16="http://schemas.microsoft.com/office/drawing/2014/main" id="{BBCFAC59-336C-4E91-85AA-7BF3121E2B2A}"/>
-              </a:ext>
-            </a:extLst>
-          </p:cNvPr>
-          <p:cNvPicPr>
-            <a:picLocks noChangeAspect="1"/>
-          </p:cNvPicPr>
-          <p:nvPr/>
-        </p:nvPicPr>
-        <p:blipFill rotWithShape="1">
-          <a:blip r:embed="rId2">
-            <a:extLst>
-              <a:ext uri="{28A0092B-C50C-407E-A947-70E740481C1C}">
-                <a14:useLocalDpi xmlns:a14="http://schemas.microsoft.com/office/drawing/2010/main" val="0"/>
-              </a:ext>
-            </a:extLst>
-          </a:blip>
-          <a:srcRect t="29512"/>
-          <a:stretch/>
-        </p:blipFill>
-        <p:spPr>
-          <a:xfrm>
-            <a:off x="1666259" y="2571751"/>
-            <a:ext cx="8859486" cy="2209209"/>
-          </a:xfrm>
-          <a:prstGeom prst="rect">
-            <a:avLst/>
-          </a:prstGeom>
-        </p:spPr>
-      </p:pic>
-      <p:sp>
-        <p:nvSpPr>
-          <p:cNvPr id="4" name="Rectangle: Rounded Corners 3">
-            <a:extLst>
-              <a:ext uri="{FF2B5EF4-FFF2-40B4-BE49-F238E27FC236}">
-                <a16:creationId xmlns:a16="http://schemas.microsoft.com/office/drawing/2014/main" id="{B34D85BE-349F-445D-A70B-2B2181070150}"/>
-              </a:ext>
-            </a:extLst>
-          </p:cNvPr>
-          <p:cNvSpPr/>
-          <p:nvPr/>
-        </p:nvSpPr>
-        <p:spPr>
-          <a:xfrm>
-            <a:off x="1381126" y="2571751"/>
-            <a:ext cx="6124574" cy="2185417"/>
-          </a:xfrm>
-          <a:prstGeom prst="roundRect">
-            <a:avLst/>
-          </a:prstGeom>
-          <a:noFill/>
-          <a:ln w="130175" cap="rnd">
-            <a:solidFill>
-              <a:srgbClr val="FFFF00"/>
-            </a:solidFill>
-          </a:ln>
-          <a:effectLst>
-            <a:glow rad="101600">
-              <a:schemeClr val="accent4">
-                <a:satMod val="175000"/>
-                <a:alpha val="40000"/>
-              </a:schemeClr>
-            </a:glow>
-            <a:outerShdw blurRad="50800" dist="38100" dir="2700000" algn="tl" rotWithShape="0">
-              <a:prstClr val="black">
-                <a:alpha val="40000"/>
-              </a:prstClr>
-            </a:outerShdw>
-          </a:effectLst>
-        </p:spPr>
-        <p:style>
-          <a:lnRef idx="2">
-            <a:schemeClr val="accent1">
-              <a:shade val="50000"/>
-            </a:schemeClr>
-          </a:lnRef>
-          <a:fillRef idx="1">
-            <a:schemeClr val="accent1"/>
-          </a:fillRef>
-          <a:effectRef idx="0">
-            <a:schemeClr val="accent1"/>
-          </a:effectRef>
-          <a:fontRef idx="minor">
-            <a:schemeClr val="lt1"/>
-          </a:fontRef>
-        </p:style>
-        <p:txBody>
-          <a:bodyPr rtlCol="0" anchor="ctr"/>
-          <a:lstStyle/>
-          <a:p>
-            <a:pPr algn="ctr"/>
-            <a:endParaRPr lang="en-US" sz="1801"/>
-          </a:p>
-        </p:txBody>
-      </p:sp>
       <p:sp>
         <p:nvSpPr>
           <p:cNvPr id="2" name="Title 1">
             <a:extLst>
               <a:ext uri="{FF2B5EF4-FFF2-40B4-BE49-F238E27FC236}">
-                <a16:creationId xmlns:a16="http://schemas.microsoft.com/office/drawing/2014/main" id="{23817875-8547-414E-8C56-4169ADD13882}"/>
+                <a16:creationId xmlns:a16="http://schemas.microsoft.com/office/drawing/2014/main" id="{515CB303-87D4-40F3-B954-B009930834E8}"/>
               </a:ext>
             </a:extLst>
           </p:cNvPr>
@@ -7610,32 +9394,379 @@
         </p:nvSpPr>
         <p:spPr/>
         <p:txBody>
-          <a:bodyPr>
-            <a:normAutofit/>
-          </a:bodyPr>
-          <a:lstStyle/>
-          <a:p>
-            <a:r>
-              <a:rPr lang="en-US" sz="4000" b="1" dirty="0">
+          <a:bodyPr/>
+          <a:lstStyle/>
+          <a:p>
+            <a:r>
+              <a:rPr lang="en-US" b="1" cap="small" dirty="0">
                 <a:latin typeface="Arial" panose="020B0604020202020204" pitchFamily="34" charset="0"/>
                 <a:cs typeface="Arial" panose="020B0604020202020204" pitchFamily="34" charset="0"/>
               </a:rPr>
-              <a:t>Step 1: Data Processing and Upload</a:t>
-            </a:r>
-            <a:endParaRPr lang="en-US" sz="4000" dirty="0"/>
-          </a:p>
-        </p:txBody>
-      </p:sp>
+              <a:t>Data</a:t>
+            </a:r>
+            <a:endParaRPr lang="en-US" dirty="0"/>
+          </a:p>
+        </p:txBody>
+      </p:sp>
+      <p:sp>
+        <p:nvSpPr>
+          <p:cNvPr id="9" name="Text Placeholder 8">
+            <a:extLst>
+              <a:ext uri="{FF2B5EF4-FFF2-40B4-BE49-F238E27FC236}">
+                <a16:creationId xmlns:a16="http://schemas.microsoft.com/office/drawing/2014/main" id="{3DE1E191-10F1-46A2-9431-60EBCBE6F2C1}"/>
+              </a:ext>
+            </a:extLst>
+          </p:cNvPr>
+          <p:cNvSpPr>
+            <a:spLocks noGrp="1"/>
+          </p:cNvSpPr>
+          <p:nvPr>
+            <p:ph type="body" idx="1"/>
+          </p:nvPr>
+        </p:nvSpPr>
+        <p:spPr>
+          <a:xfrm>
+            <a:off x="836612" y="1258256"/>
+            <a:ext cx="9383713" cy="823912"/>
+          </a:xfrm>
+        </p:spPr>
+        <p:txBody>
+          <a:bodyPr>
+            <a:noAutofit/>
+          </a:bodyPr>
+          <a:lstStyle/>
+          <a:p>
+            <a:br>
+              <a:rPr lang="en-US" sz="2800" dirty="0"/>
+            </a:br>
+            <a:r>
+              <a:rPr lang="en-US" sz="2800" dirty="0"/>
+              <a:t>State Farm Distracted Driver Detection Kaggle Competition</a:t>
+            </a:r>
+          </a:p>
+        </p:txBody>
+      </p:sp>
+      <p:sp>
+        <p:nvSpPr>
+          <p:cNvPr id="11" name="Content Placeholder 10">
+            <a:extLst>
+              <a:ext uri="{FF2B5EF4-FFF2-40B4-BE49-F238E27FC236}">
+                <a16:creationId xmlns:a16="http://schemas.microsoft.com/office/drawing/2014/main" id="{15312D35-F801-4717-9158-02ABFA2AD6D8}"/>
+              </a:ext>
+            </a:extLst>
+          </p:cNvPr>
+          <p:cNvSpPr>
+            <a:spLocks noGrp="1"/>
+          </p:cNvSpPr>
+          <p:nvPr>
+            <p:ph sz="half" idx="2"/>
+          </p:nvPr>
+        </p:nvSpPr>
+        <p:spPr/>
+        <p:txBody>
+          <a:bodyPr>
+            <a:normAutofit fontScale="92500" lnSpcReduction="20000"/>
+          </a:bodyPr>
+          <a:lstStyle/>
+          <a:p>
+            <a:pPr fontAlgn="base"/>
+            <a:r>
+              <a:rPr lang="en-US" dirty="0"/>
+              <a:t>Image Classes</a:t>
+            </a:r>
+          </a:p>
+          <a:p>
+            <a:pPr lvl="1" fontAlgn="base"/>
+            <a:r>
+              <a:rPr lang="en-US" b="1" dirty="0"/>
+              <a:t>c0: </a:t>
+            </a:r>
+            <a:r>
+              <a:rPr lang="en-US" dirty="0"/>
+              <a:t>safe driving</a:t>
+            </a:r>
+          </a:p>
+          <a:p>
+            <a:pPr lvl="1" fontAlgn="base"/>
+            <a:r>
+              <a:rPr lang="en-US" b="1" dirty="0"/>
+              <a:t>c1: </a:t>
+            </a:r>
+            <a:r>
+              <a:rPr lang="en-US" dirty="0"/>
+              <a:t>texting - right</a:t>
+            </a:r>
+          </a:p>
+          <a:p>
+            <a:pPr lvl="1" fontAlgn="base"/>
+            <a:r>
+              <a:rPr lang="en-US" b="1" dirty="0"/>
+              <a:t>c2: </a:t>
+            </a:r>
+            <a:r>
+              <a:rPr lang="en-US" dirty="0"/>
+              <a:t>talking on the phone - right</a:t>
+            </a:r>
+          </a:p>
+          <a:p>
+            <a:pPr lvl="1" fontAlgn="base"/>
+            <a:r>
+              <a:rPr lang="en-US" b="1" dirty="0"/>
+              <a:t>c3: </a:t>
+            </a:r>
+            <a:r>
+              <a:rPr lang="en-US" dirty="0"/>
+              <a:t>texting - left</a:t>
+            </a:r>
+          </a:p>
+          <a:p>
+            <a:pPr lvl="1" fontAlgn="base"/>
+            <a:r>
+              <a:rPr lang="en-US" b="1" dirty="0"/>
+              <a:t>c4: </a:t>
+            </a:r>
+            <a:r>
+              <a:rPr lang="en-US" dirty="0"/>
+              <a:t>talking on the phone - left</a:t>
+            </a:r>
+          </a:p>
+          <a:p>
+            <a:pPr lvl="1" fontAlgn="base"/>
+            <a:r>
+              <a:rPr lang="en-US" b="1" dirty="0"/>
+              <a:t>c5: </a:t>
+            </a:r>
+            <a:r>
+              <a:rPr lang="en-US" dirty="0"/>
+              <a:t>operating the radio</a:t>
+            </a:r>
+          </a:p>
+          <a:p>
+            <a:pPr lvl="1" fontAlgn="base"/>
+            <a:r>
+              <a:rPr lang="en-US" b="1" dirty="0"/>
+              <a:t>c6: </a:t>
+            </a:r>
+            <a:r>
+              <a:rPr lang="en-US" dirty="0"/>
+              <a:t>drinking</a:t>
+            </a:r>
+          </a:p>
+          <a:p>
+            <a:pPr lvl="1" fontAlgn="base"/>
+            <a:r>
+              <a:rPr lang="en-US" b="1" dirty="0"/>
+              <a:t>c7: </a:t>
+            </a:r>
+            <a:r>
+              <a:rPr lang="en-US" dirty="0"/>
+              <a:t>reaching behind</a:t>
+            </a:r>
+          </a:p>
+          <a:p>
+            <a:pPr lvl="1" fontAlgn="base"/>
+            <a:r>
+              <a:rPr lang="en-US" b="1" dirty="0"/>
+              <a:t>c8: </a:t>
+            </a:r>
+            <a:r>
+              <a:rPr lang="en-US" dirty="0"/>
+              <a:t>hair and makeup</a:t>
+            </a:r>
+          </a:p>
+          <a:p>
+            <a:pPr lvl="1" fontAlgn="base"/>
+            <a:r>
+              <a:rPr lang="en-US" b="1" dirty="0"/>
+              <a:t>c9: </a:t>
+            </a:r>
+            <a:r>
+              <a:rPr lang="en-US" dirty="0"/>
+              <a:t>talking to passenger</a:t>
+            </a:r>
+          </a:p>
+          <a:p>
+            <a:endParaRPr lang="en-US" dirty="0"/>
+          </a:p>
+        </p:txBody>
+      </p:sp>
+      <p:grpSp>
+        <p:nvGrpSpPr>
+          <p:cNvPr id="23" name="Group 22">
+            <a:extLst>
+              <a:ext uri="{FF2B5EF4-FFF2-40B4-BE49-F238E27FC236}">
+                <a16:creationId xmlns:a16="http://schemas.microsoft.com/office/drawing/2014/main" id="{38045EF2-0BA9-4725-A576-A74782F9E0A9}"/>
+              </a:ext>
+            </a:extLst>
+          </p:cNvPr>
+          <p:cNvGrpSpPr/>
+          <p:nvPr/>
+        </p:nvGrpSpPr>
+        <p:grpSpPr>
+          <a:xfrm>
+            <a:off x="6718838" y="2411413"/>
+            <a:ext cx="4543936" cy="3935098"/>
+            <a:chOff x="6718838" y="2411413"/>
+            <a:chExt cx="4543936" cy="3935098"/>
+          </a:xfrm>
+        </p:grpSpPr>
+        <p:pic>
+          <p:nvPicPr>
+            <p:cNvPr id="21" name="Content Placeholder 8">
+              <a:extLst>
+                <a:ext uri="{FF2B5EF4-FFF2-40B4-BE49-F238E27FC236}">
+                  <a16:creationId xmlns:a16="http://schemas.microsoft.com/office/drawing/2014/main" id="{099D18C5-5003-41E9-838F-ECD28C47A556}"/>
+                </a:ext>
+              </a:extLst>
+            </p:cNvPr>
+            <p:cNvPicPr>
+              <a:picLocks noChangeAspect="1"/>
+            </p:cNvPicPr>
+            <p:nvPr/>
+          </p:nvPicPr>
+          <p:blipFill>
+            <a:blip r:embed="rId2">
+              <a:extLst>
+                <a:ext uri="{28A0092B-C50C-407E-A947-70E740481C1C}">
+                  <a14:useLocalDpi xmlns:a14="http://schemas.microsoft.com/office/drawing/2010/main" val="0"/>
+                </a:ext>
+              </a:extLst>
+            </a:blip>
+            <a:stretch>
+              <a:fillRect/>
+            </a:stretch>
+          </p:blipFill>
+          <p:spPr>
+            <a:xfrm>
+              <a:off x="6718838" y="2411413"/>
+              <a:ext cx="4438386" cy="3328790"/>
+            </a:xfrm>
+            <a:prstGeom prst="rect">
+              <a:avLst/>
+            </a:prstGeom>
+          </p:spPr>
+        </p:pic>
+        <p:sp>
+          <p:nvSpPr>
+            <p:cNvPr id="22" name="TextBox 21">
+              <a:extLst>
+                <a:ext uri="{FF2B5EF4-FFF2-40B4-BE49-F238E27FC236}">
+                  <a16:creationId xmlns:a16="http://schemas.microsoft.com/office/drawing/2014/main" id="{BFA3FE04-CA79-459A-8284-A90C8D10BF0F}"/>
+                </a:ext>
+              </a:extLst>
+            </p:cNvPr>
+            <p:cNvSpPr txBox="1"/>
+            <p:nvPr/>
+          </p:nvSpPr>
+          <p:spPr>
+            <a:xfrm>
+              <a:off x="6718838" y="5792385"/>
+              <a:ext cx="4543936" cy="554126"/>
+            </a:xfrm>
+            <a:prstGeom prst="rect">
+              <a:avLst/>
+            </a:prstGeom>
+            <a:noFill/>
+          </p:spPr>
+          <p:txBody>
+            <a:bodyPr wrap="none" rtlCol="0">
+              <a:spAutoFit/>
+            </a:bodyPr>
+            <a:lstStyle/>
+            <a:p>
+              <a:r>
+                <a:rPr lang="en-US" sz="3001" b="1" dirty="0"/>
+                <a:t>Class C8 (Hair and Makeup)</a:t>
+              </a:r>
+            </a:p>
+          </p:txBody>
+        </p:sp>
+      </p:grpSp>
     </p:spTree>
     <p:extLst>
       <p:ext uri="{BB962C8B-B14F-4D97-AF65-F5344CB8AC3E}">
-        <p14:creationId xmlns:p14="http://schemas.microsoft.com/office/powerpoint/2010/main" val="1281743464"/>
+        <p14:creationId xmlns:p14="http://schemas.microsoft.com/office/powerpoint/2010/main" val="805478959"/>
       </p:ext>
     </p:extLst>
   </p:cSld>
   <p:clrMapOvr>
     <a:masterClrMapping/>
   </p:clrMapOvr>
+  <p:timing>
+    <p:tnLst>
+      <p:par>
+        <p:cTn id="1" dur="indefinite" restart="never" nodeType="tmRoot">
+          <p:childTnLst>
+            <p:seq concurrent="1" nextAc="seek">
+              <p:cTn id="2" dur="indefinite" nodeType="mainSeq">
+                <p:childTnLst>
+                  <p:par>
+                    <p:cTn id="3" fill="hold">
+                      <p:stCondLst>
+                        <p:cond delay="indefinite"/>
+                      </p:stCondLst>
+                      <p:childTnLst>
+                        <p:par>
+                          <p:cTn id="4" fill="hold">
+                            <p:stCondLst>
+                              <p:cond delay="0"/>
+                            </p:stCondLst>
+                            <p:childTnLst>
+                              <p:par>
+                                <p:cTn id="5" presetID="1" presetClass="entr" presetSubtype="0" fill="hold" nodeType="clickEffect">
+                                  <p:stCondLst>
+                                    <p:cond delay="0"/>
+                                  </p:stCondLst>
+                                  <p:childTnLst>
+                                    <p:set>
+                                      <p:cBhvr>
+                                        <p:cTn id="6" dur="1" fill="hold">
+                                          <p:stCondLst>
+                                            <p:cond delay="0"/>
+                                          </p:stCondLst>
+                                        </p:cTn>
+                                        <p:tgtEl>
+                                          <p:spTgt spid="23"/>
+                                        </p:tgtEl>
+                                        <p:attrNameLst>
+                                          <p:attrName>style.visibility</p:attrName>
+                                        </p:attrNameLst>
+                                      </p:cBhvr>
+                                      <p:to>
+                                        <p:strVal val="visible"/>
+                                      </p:to>
+                                    </p:set>
+                                  </p:childTnLst>
+                                </p:cTn>
+                              </p:par>
+                            </p:childTnLst>
+                          </p:cTn>
+                        </p:par>
+                      </p:childTnLst>
+                    </p:cTn>
+                  </p:par>
+                </p:childTnLst>
+              </p:cTn>
+              <p:prevCondLst>
+                <p:cond evt="onPrev" delay="0">
+                  <p:tgtEl>
+                    <p:sldTgt/>
+                  </p:tgtEl>
+                </p:cond>
+              </p:prevCondLst>
+              <p:nextCondLst>
+                <p:cond evt="onNext" delay="0">
+                  <p:tgtEl>
+                    <p:sldTgt/>
+                  </p:tgtEl>
+                </p:cond>
+              </p:nextCondLst>
+            </p:seq>
+          </p:childTnLst>
+        </p:cTn>
+      </p:par>
+    </p:tnLst>
+  </p:timing>
 </p:sld>
 </file>
 
@@ -7693,71 +9824,6 @@
       </p:pic>
       <p:sp>
         <p:nvSpPr>
-          <p:cNvPr id="4" name="Rectangle: Rounded Corners 3">
-            <a:extLst>
-              <a:ext uri="{FF2B5EF4-FFF2-40B4-BE49-F238E27FC236}">
-                <a16:creationId xmlns:a16="http://schemas.microsoft.com/office/drawing/2014/main" id="{B34D85BE-349F-445D-A70B-2B2181070150}"/>
-              </a:ext>
-            </a:extLst>
-          </p:cNvPr>
-          <p:cNvSpPr/>
-          <p:nvPr/>
-        </p:nvSpPr>
-        <p:spPr>
-          <a:xfrm>
-            <a:off x="7648577" y="2571750"/>
-            <a:ext cx="2981324" cy="2185417"/>
-          </a:xfrm>
-          <a:prstGeom prst="roundRect">
-            <a:avLst/>
-          </a:prstGeom>
-          <a:noFill/>
-          <a:ln w="130175" cap="rnd">
-            <a:solidFill>
-              <a:srgbClr val="FFFF00"/>
-            </a:solidFill>
-          </a:ln>
-          <a:effectLst>
-            <a:glow rad="101600">
-              <a:schemeClr val="accent4">
-                <a:satMod val="175000"/>
-                <a:alpha val="40000"/>
-              </a:schemeClr>
-            </a:glow>
-            <a:outerShdw blurRad="50800" dist="38100" dir="2700000" algn="tl" rotWithShape="0">
-              <a:prstClr val="black">
-                <a:alpha val="40000"/>
-              </a:prstClr>
-            </a:outerShdw>
-          </a:effectLst>
-        </p:spPr>
-        <p:style>
-          <a:lnRef idx="2">
-            <a:schemeClr val="accent1">
-              <a:shade val="50000"/>
-            </a:schemeClr>
-          </a:lnRef>
-          <a:fillRef idx="1">
-            <a:schemeClr val="accent1"/>
-          </a:fillRef>
-          <a:effectRef idx="0">
-            <a:schemeClr val="accent1"/>
-          </a:effectRef>
-          <a:fontRef idx="minor">
-            <a:schemeClr val="lt1"/>
-          </a:fontRef>
-        </p:style>
-        <p:txBody>
-          <a:bodyPr rtlCol="0" anchor="ctr"/>
-          <a:lstStyle/>
-          <a:p>
-            <a:pPr algn="ctr"/>
-            <a:endParaRPr lang="en-US" sz="1801"/>
-          </a:p>
-        </p:txBody>
-      </p:sp>
-      <p:sp>
-        <p:nvSpPr>
           <p:cNvPr id="2" name="Title 1">
             <a:extLst>
               <a:ext uri="{FF2B5EF4-FFF2-40B4-BE49-F238E27FC236}">
@@ -7780,20 +9846,20 @@
           <a:lstStyle/>
           <a:p>
             <a:r>
-              <a:rPr lang="en-US" sz="4000" b="1" dirty="0">
+              <a:rPr lang="en-US" sz="4000" b="1" cap="small" dirty="0">
                 <a:latin typeface="Arial" panose="020B0604020202020204" pitchFamily="34" charset="0"/>
                 <a:cs typeface="Arial" panose="020B0604020202020204" pitchFamily="34" charset="0"/>
               </a:rPr>
               <a:t>Step 1: Data Processing and Upload</a:t>
             </a:r>
-            <a:endParaRPr lang="en-US" sz="4000" dirty="0"/>
+            <a:endParaRPr lang="en-US" sz="4000" cap="small" dirty="0"/>
           </a:p>
         </p:txBody>
       </p:sp>
     </p:spTree>
     <p:extLst>
       <p:ext uri="{BB962C8B-B14F-4D97-AF65-F5344CB8AC3E}">
-        <p14:creationId xmlns:p14="http://schemas.microsoft.com/office/powerpoint/2010/main" val="1369652721"/>
+        <p14:creationId xmlns:p14="http://schemas.microsoft.com/office/powerpoint/2010/main" val="582108225"/>
       </p:ext>
     </p:extLst>
   </p:cSld>
@@ -7820,59 +9886,12 @@
           <a:chExt cx="0" cy="0"/>
         </a:xfrm>
       </p:grpSpPr>
-      <p:sp>
-        <p:nvSpPr>
-          <p:cNvPr id="2" name="Title 1">
-            <a:extLst>
-              <a:ext uri="{FF2B5EF4-FFF2-40B4-BE49-F238E27FC236}">
-                <a16:creationId xmlns:a16="http://schemas.microsoft.com/office/drawing/2014/main" id="{23817875-8547-414E-8C56-4169ADD13882}"/>
-              </a:ext>
-            </a:extLst>
-          </p:cNvPr>
-          <p:cNvSpPr>
-            <a:spLocks noGrp="1"/>
-          </p:cNvSpPr>
-          <p:nvPr>
-            <p:ph type="title"/>
-          </p:nvPr>
-        </p:nvSpPr>
-        <p:spPr/>
-        <p:txBody>
-          <a:bodyPr>
-            <a:normAutofit/>
-          </a:bodyPr>
-          <a:lstStyle/>
-          <a:p>
-            <a:r>
-              <a:rPr lang="en-US" sz="4000" b="1" dirty="0">
-                <a:latin typeface="Arial" panose="020B0604020202020204" pitchFamily="34" charset="0"/>
-                <a:cs typeface="Arial" panose="020B0604020202020204" pitchFamily="34" charset="0"/>
-              </a:rPr>
-              <a:t>Step 2: Model Training and </a:t>
-            </a:r>
-            <a:br>
-              <a:rPr lang="en-US" sz="4000" b="1" dirty="0">
-                <a:latin typeface="Arial" panose="020B0604020202020204" pitchFamily="34" charset="0"/>
-                <a:cs typeface="Arial" panose="020B0604020202020204" pitchFamily="34" charset="0"/>
-              </a:rPr>
-            </a:br>
-            <a:r>
-              <a:rPr lang="en-US" sz="4000" b="1" dirty="0">
-                <a:latin typeface="Arial" panose="020B0604020202020204" pitchFamily="34" charset="0"/>
-                <a:cs typeface="Arial" panose="020B0604020202020204" pitchFamily="34" charset="0"/>
-              </a:rPr>
-              <a:t>Endpoint Deployment</a:t>
-            </a:r>
-            <a:endParaRPr lang="en-US" sz="4000" dirty="0"/>
-          </a:p>
-        </p:txBody>
-      </p:sp>
       <p:pic>
         <p:nvPicPr>
-          <p:cNvPr id="6" name="Picture 5">
-            <a:extLst>
-              <a:ext uri="{FF2B5EF4-FFF2-40B4-BE49-F238E27FC236}">
-                <a16:creationId xmlns:a16="http://schemas.microsoft.com/office/drawing/2014/main" id="{D594EBF5-767C-428A-A36A-5EA181C49701}"/>
+          <p:cNvPr id="5" name="Picture 4">
+            <a:extLst>
+              <a:ext uri="{FF2B5EF4-FFF2-40B4-BE49-F238E27FC236}">
+                <a16:creationId xmlns:a16="http://schemas.microsoft.com/office/drawing/2014/main" id="{BBCFAC59-336C-4E91-85AA-7BF3121E2B2A}"/>
               </a:ext>
             </a:extLst>
           </p:cNvPr>
@@ -7889,13 +9908,13 @@
               </a:ext>
             </a:extLst>
           </a:blip>
-          <a:srcRect t="14344"/>
+          <a:srcRect t="29512"/>
           <a:stretch/>
         </p:blipFill>
         <p:spPr>
           <a:xfrm>
-            <a:off x="838200" y="1690688"/>
-            <a:ext cx="10330651" cy="5025548"/>
+            <a:off x="1666259" y="2571751"/>
+            <a:ext cx="8859486" cy="2209209"/>
           </a:xfrm>
           <a:prstGeom prst="rect">
             <a:avLst/>
@@ -7904,10 +9923,10 @@
       </p:pic>
       <p:sp>
         <p:nvSpPr>
-          <p:cNvPr id="11" name="Rectangle: Rounded Corners 10">
-            <a:extLst>
-              <a:ext uri="{FF2B5EF4-FFF2-40B4-BE49-F238E27FC236}">
-                <a16:creationId xmlns:a16="http://schemas.microsoft.com/office/drawing/2014/main" id="{67066773-5DAF-4666-87C0-3C7639A8D172}"/>
+          <p:cNvPr id="4" name="Rectangle: Rounded Corners 3">
+            <a:extLst>
+              <a:ext uri="{FF2B5EF4-FFF2-40B4-BE49-F238E27FC236}">
+                <a16:creationId xmlns:a16="http://schemas.microsoft.com/office/drawing/2014/main" id="{B34D85BE-349F-445D-A70B-2B2181070150}"/>
               </a:ext>
             </a:extLst>
           </p:cNvPr>
@@ -7916,19 +9935,31 @@
         </p:nvSpPr>
         <p:spPr>
           <a:xfrm>
-            <a:off x="8283842" y="1955969"/>
-            <a:ext cx="2338631" cy="972373"/>
+            <a:off x="1381126" y="2571751"/>
+            <a:ext cx="6124574" cy="2185417"/>
           </a:xfrm>
           <a:prstGeom prst="roundRect">
             <a:avLst/>
           </a:prstGeom>
           <a:noFill/>
-          <a:ln w="50800">
+          <a:ln w="130175" cap="rnd">
             <a:solidFill>
-              <a:srgbClr val="2B7418"/>
+              <a:srgbClr val="FFFF00"/>
             </a:solidFill>
-            <a:prstDash val="dash"/>
           </a:ln>
+          <a:effectLst>
+            <a:glow rad="101600">
+              <a:schemeClr val="accent4">
+                <a:satMod val="175000"/>
+                <a:alpha val="40000"/>
+              </a:schemeClr>
+            </a:glow>
+            <a:outerShdw blurRad="50800" dist="38100" dir="2700000" algn="tl" rotWithShape="0">
+              <a:prstClr val="black">
+                <a:alpha val="40000"/>
+              </a:prstClr>
+            </a:outerShdw>
+          </a:effectLst>
         </p:spPr>
         <p:style>
           <a:lnRef idx="2">
@@ -7951,306 +9982,48 @@
           <a:lstStyle/>
           <a:p>
             <a:pPr algn="ctr"/>
-            <a:endParaRPr lang="en-US" sz="1120"/>
-          </a:p>
-        </p:txBody>
-      </p:sp>
-      <p:sp>
-        <p:nvSpPr>
-          <p:cNvPr id="12" name="Google Shape;101;p13">
-            <a:extLst>
-              <a:ext uri="{FF2B5EF4-FFF2-40B4-BE49-F238E27FC236}">
-                <a16:creationId xmlns:a16="http://schemas.microsoft.com/office/drawing/2014/main" id="{6299F879-959B-4C8C-91D6-D5E7965CECE5}"/>
-              </a:ext>
-            </a:extLst>
-          </p:cNvPr>
-          <p:cNvSpPr/>
-          <p:nvPr/>
-        </p:nvSpPr>
-        <p:spPr>
-          <a:xfrm>
-            <a:off x="8610194" y="2096226"/>
-            <a:ext cx="1257092" cy="685687"/>
-          </a:xfrm>
-          <a:prstGeom prst="roundRect">
-            <a:avLst>
-              <a:gd name="adj" fmla="val 16667"/>
-            </a:avLst>
-          </a:prstGeom>
-          <a:solidFill>
-            <a:srgbClr val="2B7418">
-              <a:alpha val="25098"/>
-            </a:srgbClr>
-          </a:solidFill>
-          <a:ln w="38100" cap="flat" cmpd="sng">
-            <a:solidFill>
-              <a:srgbClr val="2B7418"/>
-            </a:solidFill>
-            <a:prstDash val="solid"/>
-            <a:miter lim="800000"/>
-            <a:headEnd type="none" w="sm" len="sm"/>
-            <a:tailEnd type="none" w="sm" len="sm"/>
-          </a:ln>
-          <a:effectLst>
-            <a:softEdge rad="0"/>
-          </a:effectLst>
-        </p:spPr>
-        <p:txBody>
-          <a:bodyPr spcFirstLastPara="1" wrap="square" lIns="42809" tIns="21396" rIns="42809" bIns="21396" anchor="ctr" anchorCtr="0">
-            <a:noAutofit/>
+            <a:endParaRPr lang="en-US" sz="1801"/>
+          </a:p>
+        </p:txBody>
+      </p:sp>
+      <p:sp>
+        <p:nvSpPr>
+          <p:cNvPr id="2" name="Title 1">
+            <a:extLst>
+              <a:ext uri="{FF2B5EF4-FFF2-40B4-BE49-F238E27FC236}">
+                <a16:creationId xmlns:a16="http://schemas.microsoft.com/office/drawing/2014/main" id="{23817875-8547-414E-8C56-4169ADD13882}"/>
+              </a:ext>
+            </a:extLst>
+          </p:cNvPr>
+          <p:cNvSpPr>
+            <a:spLocks noGrp="1"/>
+          </p:cNvSpPr>
+          <p:nvPr>
+            <p:ph type="title"/>
+          </p:nvPr>
+        </p:nvSpPr>
+        <p:spPr/>
+        <p:txBody>
+          <a:bodyPr>
+            <a:normAutofit/>
           </a:bodyPr>
           <a:lstStyle/>
           <a:p>
-            <a:pPr algn="ctr"/>
-            <a:r>
-              <a:rPr lang="en-US" sz="1250" b="1" dirty="0">
-                <a:solidFill>
-                  <a:srgbClr val="2B7418"/>
-                </a:solidFill>
-                <a:latin typeface="Calibri"/>
-                <a:ea typeface="Calibri"/>
-                <a:cs typeface="Calibri"/>
-                <a:sym typeface="Calibri"/>
+            <a:r>
+              <a:rPr lang="en-US" sz="4000" b="1" cap="small" dirty="0">
+                <a:latin typeface="Arial" panose="020B0604020202020204" pitchFamily="34" charset="0"/>
+                <a:cs typeface="Arial" panose="020B0604020202020204" pitchFamily="34" charset="0"/>
               </a:rPr>
-              <a:t>Upload </a:t>
-            </a:r>
-            <a:r>
-              <a:rPr lang="en-US" sz="1250" dirty="0">
-                <a:solidFill>
-                  <a:srgbClr val="2B7418"/>
-                </a:solidFill>
-                <a:latin typeface="Calibri"/>
-                <a:ea typeface="Calibri"/>
-                <a:cs typeface="Calibri"/>
-                <a:sym typeface="Calibri"/>
-              </a:rPr>
-              <a:t>data</a:t>
-            </a:r>
-            <a:r>
-              <a:rPr lang="en-US" sz="1250" b="1" dirty="0">
-                <a:solidFill>
-                  <a:srgbClr val="2B7418"/>
-                </a:solidFill>
-                <a:latin typeface="Calibri"/>
-                <a:ea typeface="Calibri"/>
-                <a:cs typeface="Calibri"/>
-                <a:sym typeface="Calibri"/>
-              </a:rPr>
-              <a:t> </a:t>
-            </a:r>
-          </a:p>
-          <a:p>
-            <a:pPr algn="ctr"/>
-            <a:r>
-              <a:rPr lang="en-US" sz="1250" dirty="0">
-                <a:solidFill>
-                  <a:srgbClr val="2B7418"/>
-                </a:solidFill>
-                <a:latin typeface="Calibri"/>
-                <a:ea typeface="Calibri"/>
-                <a:cs typeface="Calibri"/>
-                <a:sym typeface="Calibri"/>
-              </a:rPr>
-              <a:t>to</a:t>
-            </a:r>
-            <a:r>
-              <a:rPr lang="en-US" sz="1250" b="1" dirty="0">
-                <a:solidFill>
-                  <a:srgbClr val="2B7418"/>
-                </a:solidFill>
-                <a:latin typeface="Calibri"/>
-                <a:ea typeface="Calibri"/>
-                <a:cs typeface="Calibri"/>
-                <a:sym typeface="Calibri"/>
-              </a:rPr>
-              <a:t> S3 Bucket</a:t>
-            </a:r>
-            <a:endParaRPr lang="en-US" sz="1250" b="1" dirty="0">
-              <a:solidFill>
-                <a:srgbClr val="2B7418"/>
-              </a:solidFill>
-            </a:endParaRPr>
-          </a:p>
-        </p:txBody>
-      </p:sp>
-      <p:pic>
-        <p:nvPicPr>
-          <p:cNvPr id="13" name="Graphic 68">
-            <a:extLst>
-              <a:ext uri="{FF2B5EF4-FFF2-40B4-BE49-F238E27FC236}">
-                <a16:creationId xmlns:a16="http://schemas.microsoft.com/office/drawing/2014/main" id="{4A1894B5-26E1-4FE3-BCC9-AF01BF954EDA}"/>
-              </a:ext>
-            </a:extLst>
-          </p:cNvPr>
-          <p:cNvPicPr>
-            <a:picLocks noChangeAspect="1"/>
-          </p:cNvPicPr>
-          <p:nvPr/>
-        </p:nvPicPr>
-        <p:blipFill>
-          <a:blip r:embed="rId3">
-            <a:extLst>
-              <a:ext uri="{96DAC541-7B7A-43D3-8B79-37D633B846F1}">
-                <asvg:svgBlip xmlns:asvg="http://schemas.microsoft.com/office/drawing/2016/SVG/main" r:embed="rId4"/>
-              </a:ext>
-            </a:extLst>
-          </a:blip>
-          <a:stretch>
-            <a:fillRect/>
-          </a:stretch>
-        </p:blipFill>
-        <p:spPr>
-          <a:xfrm>
-            <a:off x="9987911" y="2141147"/>
-            <a:ext cx="605017" cy="605019"/>
-          </a:xfrm>
-          <a:prstGeom prst="rect">
-            <a:avLst/>
-          </a:prstGeom>
-        </p:spPr>
-      </p:pic>
-      <p:sp>
-        <p:nvSpPr>
-          <p:cNvPr id="14" name="TextBox 13">
-            <a:extLst>
-              <a:ext uri="{FF2B5EF4-FFF2-40B4-BE49-F238E27FC236}">
-                <a16:creationId xmlns:a16="http://schemas.microsoft.com/office/drawing/2014/main" id="{7627BB45-57F8-4210-8C5E-2400ED2AE9BD}"/>
-              </a:ext>
-            </a:extLst>
-          </p:cNvPr>
-          <p:cNvSpPr txBox="1"/>
-          <p:nvPr/>
-        </p:nvSpPr>
-        <p:spPr>
-          <a:xfrm>
-            <a:off x="8253799" y="1535811"/>
-            <a:ext cx="436338" cy="400110"/>
-          </a:xfrm>
-          <a:prstGeom prst="rect">
-            <a:avLst/>
-          </a:prstGeom>
-          <a:noFill/>
-        </p:spPr>
-        <p:txBody>
-          <a:bodyPr wrap="none" rtlCol="0">
-            <a:spAutoFit/>
-          </a:bodyPr>
-          <a:lstStyle/>
-          <a:p>
-            <a:r>
-              <a:rPr lang="en-US" sz="2000" b="1" dirty="0">
-                <a:solidFill>
-                  <a:srgbClr val="2B7418"/>
-                </a:solidFill>
-              </a:rPr>
-              <a:t>S3</a:t>
-            </a:r>
-          </a:p>
-        </p:txBody>
-      </p:sp>
-      <p:cxnSp>
-        <p:nvCxnSpPr>
-          <p:cNvPr id="15" name="Straight Arrow Connector 14">
-            <a:extLst>
-              <a:ext uri="{FF2B5EF4-FFF2-40B4-BE49-F238E27FC236}">
-                <a16:creationId xmlns:a16="http://schemas.microsoft.com/office/drawing/2014/main" id="{4AAD7E5C-48AD-4B8E-9091-A381C5724517}"/>
-              </a:ext>
-            </a:extLst>
-          </p:cNvPr>
-          <p:cNvCxnSpPr>
-            <a:cxnSpLocks/>
-            <a:endCxn id="12" idx="1"/>
-          </p:cNvCxnSpPr>
-          <p:nvPr/>
-        </p:nvCxnSpPr>
-        <p:spPr>
-          <a:xfrm>
-            <a:off x="7620000" y="2439069"/>
-            <a:ext cx="990194" cy="0"/>
-          </a:xfrm>
-          <a:prstGeom prst="straightConnector1">
-            <a:avLst/>
-          </a:prstGeom>
-          <a:ln w="63500">
-            <a:solidFill>
-              <a:schemeClr val="tx1"/>
-            </a:solidFill>
-            <a:prstDash val="dash"/>
-            <a:headEnd type="none"/>
-            <a:tailEnd type="triangle"/>
-          </a:ln>
-        </p:spPr>
-        <p:style>
-          <a:lnRef idx="1">
-            <a:schemeClr val="accent1"/>
-          </a:lnRef>
-          <a:fillRef idx="0">
-            <a:schemeClr val="accent1"/>
-          </a:fillRef>
-          <a:effectRef idx="0">
-            <a:schemeClr val="accent1"/>
-          </a:effectRef>
-          <a:fontRef idx="minor">
-            <a:schemeClr val="tx1"/>
-          </a:fontRef>
-        </p:style>
-      </p:cxnSp>
-      <p:sp>
-        <p:nvSpPr>
-          <p:cNvPr id="18" name="Rectangle 17">
-            <a:extLst>
-              <a:ext uri="{FF2B5EF4-FFF2-40B4-BE49-F238E27FC236}">
-                <a16:creationId xmlns:a16="http://schemas.microsoft.com/office/drawing/2014/main" id="{A1126BF7-83BA-4727-A169-234E7E0FF789}"/>
-              </a:ext>
-            </a:extLst>
-          </p:cNvPr>
-          <p:cNvSpPr/>
-          <p:nvPr/>
-        </p:nvSpPr>
-        <p:spPr>
-          <a:xfrm>
-            <a:off x="7181852" y="1690688"/>
-            <a:ext cx="785813" cy="709612"/>
-          </a:xfrm>
-          <a:prstGeom prst="rect">
-            <a:avLst/>
-          </a:prstGeom>
-          <a:solidFill>
-            <a:schemeClr val="bg1"/>
-          </a:solidFill>
-          <a:ln>
-            <a:noFill/>
-          </a:ln>
-        </p:spPr>
-        <p:style>
-          <a:lnRef idx="2">
-            <a:schemeClr val="accent1">
-              <a:shade val="50000"/>
-            </a:schemeClr>
-          </a:lnRef>
-          <a:fillRef idx="1">
-            <a:schemeClr val="accent1"/>
-          </a:fillRef>
-          <a:effectRef idx="0">
-            <a:schemeClr val="accent1"/>
-          </a:effectRef>
-          <a:fontRef idx="minor">
-            <a:schemeClr val="lt1"/>
-          </a:fontRef>
-        </p:style>
-        <p:txBody>
-          <a:bodyPr rtlCol="0" anchor="ctr"/>
-          <a:lstStyle/>
-          <a:p>
-            <a:pPr algn="ctr"/>
-            <a:endParaRPr lang="en-US" sz="1801"/>
+              <a:t>Step 1: Data Processing and Upload</a:t>
+            </a:r>
+            <a:endParaRPr lang="en-US" sz="4000" dirty="0"/>
           </a:p>
         </p:txBody>
       </p:sp>
     </p:spTree>
     <p:extLst>
       <p:ext uri="{BB962C8B-B14F-4D97-AF65-F5344CB8AC3E}">
-        <p14:creationId xmlns:p14="http://schemas.microsoft.com/office/powerpoint/2010/main" val="1191968252"/>
+        <p14:creationId xmlns:p14="http://schemas.microsoft.com/office/powerpoint/2010/main" val="1281743464"/>
       </p:ext>
     </p:extLst>
   </p:cSld>
@@ -8277,59 +10050,12 @@
           <a:chExt cx="0" cy="0"/>
         </a:xfrm>
       </p:grpSpPr>
-      <p:sp>
-        <p:nvSpPr>
-          <p:cNvPr id="2" name="Title 1">
-            <a:extLst>
-              <a:ext uri="{FF2B5EF4-FFF2-40B4-BE49-F238E27FC236}">
-                <a16:creationId xmlns:a16="http://schemas.microsoft.com/office/drawing/2014/main" id="{23817875-8547-414E-8C56-4169ADD13882}"/>
-              </a:ext>
-            </a:extLst>
-          </p:cNvPr>
-          <p:cNvSpPr>
-            <a:spLocks noGrp="1"/>
-          </p:cNvSpPr>
-          <p:nvPr>
-            <p:ph type="title"/>
-          </p:nvPr>
-        </p:nvSpPr>
-        <p:spPr/>
-        <p:txBody>
-          <a:bodyPr>
-            <a:normAutofit/>
-          </a:bodyPr>
-          <a:lstStyle/>
-          <a:p>
-            <a:r>
-              <a:rPr lang="en-US" sz="4000" b="1" dirty="0">
-                <a:latin typeface="Arial" panose="020B0604020202020204" pitchFamily="34" charset="0"/>
-                <a:cs typeface="Arial" panose="020B0604020202020204" pitchFamily="34" charset="0"/>
-              </a:rPr>
-              <a:t>Step 2: Model Training and </a:t>
-            </a:r>
-            <a:br>
-              <a:rPr lang="en-US" sz="4000" b="1" dirty="0">
-                <a:latin typeface="Arial" panose="020B0604020202020204" pitchFamily="34" charset="0"/>
-                <a:cs typeface="Arial" panose="020B0604020202020204" pitchFamily="34" charset="0"/>
-              </a:rPr>
-            </a:br>
-            <a:r>
-              <a:rPr lang="en-US" sz="4000" b="1" dirty="0">
-                <a:latin typeface="Arial" panose="020B0604020202020204" pitchFamily="34" charset="0"/>
-                <a:cs typeface="Arial" panose="020B0604020202020204" pitchFamily="34" charset="0"/>
-              </a:rPr>
-              <a:t>Endpoint Deployment</a:t>
-            </a:r>
-            <a:endParaRPr lang="en-US" sz="4000" dirty="0"/>
-          </a:p>
-        </p:txBody>
-      </p:sp>
       <p:pic>
         <p:nvPicPr>
-          <p:cNvPr id="6" name="Picture 5">
-            <a:extLst>
-              <a:ext uri="{FF2B5EF4-FFF2-40B4-BE49-F238E27FC236}">
-                <a16:creationId xmlns:a16="http://schemas.microsoft.com/office/drawing/2014/main" id="{D594EBF5-767C-428A-A36A-5EA181C49701}"/>
+          <p:cNvPr id="5" name="Picture 4">
+            <a:extLst>
+              <a:ext uri="{FF2B5EF4-FFF2-40B4-BE49-F238E27FC236}">
+                <a16:creationId xmlns:a16="http://schemas.microsoft.com/office/drawing/2014/main" id="{BBCFAC59-336C-4E91-85AA-7BF3121E2B2A}"/>
               </a:ext>
             </a:extLst>
           </p:cNvPr>
@@ -8346,13 +10072,13 @@
               </a:ext>
             </a:extLst>
           </a:blip>
-          <a:srcRect t="14344"/>
+          <a:srcRect t="29512"/>
           <a:stretch/>
         </p:blipFill>
         <p:spPr>
           <a:xfrm>
-            <a:off x="838200" y="1690688"/>
-            <a:ext cx="10330651" cy="5025548"/>
+            <a:off x="1666259" y="2571751"/>
+            <a:ext cx="8859486" cy="2209209"/>
           </a:xfrm>
           <a:prstGeom prst="rect">
             <a:avLst/>
@@ -8361,10 +10087,10 @@
       </p:pic>
       <p:sp>
         <p:nvSpPr>
-          <p:cNvPr id="11" name="Rectangle: Rounded Corners 10">
-            <a:extLst>
-              <a:ext uri="{FF2B5EF4-FFF2-40B4-BE49-F238E27FC236}">
-                <a16:creationId xmlns:a16="http://schemas.microsoft.com/office/drawing/2014/main" id="{67066773-5DAF-4666-87C0-3C7639A8D172}"/>
+          <p:cNvPr id="4" name="Rectangle: Rounded Corners 3">
+            <a:extLst>
+              <a:ext uri="{FF2B5EF4-FFF2-40B4-BE49-F238E27FC236}">
+                <a16:creationId xmlns:a16="http://schemas.microsoft.com/office/drawing/2014/main" id="{B34D85BE-349F-445D-A70B-2B2181070150}"/>
               </a:ext>
             </a:extLst>
           </p:cNvPr>
@@ -8373,353 +10099,8 @@
         </p:nvSpPr>
         <p:spPr>
           <a:xfrm>
-            <a:off x="8283842" y="1955969"/>
-            <a:ext cx="2338631" cy="972373"/>
-          </a:xfrm>
-          <a:prstGeom prst="roundRect">
-            <a:avLst/>
-          </a:prstGeom>
-          <a:noFill/>
-          <a:ln w="50800">
-            <a:solidFill>
-              <a:srgbClr val="2B7418"/>
-            </a:solidFill>
-            <a:prstDash val="dash"/>
-          </a:ln>
-        </p:spPr>
-        <p:style>
-          <a:lnRef idx="2">
-            <a:schemeClr val="accent1">
-              <a:shade val="50000"/>
-            </a:schemeClr>
-          </a:lnRef>
-          <a:fillRef idx="1">
-            <a:schemeClr val="accent1"/>
-          </a:fillRef>
-          <a:effectRef idx="0">
-            <a:schemeClr val="accent1"/>
-          </a:effectRef>
-          <a:fontRef idx="minor">
-            <a:schemeClr val="lt1"/>
-          </a:fontRef>
-        </p:style>
-        <p:txBody>
-          <a:bodyPr rtlCol="0" anchor="ctr"/>
-          <a:lstStyle/>
-          <a:p>
-            <a:pPr algn="ctr"/>
-            <a:endParaRPr lang="en-US" sz="1120"/>
-          </a:p>
-        </p:txBody>
-      </p:sp>
-      <p:sp>
-        <p:nvSpPr>
-          <p:cNvPr id="12" name="Google Shape;101;p13">
-            <a:extLst>
-              <a:ext uri="{FF2B5EF4-FFF2-40B4-BE49-F238E27FC236}">
-                <a16:creationId xmlns:a16="http://schemas.microsoft.com/office/drawing/2014/main" id="{6299F879-959B-4C8C-91D6-D5E7965CECE5}"/>
-              </a:ext>
-            </a:extLst>
-          </p:cNvPr>
-          <p:cNvSpPr/>
-          <p:nvPr/>
-        </p:nvSpPr>
-        <p:spPr>
-          <a:xfrm>
-            <a:off x="8610194" y="2096226"/>
-            <a:ext cx="1257092" cy="685687"/>
-          </a:xfrm>
-          <a:prstGeom prst="roundRect">
-            <a:avLst>
-              <a:gd name="adj" fmla="val 16667"/>
-            </a:avLst>
-          </a:prstGeom>
-          <a:solidFill>
-            <a:srgbClr val="2B7418">
-              <a:alpha val="25098"/>
-            </a:srgbClr>
-          </a:solidFill>
-          <a:ln w="38100" cap="flat" cmpd="sng">
-            <a:solidFill>
-              <a:srgbClr val="2B7418"/>
-            </a:solidFill>
-            <a:prstDash val="solid"/>
-            <a:miter lim="800000"/>
-            <a:headEnd type="none" w="sm" len="sm"/>
-            <a:tailEnd type="none" w="sm" len="sm"/>
-          </a:ln>
-          <a:effectLst>
-            <a:softEdge rad="0"/>
-          </a:effectLst>
-        </p:spPr>
-        <p:txBody>
-          <a:bodyPr spcFirstLastPara="1" wrap="square" lIns="42809" tIns="21396" rIns="42809" bIns="21396" anchor="ctr" anchorCtr="0">
-            <a:noAutofit/>
-          </a:bodyPr>
-          <a:lstStyle/>
-          <a:p>
-            <a:pPr algn="ctr"/>
-            <a:r>
-              <a:rPr lang="en-US" sz="1250" b="1" dirty="0">
-                <a:solidFill>
-                  <a:srgbClr val="2B7418"/>
-                </a:solidFill>
-                <a:latin typeface="Calibri"/>
-                <a:ea typeface="Calibri"/>
-                <a:cs typeface="Calibri"/>
-                <a:sym typeface="Calibri"/>
-              </a:rPr>
-              <a:t>Upload </a:t>
-            </a:r>
-            <a:r>
-              <a:rPr lang="en-US" sz="1250" dirty="0">
-                <a:solidFill>
-                  <a:srgbClr val="2B7418"/>
-                </a:solidFill>
-                <a:latin typeface="Calibri"/>
-                <a:ea typeface="Calibri"/>
-                <a:cs typeface="Calibri"/>
-                <a:sym typeface="Calibri"/>
-              </a:rPr>
-              <a:t>data</a:t>
-            </a:r>
-            <a:r>
-              <a:rPr lang="en-US" sz="1250" b="1" dirty="0">
-                <a:solidFill>
-                  <a:srgbClr val="2B7418"/>
-                </a:solidFill>
-                <a:latin typeface="Calibri"/>
-                <a:ea typeface="Calibri"/>
-                <a:cs typeface="Calibri"/>
-                <a:sym typeface="Calibri"/>
-              </a:rPr>
-              <a:t> </a:t>
-            </a:r>
-          </a:p>
-          <a:p>
-            <a:pPr algn="ctr"/>
-            <a:r>
-              <a:rPr lang="en-US" sz="1250" dirty="0">
-                <a:solidFill>
-                  <a:srgbClr val="2B7418"/>
-                </a:solidFill>
-                <a:latin typeface="Calibri"/>
-                <a:ea typeface="Calibri"/>
-                <a:cs typeface="Calibri"/>
-                <a:sym typeface="Calibri"/>
-              </a:rPr>
-              <a:t>to</a:t>
-            </a:r>
-            <a:r>
-              <a:rPr lang="en-US" sz="1250" b="1" dirty="0">
-                <a:solidFill>
-                  <a:srgbClr val="2B7418"/>
-                </a:solidFill>
-                <a:latin typeface="Calibri"/>
-                <a:ea typeface="Calibri"/>
-                <a:cs typeface="Calibri"/>
-                <a:sym typeface="Calibri"/>
-              </a:rPr>
-              <a:t> S3 Bucket</a:t>
-            </a:r>
-            <a:endParaRPr lang="en-US" sz="1250" b="1" dirty="0">
-              <a:solidFill>
-                <a:srgbClr val="2B7418"/>
-              </a:solidFill>
-            </a:endParaRPr>
-          </a:p>
-        </p:txBody>
-      </p:sp>
-      <p:pic>
-        <p:nvPicPr>
-          <p:cNvPr id="13" name="Graphic 68">
-            <a:extLst>
-              <a:ext uri="{FF2B5EF4-FFF2-40B4-BE49-F238E27FC236}">
-                <a16:creationId xmlns:a16="http://schemas.microsoft.com/office/drawing/2014/main" id="{4A1894B5-26E1-4FE3-BCC9-AF01BF954EDA}"/>
-              </a:ext>
-            </a:extLst>
-          </p:cNvPr>
-          <p:cNvPicPr>
-            <a:picLocks noChangeAspect="1"/>
-          </p:cNvPicPr>
-          <p:nvPr/>
-        </p:nvPicPr>
-        <p:blipFill>
-          <a:blip r:embed="rId3">
-            <a:extLst>
-              <a:ext uri="{96DAC541-7B7A-43D3-8B79-37D633B846F1}">
-                <asvg:svgBlip xmlns:asvg="http://schemas.microsoft.com/office/drawing/2016/SVG/main" r:embed="rId4"/>
-              </a:ext>
-            </a:extLst>
-          </a:blip>
-          <a:stretch>
-            <a:fillRect/>
-          </a:stretch>
-        </p:blipFill>
-        <p:spPr>
-          <a:xfrm>
-            <a:off x="9987911" y="2141147"/>
-            <a:ext cx="605017" cy="605019"/>
-          </a:xfrm>
-          <a:prstGeom prst="rect">
-            <a:avLst/>
-          </a:prstGeom>
-        </p:spPr>
-      </p:pic>
-      <p:sp>
-        <p:nvSpPr>
-          <p:cNvPr id="14" name="TextBox 13">
-            <a:extLst>
-              <a:ext uri="{FF2B5EF4-FFF2-40B4-BE49-F238E27FC236}">
-                <a16:creationId xmlns:a16="http://schemas.microsoft.com/office/drawing/2014/main" id="{7627BB45-57F8-4210-8C5E-2400ED2AE9BD}"/>
-              </a:ext>
-            </a:extLst>
-          </p:cNvPr>
-          <p:cNvSpPr txBox="1"/>
-          <p:nvPr/>
-        </p:nvSpPr>
-        <p:spPr>
-          <a:xfrm>
-            <a:off x="8253799" y="1535811"/>
-            <a:ext cx="436338" cy="400110"/>
-          </a:xfrm>
-          <a:prstGeom prst="rect">
-            <a:avLst/>
-          </a:prstGeom>
-          <a:noFill/>
-        </p:spPr>
-        <p:txBody>
-          <a:bodyPr wrap="none" rtlCol="0">
-            <a:spAutoFit/>
-          </a:bodyPr>
-          <a:lstStyle/>
-          <a:p>
-            <a:r>
-              <a:rPr lang="en-US" sz="2000" b="1" dirty="0">
-                <a:solidFill>
-                  <a:srgbClr val="2B7418"/>
-                </a:solidFill>
-              </a:rPr>
-              <a:t>S3</a:t>
-            </a:r>
-          </a:p>
-        </p:txBody>
-      </p:sp>
-      <p:cxnSp>
-        <p:nvCxnSpPr>
-          <p:cNvPr id="15" name="Straight Arrow Connector 14">
-            <a:extLst>
-              <a:ext uri="{FF2B5EF4-FFF2-40B4-BE49-F238E27FC236}">
-                <a16:creationId xmlns:a16="http://schemas.microsoft.com/office/drawing/2014/main" id="{4AAD7E5C-48AD-4B8E-9091-A381C5724517}"/>
-              </a:ext>
-            </a:extLst>
-          </p:cNvPr>
-          <p:cNvCxnSpPr>
-            <a:cxnSpLocks/>
-            <a:endCxn id="12" idx="1"/>
-          </p:cNvCxnSpPr>
-          <p:nvPr/>
-        </p:nvCxnSpPr>
-        <p:spPr>
-          <a:xfrm>
-            <a:off x="7620000" y="2439069"/>
-            <a:ext cx="990194" cy="0"/>
-          </a:xfrm>
-          <a:prstGeom prst="straightConnector1">
-            <a:avLst/>
-          </a:prstGeom>
-          <a:ln w="63500">
-            <a:solidFill>
-              <a:schemeClr val="tx1"/>
-            </a:solidFill>
-            <a:prstDash val="dash"/>
-            <a:headEnd type="none"/>
-            <a:tailEnd type="triangle"/>
-          </a:ln>
-        </p:spPr>
-        <p:style>
-          <a:lnRef idx="1">
-            <a:schemeClr val="accent1"/>
-          </a:lnRef>
-          <a:fillRef idx="0">
-            <a:schemeClr val="accent1"/>
-          </a:fillRef>
-          <a:effectRef idx="0">
-            <a:schemeClr val="accent1"/>
-          </a:effectRef>
-          <a:fontRef idx="minor">
-            <a:schemeClr val="tx1"/>
-          </a:fontRef>
-        </p:style>
-      </p:cxnSp>
-      <p:sp>
-        <p:nvSpPr>
-          <p:cNvPr id="18" name="Rectangle 17">
-            <a:extLst>
-              <a:ext uri="{FF2B5EF4-FFF2-40B4-BE49-F238E27FC236}">
-                <a16:creationId xmlns:a16="http://schemas.microsoft.com/office/drawing/2014/main" id="{A1126BF7-83BA-4727-A169-234E7E0FF789}"/>
-              </a:ext>
-            </a:extLst>
-          </p:cNvPr>
-          <p:cNvSpPr/>
-          <p:nvPr/>
-        </p:nvSpPr>
-        <p:spPr>
-          <a:xfrm>
-            <a:off x="7181852" y="1690688"/>
-            <a:ext cx="785813" cy="709612"/>
-          </a:xfrm>
-          <a:prstGeom prst="rect">
-            <a:avLst/>
-          </a:prstGeom>
-          <a:solidFill>
-            <a:schemeClr val="bg1"/>
-          </a:solidFill>
-          <a:ln>
-            <a:noFill/>
-          </a:ln>
-        </p:spPr>
-        <p:style>
-          <a:lnRef idx="2">
-            <a:schemeClr val="accent1">
-              <a:shade val="50000"/>
-            </a:schemeClr>
-          </a:lnRef>
-          <a:fillRef idx="1">
-            <a:schemeClr val="accent1"/>
-          </a:fillRef>
-          <a:effectRef idx="0">
-            <a:schemeClr val="accent1"/>
-          </a:effectRef>
-          <a:fontRef idx="minor">
-            <a:schemeClr val="lt1"/>
-          </a:fontRef>
-        </p:style>
-        <p:txBody>
-          <a:bodyPr rtlCol="0" anchor="ctr"/>
-          <a:lstStyle/>
-          <a:p>
-            <a:pPr algn="ctr"/>
-            <a:endParaRPr lang="en-US" sz="1801"/>
-          </a:p>
-        </p:txBody>
-      </p:sp>
-      <p:sp>
-        <p:nvSpPr>
-          <p:cNvPr id="10" name="Rectangle: Rounded Corners 9">
-            <a:extLst>
-              <a:ext uri="{FF2B5EF4-FFF2-40B4-BE49-F238E27FC236}">
-                <a16:creationId xmlns:a16="http://schemas.microsoft.com/office/drawing/2014/main" id="{53EB6383-AFC5-43F8-8ABC-30BA663CEA5C}"/>
-              </a:ext>
-            </a:extLst>
-          </p:cNvPr>
-          <p:cNvSpPr/>
-          <p:nvPr/>
-        </p:nvSpPr>
-        <p:spPr>
-          <a:xfrm>
-            <a:off x="571501" y="1600200"/>
-            <a:ext cx="6134100" cy="1943100"/>
+            <a:off x="7648577" y="2571750"/>
+            <a:ext cx="2981324" cy="2185417"/>
           </a:xfrm>
           <a:prstGeom prst="roundRect">
             <a:avLst/>
@@ -8769,10 +10150,44 @@
           </a:p>
         </p:txBody>
       </p:sp>
+      <p:sp>
+        <p:nvSpPr>
+          <p:cNvPr id="2" name="Title 1">
+            <a:extLst>
+              <a:ext uri="{FF2B5EF4-FFF2-40B4-BE49-F238E27FC236}">
+                <a16:creationId xmlns:a16="http://schemas.microsoft.com/office/drawing/2014/main" id="{23817875-8547-414E-8C56-4169ADD13882}"/>
+              </a:ext>
+            </a:extLst>
+          </p:cNvPr>
+          <p:cNvSpPr>
+            <a:spLocks noGrp="1"/>
+          </p:cNvSpPr>
+          <p:nvPr>
+            <p:ph type="title"/>
+          </p:nvPr>
+        </p:nvSpPr>
+        <p:spPr/>
+        <p:txBody>
+          <a:bodyPr>
+            <a:normAutofit/>
+          </a:bodyPr>
+          <a:lstStyle/>
+          <a:p>
+            <a:r>
+              <a:rPr lang="en-US" sz="4000" b="1" cap="small" dirty="0">
+                <a:latin typeface="Arial" panose="020B0604020202020204" pitchFamily="34" charset="0"/>
+                <a:cs typeface="Arial" panose="020B0604020202020204" pitchFamily="34" charset="0"/>
+              </a:rPr>
+              <a:t>Step 1: Data Processing and Upload</a:t>
+            </a:r>
+            <a:endParaRPr lang="en-US" sz="4000" dirty="0"/>
+          </a:p>
+        </p:txBody>
+      </p:sp>
     </p:spTree>
     <p:extLst>
       <p:ext uri="{BB962C8B-B14F-4D97-AF65-F5344CB8AC3E}">
-        <p14:creationId xmlns:p14="http://schemas.microsoft.com/office/powerpoint/2010/main" val="3551521996"/>
+        <p14:creationId xmlns:p14="http://schemas.microsoft.com/office/powerpoint/2010/main" val="1369652721"/>
       </p:ext>
     </p:extLst>
   </p:cSld>
@@ -8823,26 +10238,26 @@
           <a:lstStyle/>
           <a:p>
             <a:r>
-              <a:rPr lang="en-US" sz="4000" b="1" dirty="0">
+              <a:rPr lang="en-US" sz="4000" b="1" cap="small" dirty="0">
                 <a:latin typeface="Arial" panose="020B0604020202020204" pitchFamily="34" charset="0"/>
                 <a:cs typeface="Arial" panose="020B0604020202020204" pitchFamily="34" charset="0"/>
               </a:rPr>
               <a:t>Step 2: Model Training and </a:t>
             </a:r>
             <a:br>
-              <a:rPr lang="en-US" sz="4000" b="1" dirty="0">
+              <a:rPr lang="en-US" sz="4000" b="1" cap="small" dirty="0">
                 <a:latin typeface="Arial" panose="020B0604020202020204" pitchFamily="34" charset="0"/>
                 <a:cs typeface="Arial" panose="020B0604020202020204" pitchFamily="34" charset="0"/>
               </a:rPr>
             </a:br>
             <a:r>
-              <a:rPr lang="en-US" sz="4000" b="1" dirty="0">
+              <a:rPr lang="en-US" sz="4000" b="1" cap="small" dirty="0">
                 <a:latin typeface="Arial" panose="020B0604020202020204" pitchFamily="34" charset="0"/>
                 <a:cs typeface="Arial" panose="020B0604020202020204" pitchFamily="34" charset="0"/>
               </a:rPr>
               <a:t>Endpoint Deployment</a:t>
             </a:r>
-            <a:endParaRPr lang="en-US" sz="4000" dirty="0"/>
+            <a:endParaRPr lang="en-US" sz="4000" cap="small" dirty="0"/>
           </a:p>
         </p:txBody>
       </p:sp>
@@ -9226,75 +10641,10 @@
           </a:p>
         </p:txBody>
       </p:sp>
-      <p:sp>
-        <p:nvSpPr>
-          <p:cNvPr id="16" name="Rectangle: Rounded Corners 15">
-            <a:extLst>
-              <a:ext uri="{FF2B5EF4-FFF2-40B4-BE49-F238E27FC236}">
-                <a16:creationId xmlns:a16="http://schemas.microsoft.com/office/drawing/2014/main" id="{8D35297E-DE76-4617-BF1B-0E7EB8D1E88E}"/>
-              </a:ext>
-            </a:extLst>
-          </p:cNvPr>
-          <p:cNvSpPr/>
-          <p:nvPr/>
-        </p:nvSpPr>
-        <p:spPr>
-          <a:xfrm>
-            <a:off x="771525" y="3590926"/>
-            <a:ext cx="10515598" cy="3038476"/>
-          </a:xfrm>
-          <a:prstGeom prst="roundRect">
-            <a:avLst/>
-          </a:prstGeom>
-          <a:noFill/>
-          <a:ln w="130175" cap="rnd">
-            <a:solidFill>
-              <a:srgbClr val="FFFF00"/>
-            </a:solidFill>
-          </a:ln>
-          <a:effectLst>
-            <a:glow rad="101600">
-              <a:schemeClr val="accent4">
-                <a:satMod val="175000"/>
-                <a:alpha val="40000"/>
-              </a:schemeClr>
-            </a:glow>
-            <a:outerShdw blurRad="50800" dist="38100" dir="2700000" algn="tl" rotWithShape="0">
-              <a:prstClr val="black">
-                <a:alpha val="40000"/>
-              </a:prstClr>
-            </a:outerShdw>
-          </a:effectLst>
-        </p:spPr>
-        <p:style>
-          <a:lnRef idx="2">
-            <a:schemeClr val="accent1">
-              <a:shade val="50000"/>
-            </a:schemeClr>
-          </a:lnRef>
-          <a:fillRef idx="1">
-            <a:schemeClr val="accent1"/>
-          </a:fillRef>
-          <a:effectRef idx="0">
-            <a:schemeClr val="accent1"/>
-          </a:effectRef>
-          <a:fontRef idx="minor">
-            <a:schemeClr val="lt1"/>
-          </a:fontRef>
-        </p:style>
-        <p:txBody>
-          <a:bodyPr rtlCol="0" anchor="ctr"/>
-          <a:lstStyle/>
-          <a:p>
-            <a:pPr algn="ctr"/>
-            <a:endParaRPr lang="en-US" sz="1801"/>
-          </a:p>
-        </p:txBody>
-      </p:sp>
     </p:spTree>
     <p:extLst>
       <p:ext uri="{BB962C8B-B14F-4D97-AF65-F5344CB8AC3E}">
-        <p14:creationId xmlns:p14="http://schemas.microsoft.com/office/powerpoint/2010/main" val="2441153182"/>
+        <p14:creationId xmlns:p14="http://schemas.microsoft.com/office/powerpoint/2010/main" val="1191968252"/>
       </p:ext>
     </p:extLst>
   </p:cSld>
